--- a/Valve config.pptx
+++ b/Valve config.pptx
@@ -197,7 +197,7 @@
           <a:p>
             <a:fld id="{EE6BEC3B-6F85-4302-8908-900C0D6C4FEC}" type="datetimeFigureOut">
               <a:rPr lang="en-FI" smtClean="0"/>
-              <a:t>03/10/2025</a:t>
+              <a:t>26/03/2025</a:t>
             </a:fld>
             <a:endParaRPr lang="en-FI"/>
           </a:p>
@@ -722,7 +722,7 @@
           <a:p>
             <a:fld id="{86A0A194-F300-4491-8CC8-FAE241B806F0}" type="datetimeFigureOut">
               <a:rPr lang="en-FI" smtClean="0"/>
-              <a:t>03/10/2025</a:t>
+              <a:t>26/03/2025</a:t>
             </a:fld>
             <a:endParaRPr lang="en-FI"/>
           </a:p>
@@ -922,7 +922,7 @@
           <a:p>
             <a:fld id="{86A0A194-F300-4491-8CC8-FAE241B806F0}" type="datetimeFigureOut">
               <a:rPr lang="en-FI" smtClean="0"/>
-              <a:t>03/10/2025</a:t>
+              <a:t>26/03/2025</a:t>
             </a:fld>
             <a:endParaRPr lang="en-FI"/>
           </a:p>
@@ -1132,7 +1132,7 @@
           <a:p>
             <a:fld id="{86A0A194-F300-4491-8CC8-FAE241B806F0}" type="datetimeFigureOut">
               <a:rPr lang="en-FI" smtClean="0"/>
-              <a:t>03/10/2025</a:t>
+              <a:t>26/03/2025</a:t>
             </a:fld>
             <a:endParaRPr lang="en-FI"/>
           </a:p>
@@ -1332,7 +1332,7 @@
           <a:p>
             <a:fld id="{86A0A194-F300-4491-8CC8-FAE241B806F0}" type="datetimeFigureOut">
               <a:rPr lang="en-FI" smtClean="0"/>
-              <a:t>03/10/2025</a:t>
+              <a:t>26/03/2025</a:t>
             </a:fld>
             <a:endParaRPr lang="en-FI"/>
           </a:p>
@@ -1608,7 +1608,7 @@
           <a:p>
             <a:fld id="{86A0A194-F300-4491-8CC8-FAE241B806F0}" type="datetimeFigureOut">
               <a:rPr lang="en-FI" smtClean="0"/>
-              <a:t>03/10/2025</a:t>
+              <a:t>26/03/2025</a:t>
             </a:fld>
             <a:endParaRPr lang="en-FI"/>
           </a:p>
@@ -1876,7 +1876,7 @@
           <a:p>
             <a:fld id="{86A0A194-F300-4491-8CC8-FAE241B806F0}" type="datetimeFigureOut">
               <a:rPr lang="en-FI" smtClean="0"/>
-              <a:t>03/10/2025</a:t>
+              <a:t>26/03/2025</a:t>
             </a:fld>
             <a:endParaRPr lang="en-FI"/>
           </a:p>
@@ -2291,7 +2291,7 @@
           <a:p>
             <a:fld id="{86A0A194-F300-4491-8CC8-FAE241B806F0}" type="datetimeFigureOut">
               <a:rPr lang="en-FI" smtClean="0"/>
-              <a:t>03/10/2025</a:t>
+              <a:t>26/03/2025</a:t>
             </a:fld>
             <a:endParaRPr lang="en-FI"/>
           </a:p>
@@ -2433,7 +2433,7 @@
           <a:p>
             <a:fld id="{86A0A194-F300-4491-8CC8-FAE241B806F0}" type="datetimeFigureOut">
               <a:rPr lang="en-FI" smtClean="0"/>
-              <a:t>03/10/2025</a:t>
+              <a:t>26/03/2025</a:t>
             </a:fld>
             <a:endParaRPr lang="en-FI"/>
           </a:p>
@@ -2546,7 +2546,7 @@
           <a:p>
             <a:fld id="{86A0A194-F300-4491-8CC8-FAE241B806F0}" type="datetimeFigureOut">
               <a:rPr lang="en-FI" smtClean="0"/>
-              <a:t>03/10/2025</a:t>
+              <a:t>26/03/2025</a:t>
             </a:fld>
             <a:endParaRPr lang="en-FI"/>
           </a:p>
@@ -2859,7 +2859,7 @@
           <a:p>
             <a:fld id="{86A0A194-F300-4491-8CC8-FAE241B806F0}" type="datetimeFigureOut">
               <a:rPr lang="en-FI" smtClean="0"/>
-              <a:t>03/10/2025</a:t>
+              <a:t>26/03/2025</a:t>
             </a:fld>
             <a:endParaRPr lang="en-FI"/>
           </a:p>
@@ -3148,7 +3148,7 @@
           <a:p>
             <a:fld id="{86A0A194-F300-4491-8CC8-FAE241B806F0}" type="datetimeFigureOut">
               <a:rPr lang="en-FI" smtClean="0"/>
-              <a:t>03/10/2025</a:t>
+              <a:t>26/03/2025</a:t>
             </a:fld>
             <a:endParaRPr lang="en-FI"/>
           </a:p>
@@ -3391,7 +3391,7 @@
           <a:p>
             <a:fld id="{86A0A194-F300-4491-8CC8-FAE241B806F0}" type="datetimeFigureOut">
               <a:rPr lang="en-FI" smtClean="0"/>
-              <a:t>03/10/2025</a:t>
+              <a:t>26/03/2025</a:t>
             </a:fld>
             <a:endParaRPr lang="en-FI"/>
           </a:p>
@@ -3814,6 +3814,92 @@
           <a:chExt cx="0" cy="0"/>
         </a:xfrm>
       </p:grpSpPr>
+      <p:cxnSp>
+        <p:nvCxnSpPr>
+          <p:cNvPr id="149" name="Straight Connector 148">
+            <a:extLst>
+              <a:ext uri="{FF2B5EF4-FFF2-40B4-BE49-F238E27FC236}">
+                <a16:creationId xmlns:a16="http://schemas.microsoft.com/office/drawing/2014/main" id="{9AAFE7C0-F783-192E-F8B7-5F783A77C7F1}"/>
+              </a:ext>
+            </a:extLst>
+          </p:cNvPr>
+          <p:cNvCxnSpPr>
+            <a:cxnSpLocks/>
+          </p:cNvCxnSpPr>
+          <p:nvPr/>
+        </p:nvCxnSpPr>
+        <p:spPr>
+          <a:xfrm>
+            <a:off x="3889150" y="388478"/>
+            <a:ext cx="5919" cy="355960"/>
+          </a:xfrm>
+          <a:prstGeom prst="line">
+            <a:avLst/>
+          </a:prstGeom>
+          <a:ln w="57150">
+            <a:solidFill>
+              <a:srgbClr val="C00000"/>
+            </a:solidFill>
+          </a:ln>
+        </p:spPr>
+        <p:style>
+          <a:lnRef idx="1">
+            <a:schemeClr val="accent1"/>
+          </a:lnRef>
+          <a:fillRef idx="0">
+            <a:schemeClr val="accent1"/>
+          </a:fillRef>
+          <a:effectRef idx="0">
+            <a:schemeClr val="accent1"/>
+          </a:effectRef>
+          <a:fontRef idx="minor">
+            <a:schemeClr val="tx1"/>
+          </a:fontRef>
+        </p:style>
+      </p:cxnSp>
+      <p:cxnSp>
+        <p:nvCxnSpPr>
+          <p:cNvPr id="109" name="Straight Connector 108">
+            <a:extLst>
+              <a:ext uri="{FF2B5EF4-FFF2-40B4-BE49-F238E27FC236}">
+                <a16:creationId xmlns:a16="http://schemas.microsoft.com/office/drawing/2014/main" id="{30485D57-B142-ED3F-7811-1D4B41FD2C4E}"/>
+              </a:ext>
+            </a:extLst>
+          </p:cNvPr>
+          <p:cNvCxnSpPr>
+            <a:cxnSpLocks/>
+          </p:cNvCxnSpPr>
+          <p:nvPr/>
+        </p:nvCxnSpPr>
+        <p:spPr>
+          <a:xfrm flipH="1">
+            <a:off x="2102148" y="957229"/>
+            <a:ext cx="3084296" cy="0"/>
+          </a:xfrm>
+          <a:prstGeom prst="line">
+            <a:avLst/>
+          </a:prstGeom>
+          <a:ln w="57150">
+            <a:solidFill>
+              <a:srgbClr val="C00000"/>
+            </a:solidFill>
+          </a:ln>
+        </p:spPr>
+        <p:style>
+          <a:lnRef idx="1">
+            <a:schemeClr val="accent1"/>
+          </a:lnRef>
+          <a:fillRef idx="0">
+            <a:schemeClr val="accent1"/>
+          </a:fillRef>
+          <a:effectRef idx="0">
+            <a:schemeClr val="accent1"/>
+          </a:effectRef>
+          <a:fontRef idx="minor">
+            <a:schemeClr val="tx1"/>
+          </a:fontRef>
+        </p:style>
+      </p:cxnSp>
       <p:sp>
         <p:nvSpPr>
           <p:cNvPr id="49" name="Cross 46">
@@ -5463,10 +5549,10 @@
       </p:cxnSp>
       <p:sp>
         <p:nvSpPr>
-          <p:cNvPr id="97" name="Cross 46">
-            <a:extLst>
-              <a:ext uri="{FF2B5EF4-FFF2-40B4-BE49-F238E27FC236}">
-                <a16:creationId xmlns:a16="http://schemas.microsoft.com/office/drawing/2014/main" id="{49D8B0D7-3D6E-9215-9E79-8C62FB7DA7AD}"/>
+          <p:cNvPr id="103" name="Rectangle 102">
+            <a:extLst>
+              <a:ext uri="{FF2B5EF4-FFF2-40B4-BE49-F238E27FC236}">
+                <a16:creationId xmlns:a16="http://schemas.microsoft.com/office/drawing/2014/main" id="{0E2A5C44-852A-C179-845F-4A692BAD2AF6}"/>
               </a:ext>
             </a:extLst>
           </p:cNvPr>
@@ -5474,8 +5560,3215 @@
           <p:nvPr/>
         </p:nvSpPr>
         <p:spPr>
+          <a:xfrm>
+            <a:off x="5186444" y="568388"/>
+            <a:ext cx="1025745" cy="712177"/>
+          </a:xfrm>
+          <a:prstGeom prst="rect">
+            <a:avLst/>
+          </a:prstGeom>
+          <a:solidFill>
+            <a:schemeClr val="bg1"/>
+          </a:solidFill>
+          <a:ln w="38100"/>
+        </p:spPr>
+        <p:style>
+          <a:lnRef idx="2">
+            <a:schemeClr val="accent1">
+              <a:shade val="50000"/>
+            </a:schemeClr>
+          </a:lnRef>
+          <a:fillRef idx="1">
+            <a:schemeClr val="accent1"/>
+          </a:fillRef>
+          <a:effectRef idx="0">
+            <a:schemeClr val="accent1"/>
+          </a:effectRef>
+          <a:fontRef idx="minor">
+            <a:schemeClr val="lt1"/>
+          </a:fontRef>
+        </p:style>
+        <p:txBody>
+          <a:bodyPr rtlCol="0" anchor="ctr"/>
+          <a:lstStyle/>
+          <a:p>
+            <a:pPr algn="ctr"/>
+            <a:r>
+              <a:rPr lang="fi-FI" sz="1600" dirty="0" err="1">
+                <a:solidFill>
+                  <a:schemeClr val="tx1"/>
+                </a:solidFill>
+              </a:rPr>
+              <a:t>Pressure</a:t>
+            </a:r>
+            <a:r>
+              <a:rPr lang="fi-FI" sz="1600" dirty="0">
+                <a:solidFill>
+                  <a:schemeClr val="tx1"/>
+                </a:solidFill>
+              </a:rPr>
+              <a:t> sensor</a:t>
+            </a:r>
+          </a:p>
+        </p:txBody>
+      </p:sp>
+      <p:cxnSp>
+        <p:nvCxnSpPr>
+          <p:cNvPr id="112" name="Straight Connector 111">
+            <a:extLst>
+              <a:ext uri="{FF2B5EF4-FFF2-40B4-BE49-F238E27FC236}">
+                <a16:creationId xmlns:a16="http://schemas.microsoft.com/office/drawing/2014/main" id="{5CE82033-0D82-0E40-135F-448D66269CF5}"/>
+              </a:ext>
+            </a:extLst>
+          </p:cNvPr>
+          <p:cNvCxnSpPr>
+            <a:cxnSpLocks/>
+          </p:cNvCxnSpPr>
+          <p:nvPr/>
+        </p:nvCxnSpPr>
+        <p:spPr>
+          <a:xfrm>
+            <a:off x="97660" y="1464754"/>
+            <a:ext cx="2044617" cy="0"/>
+          </a:xfrm>
+          <a:prstGeom prst="line">
+            <a:avLst/>
+          </a:prstGeom>
+          <a:ln w="57150">
+            <a:solidFill>
+              <a:srgbClr val="C00000"/>
+            </a:solidFill>
+            <a:headEnd type="arrow"/>
+            <a:tailEnd type="none"/>
+          </a:ln>
+        </p:spPr>
+        <p:style>
+          <a:lnRef idx="1">
+            <a:schemeClr val="accent1"/>
+          </a:lnRef>
+          <a:fillRef idx="0">
+            <a:schemeClr val="accent1"/>
+          </a:fillRef>
+          <a:effectRef idx="0">
+            <a:schemeClr val="accent1"/>
+          </a:effectRef>
+          <a:fontRef idx="minor">
+            <a:schemeClr val="tx1"/>
+          </a:fontRef>
+        </p:style>
+      </p:cxnSp>
+      <p:cxnSp>
+        <p:nvCxnSpPr>
+          <p:cNvPr id="113" name="Straight Connector 112">
+            <a:extLst>
+              <a:ext uri="{FF2B5EF4-FFF2-40B4-BE49-F238E27FC236}">
+                <a16:creationId xmlns:a16="http://schemas.microsoft.com/office/drawing/2014/main" id="{1B053E98-663B-DBFF-AE25-65F105FA605F}"/>
+              </a:ext>
+            </a:extLst>
+          </p:cNvPr>
+          <p:cNvCxnSpPr>
+            <a:cxnSpLocks/>
+          </p:cNvCxnSpPr>
+          <p:nvPr/>
+        </p:nvCxnSpPr>
+        <p:spPr>
+          <a:xfrm flipV="1">
+            <a:off x="5215306" y="1464557"/>
+            <a:ext cx="0" cy="1222827"/>
+          </a:xfrm>
+          <a:prstGeom prst="line">
+            <a:avLst/>
+          </a:prstGeom>
+          <a:ln w="57150">
+            <a:solidFill>
+              <a:srgbClr val="C00000"/>
+            </a:solidFill>
+            <a:headEnd type="arrow"/>
+            <a:tailEnd type="none"/>
+          </a:ln>
+        </p:spPr>
+        <p:style>
+          <a:lnRef idx="1">
+            <a:schemeClr val="accent1"/>
+          </a:lnRef>
+          <a:fillRef idx="0">
+            <a:schemeClr val="accent1"/>
+          </a:fillRef>
+          <a:effectRef idx="0">
+            <a:schemeClr val="accent1"/>
+          </a:effectRef>
+          <a:fontRef idx="minor">
+            <a:schemeClr val="tx1"/>
+          </a:fontRef>
+        </p:style>
+      </p:cxnSp>
+      <p:sp>
+        <p:nvSpPr>
+          <p:cNvPr id="114" name="TextBox 113">
+            <a:extLst>
+              <a:ext uri="{FF2B5EF4-FFF2-40B4-BE49-F238E27FC236}">
+                <a16:creationId xmlns:a16="http://schemas.microsoft.com/office/drawing/2014/main" id="{2B169F6C-F003-99E0-DC71-4DDA73A39856}"/>
+              </a:ext>
+            </a:extLst>
+          </p:cNvPr>
+          <p:cNvSpPr txBox="1"/>
+          <p:nvPr/>
+        </p:nvSpPr>
+        <p:spPr>
+          <a:xfrm>
+            <a:off x="5603472" y="1734691"/>
+            <a:ext cx="1135247" cy="369332"/>
+          </a:xfrm>
+          <a:prstGeom prst="rect">
+            <a:avLst/>
+          </a:prstGeom>
+          <a:noFill/>
+        </p:spPr>
+        <p:txBody>
+          <a:bodyPr wrap="none" rtlCol="0">
+            <a:spAutoFit/>
+          </a:bodyPr>
+          <a:lstStyle/>
+          <a:p>
+            <a:r>
+              <a:rPr lang="fi-FI" dirty="0"/>
+              <a:t>Sample IN</a:t>
+            </a:r>
+          </a:p>
+        </p:txBody>
+      </p:sp>
+      <p:sp>
+        <p:nvSpPr>
+          <p:cNvPr id="116" name="TextBox 115">
+            <a:extLst>
+              <a:ext uri="{FF2B5EF4-FFF2-40B4-BE49-F238E27FC236}">
+                <a16:creationId xmlns:a16="http://schemas.microsoft.com/office/drawing/2014/main" id="{99D1FA64-EE0C-AADC-D867-1AA8FB46311C}"/>
+              </a:ext>
+            </a:extLst>
+          </p:cNvPr>
+          <p:cNvSpPr txBox="1"/>
+          <p:nvPr/>
+        </p:nvSpPr>
+        <p:spPr>
+          <a:xfrm>
+            <a:off x="324172" y="705712"/>
+            <a:ext cx="1196161" cy="369332"/>
+          </a:xfrm>
+          <a:prstGeom prst="rect">
+            <a:avLst/>
+          </a:prstGeom>
+          <a:noFill/>
+        </p:spPr>
+        <p:txBody>
+          <a:bodyPr wrap="none" rtlCol="0">
+            <a:spAutoFit/>
+          </a:bodyPr>
+          <a:lstStyle/>
+          <a:p>
+            <a:r>
+              <a:rPr lang="fi-FI" dirty="0" err="1"/>
+              <a:t>Pump</a:t>
+            </a:r>
+            <a:r>
+              <a:rPr lang="fi-FI" dirty="0"/>
+              <a:t> OUT</a:t>
+            </a:r>
+          </a:p>
+        </p:txBody>
+      </p:sp>
+      <p:sp>
+        <p:nvSpPr>
+          <p:cNvPr id="117" name="TextBox 116">
+            <a:extLst>
+              <a:ext uri="{FF2B5EF4-FFF2-40B4-BE49-F238E27FC236}">
+                <a16:creationId xmlns:a16="http://schemas.microsoft.com/office/drawing/2014/main" id="{6EA423FD-4B7C-8594-EF64-D5D15001907B}"/>
+              </a:ext>
+            </a:extLst>
+          </p:cNvPr>
+          <p:cNvSpPr txBox="1"/>
+          <p:nvPr/>
+        </p:nvSpPr>
+        <p:spPr>
+          <a:xfrm>
+            <a:off x="600256" y="3520591"/>
+            <a:ext cx="514885" cy="461665"/>
+          </a:xfrm>
+          <a:prstGeom prst="rect">
+            <a:avLst/>
+          </a:prstGeom>
+          <a:noFill/>
+        </p:spPr>
+        <p:txBody>
+          <a:bodyPr wrap="none" rtlCol="0">
+            <a:spAutoFit/>
+          </a:bodyPr>
+          <a:lstStyle/>
+          <a:p>
+            <a:r>
+              <a:rPr lang="fi-FI" sz="2400" dirty="0"/>
+              <a:t>V1</a:t>
+            </a:r>
+          </a:p>
+        </p:txBody>
+      </p:sp>
+      <p:sp>
+        <p:nvSpPr>
+          <p:cNvPr id="118" name="TextBox 117">
+            <a:extLst>
+              <a:ext uri="{FF2B5EF4-FFF2-40B4-BE49-F238E27FC236}">
+                <a16:creationId xmlns:a16="http://schemas.microsoft.com/office/drawing/2014/main" id="{1A41092A-6B1B-3C5B-1110-68DCC8AD1505}"/>
+              </a:ext>
+            </a:extLst>
+          </p:cNvPr>
+          <p:cNvSpPr txBox="1"/>
+          <p:nvPr/>
+        </p:nvSpPr>
+        <p:spPr>
+          <a:xfrm>
+            <a:off x="3147888" y="3578077"/>
+            <a:ext cx="514885" cy="461665"/>
+          </a:xfrm>
+          <a:prstGeom prst="rect">
+            <a:avLst/>
+          </a:prstGeom>
+          <a:noFill/>
+        </p:spPr>
+        <p:txBody>
+          <a:bodyPr wrap="none" rtlCol="0">
+            <a:spAutoFit/>
+          </a:bodyPr>
+          <a:lstStyle/>
+          <a:p>
+            <a:r>
+              <a:rPr lang="fi-FI" sz="2400" dirty="0"/>
+              <a:t>V1</a:t>
+            </a:r>
+          </a:p>
+        </p:txBody>
+      </p:sp>
+      <p:sp>
+        <p:nvSpPr>
+          <p:cNvPr id="119" name="TextBox 118">
+            <a:extLst>
+              <a:ext uri="{FF2B5EF4-FFF2-40B4-BE49-F238E27FC236}">
+                <a16:creationId xmlns:a16="http://schemas.microsoft.com/office/drawing/2014/main" id="{BAF4E8F8-355E-ACC8-F226-0426D1256A8F}"/>
+              </a:ext>
+            </a:extLst>
+          </p:cNvPr>
+          <p:cNvSpPr txBox="1"/>
+          <p:nvPr/>
+        </p:nvSpPr>
+        <p:spPr>
+          <a:xfrm>
+            <a:off x="2246007" y="3001370"/>
+            <a:ext cx="514885" cy="461665"/>
+          </a:xfrm>
+          <a:prstGeom prst="rect">
+            <a:avLst/>
+          </a:prstGeom>
+          <a:noFill/>
+        </p:spPr>
+        <p:txBody>
+          <a:bodyPr wrap="none" rtlCol="0">
+            <a:spAutoFit/>
+          </a:bodyPr>
+          <a:lstStyle/>
+          <a:p>
+            <a:r>
+              <a:rPr lang="fi-FI" sz="2400" dirty="0"/>
+              <a:t>V2</a:t>
+            </a:r>
+          </a:p>
+        </p:txBody>
+      </p:sp>
+      <p:sp>
+        <p:nvSpPr>
+          <p:cNvPr id="2" name="Arc 1">
+            <a:extLst>
+              <a:ext uri="{FF2B5EF4-FFF2-40B4-BE49-F238E27FC236}">
+                <a16:creationId xmlns:a16="http://schemas.microsoft.com/office/drawing/2014/main" id="{33C43233-2353-5501-1414-82C4FFE3BFB2}"/>
+              </a:ext>
+            </a:extLst>
+          </p:cNvPr>
+          <p:cNvSpPr/>
+          <p:nvPr/>
+        </p:nvSpPr>
+        <p:spPr>
+          <a:xfrm rot="10800000">
+            <a:off x="1878877" y="2411291"/>
+            <a:ext cx="491530" cy="372914"/>
+          </a:xfrm>
+          <a:prstGeom prst="arc">
+            <a:avLst>
+              <a:gd name="adj1" fmla="val 16200000"/>
+              <a:gd name="adj2" fmla="val 5544526"/>
+            </a:avLst>
+          </a:prstGeom>
+          <a:ln w="57150">
+            <a:solidFill>
+              <a:srgbClr val="C00000"/>
+            </a:solidFill>
+          </a:ln>
+        </p:spPr>
+        <p:style>
+          <a:lnRef idx="1">
+            <a:schemeClr val="accent1"/>
+          </a:lnRef>
+          <a:fillRef idx="0">
+            <a:schemeClr val="accent1"/>
+          </a:fillRef>
+          <a:effectRef idx="0">
+            <a:schemeClr val="accent1"/>
+          </a:effectRef>
+          <a:fontRef idx="minor">
+            <a:schemeClr val="tx1"/>
+          </a:fontRef>
+        </p:style>
+        <p:txBody>
+          <a:bodyPr rtlCol="0" anchor="ctr"/>
+          <a:lstStyle/>
+          <a:p>
+            <a:pPr algn="ctr"/>
+            <a:endParaRPr lang="en-US"/>
+          </a:p>
+        </p:txBody>
+      </p:sp>
+      <p:cxnSp>
+        <p:nvCxnSpPr>
+          <p:cNvPr id="50" name="Straight Connector 49">
+            <a:extLst>
+              <a:ext uri="{FF2B5EF4-FFF2-40B4-BE49-F238E27FC236}">
+                <a16:creationId xmlns:a16="http://schemas.microsoft.com/office/drawing/2014/main" id="{4F7E880F-236A-423E-B501-71EEFFF23215}"/>
+              </a:ext>
+            </a:extLst>
+          </p:cNvPr>
+          <p:cNvCxnSpPr/>
+          <p:nvPr/>
+        </p:nvCxnSpPr>
+        <p:spPr>
+          <a:xfrm flipH="1">
+            <a:off x="2127857" y="2755865"/>
+            <a:ext cx="3459" cy="190475"/>
+          </a:xfrm>
+          <a:prstGeom prst="line">
+            <a:avLst/>
+          </a:prstGeom>
+          <a:ln w="57150">
+            <a:solidFill>
+              <a:srgbClr val="C00000"/>
+            </a:solidFill>
+          </a:ln>
+        </p:spPr>
+        <p:style>
+          <a:lnRef idx="1">
+            <a:schemeClr val="accent1"/>
+          </a:lnRef>
+          <a:fillRef idx="0">
+            <a:schemeClr val="accent1"/>
+          </a:fillRef>
+          <a:effectRef idx="0">
+            <a:schemeClr val="accent1"/>
+          </a:effectRef>
+          <a:fontRef idx="minor">
+            <a:schemeClr val="tx1"/>
+          </a:fontRef>
+        </p:style>
+      </p:cxnSp>
+      <p:sp>
+        <p:nvSpPr>
+          <p:cNvPr id="55" name="Arc 54">
+            <a:extLst>
+              <a:ext uri="{FF2B5EF4-FFF2-40B4-BE49-F238E27FC236}">
+                <a16:creationId xmlns:a16="http://schemas.microsoft.com/office/drawing/2014/main" id="{56E8DCAF-78BF-F2CB-9185-C6C85ED9923B}"/>
+              </a:ext>
+            </a:extLst>
+          </p:cNvPr>
+          <p:cNvSpPr/>
+          <p:nvPr/>
+        </p:nvSpPr>
+        <p:spPr>
+          <a:xfrm rot="10800000">
+            <a:off x="1869450" y="1901966"/>
+            <a:ext cx="491530" cy="372914"/>
+          </a:xfrm>
+          <a:prstGeom prst="arc">
+            <a:avLst>
+              <a:gd name="adj1" fmla="val 16200000"/>
+              <a:gd name="adj2" fmla="val 5544526"/>
+            </a:avLst>
+          </a:prstGeom>
+          <a:ln w="57150">
+            <a:solidFill>
+              <a:srgbClr val="C00000"/>
+            </a:solidFill>
+          </a:ln>
+        </p:spPr>
+        <p:style>
+          <a:lnRef idx="1">
+            <a:schemeClr val="accent1"/>
+          </a:lnRef>
+          <a:fillRef idx="0">
+            <a:schemeClr val="accent1"/>
+          </a:fillRef>
+          <a:effectRef idx="0">
+            <a:schemeClr val="accent1"/>
+          </a:effectRef>
+          <a:fontRef idx="minor">
+            <a:schemeClr val="tx1"/>
+          </a:fontRef>
+        </p:style>
+        <p:txBody>
+          <a:bodyPr rtlCol="0" anchor="ctr"/>
+          <a:lstStyle/>
+          <a:p>
+            <a:pPr algn="ctr"/>
+            <a:endParaRPr lang="en-US"/>
+          </a:p>
+        </p:txBody>
+      </p:sp>
+      <p:sp>
+        <p:nvSpPr>
+          <p:cNvPr id="73" name="Bent Arrow 72">
+            <a:extLst>
+              <a:ext uri="{FF2B5EF4-FFF2-40B4-BE49-F238E27FC236}">
+                <a16:creationId xmlns:a16="http://schemas.microsoft.com/office/drawing/2014/main" id="{A0DB5F4B-3749-EB27-867B-8F373AEFEE3F}"/>
+              </a:ext>
+            </a:extLst>
+          </p:cNvPr>
+          <p:cNvSpPr/>
+          <p:nvPr/>
+        </p:nvSpPr>
+        <p:spPr>
+          <a:xfrm rot="5400000" flipH="1">
+            <a:off x="818335" y="3738340"/>
+            <a:ext cx="811569" cy="1685510"/>
+          </a:xfrm>
+          <a:prstGeom prst="bentArrow">
+            <a:avLst>
+              <a:gd name="adj1" fmla="val 12244"/>
+              <a:gd name="adj2" fmla="val 9872"/>
+              <a:gd name="adj3" fmla="val 18195"/>
+              <a:gd name="adj4" fmla="val 42316"/>
+            </a:avLst>
+          </a:prstGeom>
+          <a:solidFill>
+            <a:srgbClr val="C00000"/>
+          </a:solidFill>
+          <a:ln>
+            <a:noFill/>
+          </a:ln>
+        </p:spPr>
+        <p:style>
+          <a:lnRef idx="2">
+            <a:schemeClr val="accent1">
+              <a:shade val="50000"/>
+            </a:schemeClr>
+          </a:lnRef>
+          <a:fillRef idx="1">
+            <a:schemeClr val="accent1"/>
+          </a:fillRef>
+          <a:effectRef idx="0">
+            <a:schemeClr val="accent1"/>
+          </a:effectRef>
+          <a:fontRef idx="minor">
+            <a:schemeClr val="lt1"/>
+          </a:fontRef>
+        </p:style>
+        <p:txBody>
+          <a:bodyPr rtlCol="0" anchor="ctr"/>
+          <a:lstStyle/>
+          <a:p>
+            <a:pPr algn="ctr"/>
+            <a:endParaRPr lang="en-US" dirty="0">
+              <a:solidFill>
+                <a:schemeClr val="tx1"/>
+              </a:solidFill>
+            </a:endParaRPr>
+          </a:p>
+        </p:txBody>
+      </p:sp>
+      <p:sp>
+        <p:nvSpPr>
+          <p:cNvPr id="58" name="Bent Arrow 72">
+            <a:extLst>
+              <a:ext uri="{FF2B5EF4-FFF2-40B4-BE49-F238E27FC236}">
+                <a16:creationId xmlns:a16="http://schemas.microsoft.com/office/drawing/2014/main" id="{6E453D10-E52C-DBBD-3763-117519683F9F}"/>
+              </a:ext>
+            </a:extLst>
+          </p:cNvPr>
+          <p:cNvSpPr/>
+          <p:nvPr/>
+        </p:nvSpPr>
+        <p:spPr>
+          <a:xfrm rot="16200000">
+            <a:off x="2630656" y="3752844"/>
+            <a:ext cx="811569" cy="1685510"/>
+          </a:xfrm>
+          <a:prstGeom prst="bentArrow">
+            <a:avLst>
+              <a:gd name="adj1" fmla="val 12244"/>
+              <a:gd name="adj2" fmla="val 9872"/>
+              <a:gd name="adj3" fmla="val 18195"/>
+              <a:gd name="adj4" fmla="val 42316"/>
+            </a:avLst>
+          </a:prstGeom>
+          <a:solidFill>
+            <a:srgbClr val="C00000"/>
+          </a:solidFill>
+          <a:ln>
+            <a:noFill/>
+          </a:ln>
+          <a:scene3d>
+            <a:camera prst="orthographicFront">
+              <a:rot lat="0" lon="0" rev="0"/>
+            </a:camera>
+            <a:lightRig rig="threePt" dir="t"/>
+          </a:scene3d>
+        </p:spPr>
+        <p:style>
+          <a:lnRef idx="2">
+            <a:schemeClr val="accent1">
+              <a:shade val="50000"/>
+            </a:schemeClr>
+          </a:lnRef>
+          <a:fillRef idx="1">
+            <a:schemeClr val="accent1"/>
+          </a:fillRef>
+          <a:effectRef idx="0">
+            <a:schemeClr val="accent1"/>
+          </a:effectRef>
+          <a:fontRef idx="minor">
+            <a:schemeClr val="lt1"/>
+          </a:fontRef>
+        </p:style>
+        <p:txBody>
+          <a:bodyPr rtlCol="0" anchor="ctr"/>
+          <a:lstStyle/>
+          <a:p>
+            <a:pPr algn="ctr"/>
+            <a:endParaRPr lang="en-US" dirty="0">
+              <a:solidFill>
+                <a:schemeClr val="tx1"/>
+              </a:solidFill>
+            </a:endParaRPr>
+          </a:p>
+        </p:txBody>
+      </p:sp>
+      <p:cxnSp>
+        <p:nvCxnSpPr>
+          <p:cNvPr id="61" name="Straight Connector 60">
+            <a:extLst>
+              <a:ext uri="{FF2B5EF4-FFF2-40B4-BE49-F238E27FC236}">
+                <a16:creationId xmlns:a16="http://schemas.microsoft.com/office/drawing/2014/main" id="{40F7F6C1-9274-FD63-FA3F-61829A081B67}"/>
+              </a:ext>
+            </a:extLst>
+          </p:cNvPr>
+          <p:cNvCxnSpPr>
+            <a:cxnSpLocks/>
+          </p:cNvCxnSpPr>
+          <p:nvPr/>
+        </p:nvCxnSpPr>
+        <p:spPr>
+          <a:xfrm flipH="1">
+            <a:off x="2090730" y="1781676"/>
+            <a:ext cx="2684187" cy="0"/>
+          </a:xfrm>
+          <a:prstGeom prst="line">
+            <a:avLst/>
+          </a:prstGeom>
+          <a:ln w="57150">
+            <a:solidFill>
+              <a:srgbClr val="C00000"/>
+            </a:solidFill>
+          </a:ln>
+        </p:spPr>
+        <p:style>
+          <a:lnRef idx="1">
+            <a:schemeClr val="accent1"/>
+          </a:lnRef>
+          <a:fillRef idx="0">
+            <a:schemeClr val="accent1"/>
+          </a:fillRef>
+          <a:effectRef idx="0">
+            <a:schemeClr val="accent1"/>
+          </a:effectRef>
+          <a:fontRef idx="minor">
+            <a:schemeClr val="tx1"/>
+          </a:fontRef>
+        </p:style>
+      </p:cxnSp>
+      <p:sp>
+        <p:nvSpPr>
+          <p:cNvPr id="69" name="Rectangle 68">
+            <a:extLst>
+              <a:ext uri="{FF2B5EF4-FFF2-40B4-BE49-F238E27FC236}">
+                <a16:creationId xmlns:a16="http://schemas.microsoft.com/office/drawing/2014/main" id="{6895F9C4-E678-8A57-8935-7FC76D828038}"/>
+              </a:ext>
+            </a:extLst>
+          </p:cNvPr>
+          <p:cNvSpPr/>
+          <p:nvPr/>
+        </p:nvSpPr>
+        <p:spPr>
+          <a:xfrm>
+            <a:off x="3938835" y="1857087"/>
+            <a:ext cx="768685" cy="463727"/>
+          </a:xfrm>
+          <a:prstGeom prst="rect">
+            <a:avLst/>
+          </a:prstGeom>
+          <a:solidFill>
+            <a:schemeClr val="bg1"/>
+          </a:solidFill>
+          <a:ln w="38100">
+            <a:solidFill>
+              <a:schemeClr val="tx1">
+                <a:lumMod val="50000"/>
+                <a:lumOff val="50000"/>
+              </a:schemeClr>
+            </a:solidFill>
+          </a:ln>
+        </p:spPr>
+        <p:style>
+          <a:lnRef idx="2">
+            <a:schemeClr val="accent1">
+              <a:shade val="50000"/>
+            </a:schemeClr>
+          </a:lnRef>
+          <a:fillRef idx="1">
+            <a:schemeClr val="accent1"/>
+          </a:fillRef>
+          <a:effectRef idx="0">
+            <a:schemeClr val="accent1"/>
+          </a:effectRef>
+          <a:fontRef idx="minor">
+            <a:schemeClr val="lt1"/>
+          </a:fontRef>
+        </p:style>
+        <p:txBody>
+          <a:bodyPr rtlCol="0" anchor="ctr"/>
+          <a:lstStyle/>
+          <a:p>
+            <a:pPr algn="ctr"/>
+            <a:r>
+              <a:rPr lang="fi-FI" sz="1400" dirty="0">
+                <a:solidFill>
+                  <a:schemeClr val="tx1"/>
+                </a:solidFill>
+              </a:rPr>
+              <a:t>In-</a:t>
+            </a:r>
+            <a:r>
+              <a:rPr lang="fi-FI" sz="1400" dirty="0" err="1">
+                <a:solidFill>
+                  <a:schemeClr val="tx1"/>
+                </a:solidFill>
+              </a:rPr>
+              <a:t>line</a:t>
+            </a:r>
+            <a:r>
+              <a:rPr lang="fi-FI" sz="1400" dirty="0">
+                <a:solidFill>
+                  <a:schemeClr val="tx1"/>
+                </a:solidFill>
+              </a:rPr>
+              <a:t> </a:t>
+            </a:r>
+            <a:r>
+              <a:rPr lang="fi-FI" sz="1400" dirty="0" err="1">
+                <a:solidFill>
+                  <a:schemeClr val="tx1"/>
+                </a:solidFill>
+              </a:rPr>
+              <a:t>filter</a:t>
+            </a:r>
+            <a:endParaRPr lang="fi-FI" sz="1400" dirty="0">
+              <a:solidFill>
+                <a:schemeClr val="tx1"/>
+              </a:solidFill>
+            </a:endParaRPr>
+          </a:p>
+        </p:txBody>
+      </p:sp>
+      <p:sp>
+        <p:nvSpPr>
+          <p:cNvPr id="108" name="Rectangle 107">
+            <a:extLst>
+              <a:ext uri="{FF2B5EF4-FFF2-40B4-BE49-F238E27FC236}">
+                <a16:creationId xmlns:a16="http://schemas.microsoft.com/office/drawing/2014/main" id="{881DE0C3-B87B-2C41-DA9A-27903ED0714D}"/>
+              </a:ext>
+            </a:extLst>
+          </p:cNvPr>
+          <p:cNvSpPr/>
+          <p:nvPr/>
+        </p:nvSpPr>
+        <p:spPr>
+          <a:xfrm>
+            <a:off x="462402" y="1101418"/>
+            <a:ext cx="1162832" cy="719376"/>
+          </a:xfrm>
+          <a:prstGeom prst="rect">
+            <a:avLst/>
+          </a:prstGeom>
+          <a:solidFill>
+            <a:schemeClr val="bg1"/>
+          </a:solidFill>
+          <a:ln w="38100"/>
+        </p:spPr>
+        <p:style>
+          <a:lnRef idx="2">
+            <a:schemeClr val="accent1">
+              <a:shade val="50000"/>
+            </a:schemeClr>
+          </a:lnRef>
+          <a:fillRef idx="1">
+            <a:schemeClr val="accent1"/>
+          </a:fillRef>
+          <a:effectRef idx="0">
+            <a:schemeClr val="accent1"/>
+          </a:effectRef>
+          <a:fontRef idx="minor">
+            <a:schemeClr val="lt1"/>
+          </a:fontRef>
+        </p:style>
+        <p:txBody>
+          <a:bodyPr rtlCol="0" anchor="ctr"/>
+          <a:lstStyle/>
+          <a:p>
+            <a:pPr algn="ctr"/>
+            <a:r>
+              <a:rPr lang="fi-FI" sz="1400" dirty="0">
+                <a:solidFill>
+                  <a:schemeClr val="tx1"/>
+                </a:solidFill>
+              </a:rPr>
+              <a:t>Pump &amp; </a:t>
+            </a:r>
+            <a:r>
+              <a:rPr lang="fi-FI" sz="1400" b="1" dirty="0">
+                <a:solidFill>
+                  <a:schemeClr val="tx1"/>
+                </a:solidFill>
+              </a:rPr>
+              <a:t>V3</a:t>
+            </a:r>
+          </a:p>
+          <a:p>
+            <a:pPr algn="ctr"/>
+            <a:r>
+              <a:rPr lang="fi-FI" sz="1400" dirty="0">
+                <a:solidFill>
+                  <a:schemeClr val="tx1"/>
+                </a:solidFill>
+              </a:rPr>
+              <a:t>1=ON, 0=OFF</a:t>
+            </a:r>
+          </a:p>
+        </p:txBody>
+      </p:sp>
+      <p:sp>
+        <p:nvSpPr>
+          <p:cNvPr id="31" name="Isosceles Triangle 30">
+            <a:extLst>
+              <a:ext uri="{FF2B5EF4-FFF2-40B4-BE49-F238E27FC236}">
+                <a16:creationId xmlns:a16="http://schemas.microsoft.com/office/drawing/2014/main" id="{9A3A2182-4AEE-5A7B-AD0D-4A330531C53E}"/>
+              </a:ext>
+            </a:extLst>
+          </p:cNvPr>
+          <p:cNvSpPr/>
+          <p:nvPr/>
+        </p:nvSpPr>
+        <p:spPr>
+          <a:xfrm rot="10800000">
+            <a:off x="3729702" y="3859991"/>
+            <a:ext cx="281353" cy="342900"/>
+          </a:xfrm>
+          <a:prstGeom prst="triangle">
+            <a:avLst/>
+          </a:prstGeom>
+          <a:solidFill>
+            <a:schemeClr val="bg1"/>
+          </a:solidFill>
+          <a:ln w="28575"/>
+        </p:spPr>
+        <p:style>
+          <a:lnRef idx="2">
+            <a:schemeClr val="accent1">
+              <a:shade val="50000"/>
+            </a:schemeClr>
+          </a:lnRef>
+          <a:fillRef idx="1">
+            <a:schemeClr val="accent1"/>
+          </a:fillRef>
+          <a:effectRef idx="0">
+            <a:schemeClr val="accent1"/>
+          </a:effectRef>
+          <a:fontRef idx="minor">
+            <a:schemeClr val="lt1"/>
+          </a:fontRef>
+        </p:style>
+        <p:txBody>
+          <a:bodyPr rtlCol="0" anchor="ctr"/>
+          <a:lstStyle/>
+          <a:p>
+            <a:pPr algn="ctr"/>
+            <a:endParaRPr lang="fi-FI"/>
+          </a:p>
+        </p:txBody>
+      </p:sp>
+      <p:graphicFrame>
+        <p:nvGraphicFramePr>
+          <p:cNvPr id="3" name="Table 2">
+            <a:extLst>
+              <a:ext uri="{FF2B5EF4-FFF2-40B4-BE49-F238E27FC236}">
+                <a16:creationId xmlns:a16="http://schemas.microsoft.com/office/drawing/2014/main" id="{33AC485B-8674-C0FF-1480-1DECDA2B34B1}"/>
+              </a:ext>
+            </a:extLst>
+          </p:cNvPr>
+          <p:cNvGraphicFramePr>
+            <a:graphicFrameLocks noGrp="1"/>
+          </p:cNvGraphicFramePr>
+          <p:nvPr>
+            <p:extLst>
+              <p:ext uri="{D42A27DB-BD31-4B8C-83A1-F6EECF244321}">
+                <p14:modId xmlns:p14="http://schemas.microsoft.com/office/powerpoint/2010/main" val="3636278035"/>
+              </p:ext>
+            </p:extLst>
+          </p:nvPr>
+        </p:nvGraphicFramePr>
+        <p:xfrm>
+          <a:off x="4827116" y="3674132"/>
+          <a:ext cx="6672733" cy="2199650"/>
+        </p:xfrm>
+        <a:graphic>
+          <a:graphicData uri="http://schemas.openxmlformats.org/drawingml/2006/table">
+            <a:tbl>
+              <a:tblPr firstRow="1" bandRow="1">
+                <a:tableStyleId>{F5AB1C69-6EDB-4FF4-983F-18BD219EF322}</a:tableStyleId>
+              </a:tblPr>
+              <a:tblGrid>
+                <a:gridCol w="2064634">
+                  <a:extLst>
+                    <a:ext uri="{9D8B030D-6E8A-4147-A177-3AD203B41FA5}">
+                      <a16:colId xmlns:a16="http://schemas.microsoft.com/office/drawing/2014/main" val="4011499344"/>
+                    </a:ext>
+                  </a:extLst>
+                </a:gridCol>
+                <a:gridCol w="3095239">
+                  <a:extLst>
+                    <a:ext uri="{9D8B030D-6E8A-4147-A177-3AD203B41FA5}">
+                      <a16:colId xmlns:a16="http://schemas.microsoft.com/office/drawing/2014/main" val="3644263625"/>
+                    </a:ext>
+                  </a:extLst>
+                </a:gridCol>
+                <a:gridCol w="378215">
+                  <a:extLst>
+                    <a:ext uri="{9D8B030D-6E8A-4147-A177-3AD203B41FA5}">
+                      <a16:colId xmlns:a16="http://schemas.microsoft.com/office/drawing/2014/main" val="144639475"/>
+                    </a:ext>
+                  </a:extLst>
+                </a:gridCol>
+                <a:gridCol w="378215">
+                  <a:extLst>
+                    <a:ext uri="{9D8B030D-6E8A-4147-A177-3AD203B41FA5}">
+                      <a16:colId xmlns:a16="http://schemas.microsoft.com/office/drawing/2014/main" val="2270007656"/>
+                    </a:ext>
+                  </a:extLst>
+                </a:gridCol>
+                <a:gridCol w="378215">
+                  <a:extLst>
+                    <a:ext uri="{9D8B030D-6E8A-4147-A177-3AD203B41FA5}">
+                      <a16:colId xmlns:a16="http://schemas.microsoft.com/office/drawing/2014/main" val="4045176533"/>
+                    </a:ext>
+                  </a:extLst>
+                </a:gridCol>
+                <a:gridCol w="378215">
+                  <a:extLst>
+                    <a:ext uri="{9D8B030D-6E8A-4147-A177-3AD203B41FA5}">
+                      <a16:colId xmlns:a16="http://schemas.microsoft.com/office/drawing/2014/main" val="2947880405"/>
+                    </a:ext>
+                  </a:extLst>
+                </a:gridCol>
+              </a:tblGrid>
+              <a:tr h="431810">
+                <a:tc>
+                  <a:txBody>
+                    <a:bodyPr/>
+                    <a:lstStyle/>
+                    <a:p>
+                      <a:r>
+                        <a:rPr lang="en-US" sz="1800" dirty="0"/>
+                        <a:t>States</a:t>
+                      </a:r>
+                    </a:p>
+                  </a:txBody>
+                  <a:tcPr/>
+                </a:tc>
+                <a:tc>
+                  <a:txBody>
+                    <a:bodyPr/>
+                    <a:lstStyle/>
+                    <a:p>
+                      <a:r>
+                        <a:rPr lang="fi-FI" dirty="0" err="1"/>
+                        <a:t>Description</a:t>
+                      </a:r>
+                      <a:endParaRPr lang="en-US" dirty="0"/>
+                    </a:p>
+                  </a:txBody>
+                  <a:tcPr/>
+                </a:tc>
+                <a:tc>
+                  <a:txBody>
+                    <a:bodyPr/>
+                    <a:lstStyle/>
+                    <a:p>
+                      <a:pPr algn="ctr"/>
+                      <a:r>
+                        <a:rPr lang="fi-FI" sz="1200" dirty="0"/>
+                        <a:t>V1</a:t>
+                      </a:r>
+                      <a:endParaRPr lang="en-US" sz="1200" dirty="0"/>
+                    </a:p>
+                  </a:txBody>
+                  <a:tcPr anchor="ctr"/>
+                </a:tc>
+                <a:tc>
+                  <a:txBody>
+                    <a:bodyPr/>
+                    <a:lstStyle/>
+                    <a:p>
+                      <a:pPr algn="ctr"/>
+                      <a:r>
+                        <a:rPr lang="fi-FI" sz="1200" dirty="0"/>
+                        <a:t>V2</a:t>
+                      </a:r>
+                      <a:endParaRPr lang="en-US" sz="1200" dirty="0"/>
+                    </a:p>
+                  </a:txBody>
+                  <a:tcPr anchor="ctr"/>
+                </a:tc>
+                <a:tc>
+                  <a:txBody>
+                    <a:bodyPr/>
+                    <a:lstStyle/>
+                    <a:p>
+                      <a:pPr algn="ctr"/>
+                      <a:r>
+                        <a:rPr lang="fi-FI" sz="1200" dirty="0"/>
+                        <a:t>V3</a:t>
+                      </a:r>
+                      <a:endParaRPr lang="en-US" sz="1200" dirty="0"/>
+                    </a:p>
+                  </a:txBody>
+                  <a:tcPr anchor="ctr"/>
+                </a:tc>
+                <a:tc>
+                  <a:txBody>
+                    <a:bodyPr/>
+                    <a:lstStyle/>
+                    <a:p>
+                      <a:pPr algn="ctr"/>
+                      <a:r>
+                        <a:rPr lang="fi-FI" sz="1200" dirty="0"/>
+                        <a:t>V4</a:t>
+                      </a:r>
+                      <a:endParaRPr lang="en-US" sz="1200" dirty="0"/>
+                    </a:p>
+                  </a:txBody>
+                  <a:tcPr anchor="ctr"/>
+                </a:tc>
+                <a:extLst>
+                  <a:ext uri="{0D108BD9-81ED-4DB2-BD59-A6C34878D82A}">
+                    <a16:rowId xmlns:a16="http://schemas.microsoft.com/office/drawing/2014/main" val="731227333"/>
+                  </a:ext>
+                </a:extLst>
+              </a:tr>
+              <a:tr h="286234">
+                <a:tc>
+                  <a:txBody>
+                    <a:bodyPr/>
+                    <a:lstStyle/>
+                    <a:p>
+                      <a:r>
+                        <a:rPr lang="fi-FI" sz="1200" dirty="0" err="1"/>
+                        <a:t>Gasx</a:t>
+                      </a:r>
+                      <a:r>
+                        <a:rPr lang="fi-FI" sz="1200" dirty="0"/>
+                        <a:t> </a:t>
+                      </a:r>
+                      <a:r>
+                        <a:rPr lang="fi-FI" sz="1200" dirty="0" err="1"/>
+                        <a:t>trig</a:t>
+                      </a:r>
+                      <a:r>
+                        <a:rPr lang="fi-FI" sz="1200" dirty="0"/>
+                        <a:t> (LV)</a:t>
+                      </a:r>
+                      <a:endParaRPr lang="en-US" sz="1200" dirty="0"/>
+                    </a:p>
+                  </a:txBody>
+                  <a:tcPr/>
+                </a:tc>
+                <a:tc>
+                  <a:txBody>
+                    <a:bodyPr/>
+                    <a:lstStyle/>
+                    <a:p>
+                      <a:r>
+                        <a:rPr lang="fi-FI" sz="900" dirty="0"/>
+                        <a:t>Flush </a:t>
+                      </a:r>
+                      <a:r>
+                        <a:rPr lang="fi-FI" sz="900" dirty="0" err="1"/>
+                        <a:t>cell</a:t>
+                      </a:r>
+                      <a:r>
+                        <a:rPr lang="fi-FI" sz="900" dirty="0"/>
+                        <a:t> for</a:t>
+                      </a:r>
+                      <a:r>
+                        <a:rPr lang="fi-FI" sz="900" dirty="0">
+                          <a:solidFill>
+                            <a:srgbClr val="00B050"/>
+                          </a:solidFill>
+                        </a:rPr>
+                        <a:t> </a:t>
+                      </a:r>
+                      <a:r>
+                        <a:rPr lang="fi-FI" sz="900" dirty="0" err="1">
+                          <a:solidFill>
+                            <a:srgbClr val="00B050"/>
+                          </a:solidFill>
+                        </a:rPr>
+                        <a:t>T_flush</a:t>
+                      </a:r>
+                      <a:r>
+                        <a:rPr lang="fi-FI" sz="900" dirty="0">
+                          <a:solidFill>
+                            <a:srgbClr val="00B050"/>
+                          </a:solidFill>
+                        </a:rPr>
+                        <a:t> </a:t>
+                      </a:r>
+                      <a:r>
+                        <a:rPr lang="fi-FI" sz="900" dirty="0">
+                          <a:solidFill>
+                            <a:schemeClr val="accent1"/>
+                          </a:solidFill>
+                        </a:rPr>
+                        <a:t>(</a:t>
+                      </a:r>
+                      <a:r>
+                        <a:rPr lang="fi-FI" sz="900" dirty="0" err="1">
+                          <a:solidFill>
+                            <a:schemeClr val="accent1"/>
+                          </a:solidFill>
+                        </a:rPr>
+                        <a:t>goto</a:t>
+                      </a:r>
+                      <a:r>
+                        <a:rPr lang="fi-FI" sz="900" dirty="0">
+                          <a:solidFill>
+                            <a:schemeClr val="accent1"/>
+                          </a:solidFill>
+                        </a:rPr>
+                        <a:t> </a:t>
+                      </a:r>
+                      <a:r>
+                        <a:rPr lang="fi-FI" sz="900" dirty="0" err="1">
+                          <a:solidFill>
+                            <a:schemeClr val="accent1"/>
+                          </a:solidFill>
+                        </a:rPr>
+                        <a:t>Evac</a:t>
+                      </a:r>
+                      <a:r>
+                        <a:rPr lang="fi-FI" sz="900" dirty="0">
+                          <a:solidFill>
+                            <a:schemeClr val="accent1"/>
+                          </a:solidFill>
+                        </a:rPr>
+                        <a:t> to </a:t>
+                      </a:r>
+                      <a:r>
+                        <a:rPr lang="fi-FI" sz="900" dirty="0" err="1">
+                          <a:solidFill>
+                            <a:schemeClr val="accent1"/>
+                          </a:solidFill>
+                        </a:rPr>
+                        <a:t>P_meas</a:t>
+                      </a:r>
+                      <a:r>
+                        <a:rPr lang="fi-FI" sz="900" dirty="0">
+                          <a:solidFill>
+                            <a:schemeClr val="accent1"/>
+                          </a:solidFill>
+                        </a:rPr>
+                        <a:t>)</a:t>
+                      </a:r>
+                      <a:endParaRPr lang="en-US" sz="900" dirty="0">
+                        <a:solidFill>
+                          <a:schemeClr val="accent1"/>
+                        </a:solidFill>
+                      </a:endParaRPr>
+                    </a:p>
+                  </a:txBody>
+                  <a:tcPr/>
+                </a:tc>
+                <a:tc>
+                  <a:txBody>
+                    <a:bodyPr/>
+                    <a:lstStyle/>
+                    <a:p>
+                      <a:r>
+                        <a:rPr lang="fi-FI" sz="1400" dirty="0"/>
+                        <a:t>1</a:t>
+                      </a:r>
+                      <a:endParaRPr lang="en-US" sz="1400" dirty="0"/>
+                    </a:p>
+                  </a:txBody>
+                  <a:tcPr/>
+                </a:tc>
+                <a:tc>
+                  <a:txBody>
+                    <a:bodyPr/>
+                    <a:lstStyle/>
+                    <a:p>
+                      <a:r>
+                        <a:rPr lang="fi-FI" sz="1400" dirty="0"/>
+                        <a:t>1</a:t>
+                      </a:r>
+                      <a:endParaRPr lang="en-US" sz="1400" dirty="0"/>
+                    </a:p>
+                  </a:txBody>
+                  <a:tcPr/>
+                </a:tc>
+                <a:tc>
+                  <a:txBody>
+                    <a:bodyPr/>
+                    <a:lstStyle/>
+                    <a:p>
+                      <a:r>
+                        <a:rPr lang="fi-FI" sz="1400" dirty="0"/>
+                        <a:t>1</a:t>
+                      </a:r>
+                      <a:endParaRPr lang="en-US" sz="1400" dirty="0"/>
+                    </a:p>
+                  </a:txBody>
+                  <a:tcPr/>
+                </a:tc>
+                <a:tc>
+                  <a:txBody>
+                    <a:bodyPr/>
+                    <a:lstStyle/>
+                    <a:p>
+                      <a:r>
+                        <a:rPr lang="fi-FI" sz="1400" dirty="0"/>
+                        <a:t>0</a:t>
+                      </a:r>
+                      <a:endParaRPr lang="en-US" sz="1400" dirty="0"/>
+                    </a:p>
+                  </a:txBody>
+                  <a:tcPr/>
+                </a:tc>
+                <a:extLst>
+                  <a:ext uri="{0D108BD9-81ED-4DB2-BD59-A6C34878D82A}">
+                    <a16:rowId xmlns:a16="http://schemas.microsoft.com/office/drawing/2014/main" val="2714013447"/>
+                  </a:ext>
+                </a:extLst>
+              </a:tr>
+              <a:tr h="286234">
+                <a:tc>
+                  <a:txBody>
+                    <a:bodyPr/>
+                    <a:lstStyle/>
+                    <a:p>
+                      <a:r>
+                        <a:rPr lang="en-US" sz="1200" dirty="0"/>
+                        <a:t>Evac to </a:t>
+                      </a:r>
+                      <a:r>
+                        <a:rPr lang="en-US" sz="1200" dirty="0" err="1"/>
+                        <a:t>P_meas</a:t>
+                      </a:r>
+                      <a:endParaRPr lang="en-US" sz="1200" dirty="0"/>
+                    </a:p>
+                  </a:txBody>
+                  <a:tcPr/>
+                </a:tc>
+                <a:tc>
+                  <a:txBody>
+                    <a:bodyPr/>
+                    <a:lstStyle/>
+                    <a:p>
+                      <a:r>
+                        <a:rPr lang="en-US" sz="900" u="none" dirty="0"/>
+                        <a:t>Choked</a:t>
+                      </a:r>
+                      <a:r>
+                        <a:rPr lang="en-US" sz="900" dirty="0"/>
+                        <a:t> evac to P&lt;</a:t>
+                      </a:r>
+                      <a:r>
+                        <a:rPr lang="en-US" sz="900" dirty="0" err="1">
+                          <a:solidFill>
+                            <a:srgbClr val="00B050"/>
+                          </a:solidFill>
+                        </a:rPr>
+                        <a:t>P_cell_evac</a:t>
+                      </a:r>
+                      <a:r>
+                        <a:rPr lang="en-US" sz="900" dirty="0">
+                          <a:solidFill>
+                            <a:srgbClr val="00B050"/>
+                          </a:solidFill>
+                        </a:rPr>
+                        <a:t> to </a:t>
+                      </a:r>
+                      <a:r>
+                        <a:rPr lang="en-US" sz="900" dirty="0" err="1">
+                          <a:solidFill>
+                            <a:srgbClr val="00B050"/>
+                          </a:solidFill>
+                        </a:rPr>
+                        <a:t>meas</a:t>
+                      </a:r>
+                      <a:r>
+                        <a:rPr lang="en-US" sz="900" dirty="0">
+                          <a:solidFill>
+                            <a:srgbClr val="00B050"/>
+                          </a:solidFill>
+                        </a:rPr>
+                        <a:t> </a:t>
+                      </a:r>
+                      <a:r>
+                        <a:rPr lang="en-US" sz="900" kern="1200" dirty="0">
+                          <a:solidFill>
+                            <a:schemeClr val="dk1"/>
+                          </a:solidFill>
+                          <a:latin typeface="+mn-lt"/>
+                          <a:ea typeface="+mn-ea"/>
+                          <a:cs typeface="+mn-cs"/>
+                        </a:rPr>
+                        <a:t>or</a:t>
+                      </a:r>
+                      <a:r>
+                        <a:rPr lang="en-US" sz="900" dirty="0">
+                          <a:solidFill>
+                            <a:srgbClr val="00B050"/>
+                          </a:solidFill>
+                        </a:rPr>
+                        <a:t> </a:t>
+                      </a:r>
+                      <a:r>
+                        <a:rPr lang="en-US" sz="900" kern="1200" dirty="0">
+                          <a:solidFill>
+                            <a:schemeClr val="dk1"/>
+                          </a:solidFill>
+                          <a:latin typeface="+mn-lt"/>
+                          <a:ea typeface="+mn-ea"/>
+                          <a:cs typeface="+mn-cs"/>
+                        </a:rPr>
+                        <a:t>wait </a:t>
+                      </a:r>
+                      <a:r>
+                        <a:rPr lang="en-US" sz="900" dirty="0" err="1">
+                          <a:solidFill>
+                            <a:srgbClr val="00B050"/>
+                          </a:solidFill>
+                        </a:rPr>
+                        <a:t>Evac_TO</a:t>
+                      </a:r>
+                      <a:r>
+                        <a:rPr lang="en-US" sz="900" dirty="0">
+                          <a:solidFill>
+                            <a:srgbClr val="00B050"/>
+                          </a:solidFill>
+                        </a:rPr>
+                        <a:t> </a:t>
+                      </a:r>
+                      <a:r>
+                        <a:rPr lang="en-US" sz="900" kern="1200" dirty="0">
+                          <a:solidFill>
+                            <a:schemeClr val="accent1"/>
+                          </a:solidFill>
+                          <a:latin typeface="+mn-lt"/>
+                          <a:ea typeface="+mn-ea"/>
+                          <a:cs typeface="+mn-cs"/>
+                        </a:rPr>
+                        <a:t>(</a:t>
+                      </a:r>
+                      <a:r>
+                        <a:rPr lang="en-US" sz="900" kern="1200" dirty="0" err="1">
+                          <a:solidFill>
+                            <a:schemeClr val="accent1"/>
+                          </a:solidFill>
+                          <a:latin typeface="+mn-lt"/>
+                          <a:ea typeface="+mn-ea"/>
+                          <a:cs typeface="+mn-cs"/>
+                        </a:rPr>
+                        <a:t>goto</a:t>
+                      </a:r>
+                      <a:r>
+                        <a:rPr lang="en-US" sz="900" kern="1200" dirty="0">
+                          <a:solidFill>
+                            <a:schemeClr val="accent1"/>
+                          </a:solidFill>
+                          <a:latin typeface="+mn-lt"/>
+                          <a:ea typeface="+mn-ea"/>
+                          <a:cs typeface="+mn-cs"/>
+                        </a:rPr>
+                        <a:t> Measure P)</a:t>
+                      </a:r>
+                    </a:p>
+                  </a:txBody>
+                  <a:tcPr/>
+                </a:tc>
+                <a:tc>
+                  <a:txBody>
+                    <a:bodyPr/>
+                    <a:lstStyle/>
+                    <a:p>
+                      <a:r>
+                        <a:rPr lang="en-US" sz="1400" dirty="0"/>
+                        <a:t>0</a:t>
+                      </a:r>
+                    </a:p>
+                  </a:txBody>
+                  <a:tcPr/>
+                </a:tc>
+                <a:tc>
+                  <a:txBody>
+                    <a:bodyPr/>
+                    <a:lstStyle/>
+                    <a:p>
+                      <a:r>
+                        <a:rPr lang="en-US" sz="1400" dirty="0"/>
+                        <a:t>1</a:t>
+                      </a:r>
+                    </a:p>
+                  </a:txBody>
+                  <a:tcPr/>
+                </a:tc>
+                <a:tc>
+                  <a:txBody>
+                    <a:bodyPr/>
+                    <a:lstStyle/>
+                    <a:p>
+                      <a:r>
+                        <a:rPr lang="en-US" sz="1400" dirty="0"/>
+                        <a:t>1</a:t>
+                      </a:r>
+                    </a:p>
+                  </a:txBody>
+                  <a:tcPr/>
+                </a:tc>
+                <a:tc>
+                  <a:txBody>
+                    <a:bodyPr/>
+                    <a:lstStyle/>
+                    <a:p>
+                      <a:r>
+                        <a:rPr lang="en-US" sz="1400" dirty="0"/>
+                        <a:t>1</a:t>
+                      </a:r>
+                    </a:p>
+                  </a:txBody>
+                  <a:tcPr/>
+                </a:tc>
+                <a:extLst>
+                  <a:ext uri="{0D108BD9-81ED-4DB2-BD59-A6C34878D82A}">
+                    <a16:rowId xmlns:a16="http://schemas.microsoft.com/office/drawing/2014/main" val="174360906"/>
+                  </a:ext>
+                </a:extLst>
+              </a:tr>
+              <a:tr h="286234">
+                <a:tc>
+                  <a:txBody>
+                    <a:bodyPr/>
+                    <a:lstStyle/>
+                    <a:p>
+                      <a:r>
+                        <a:rPr lang="en-US" sz="1200" dirty="0"/>
+                        <a:t>Measure P</a:t>
+                      </a:r>
+                    </a:p>
+                  </a:txBody>
+                  <a:tcPr/>
+                </a:tc>
+                <a:tc>
+                  <a:txBody>
+                    <a:bodyPr/>
+                    <a:lstStyle/>
+                    <a:p>
+                      <a:r>
+                        <a:rPr lang="en-US" sz="900" dirty="0"/>
+                        <a:t>Cell open to pressure sensor for </a:t>
+                      </a:r>
+                      <a:r>
+                        <a:rPr lang="en-US" sz="900" kern="1200" dirty="0" err="1">
+                          <a:solidFill>
+                            <a:srgbClr val="00B050"/>
+                          </a:solidFill>
+                          <a:latin typeface="+mn-lt"/>
+                          <a:ea typeface="+mn-ea"/>
+                          <a:cs typeface="+mn-cs"/>
+                        </a:rPr>
+                        <a:t>T_pressure</a:t>
+                      </a:r>
+                      <a:r>
+                        <a:rPr lang="en-US" sz="900" kern="1200" dirty="0">
+                          <a:solidFill>
+                            <a:srgbClr val="00B050"/>
+                          </a:solidFill>
+                          <a:latin typeface="+mn-lt"/>
+                          <a:ea typeface="+mn-ea"/>
+                          <a:cs typeface="+mn-cs"/>
+                        </a:rPr>
+                        <a:t> </a:t>
+                      </a:r>
+                      <a:r>
+                        <a:rPr lang="en-US" sz="900" kern="1200" dirty="0">
+                          <a:solidFill>
+                            <a:schemeClr val="accent1"/>
+                          </a:solidFill>
+                          <a:latin typeface="+mn-lt"/>
+                          <a:ea typeface="+mn-ea"/>
+                          <a:cs typeface="+mn-cs"/>
+                        </a:rPr>
+                        <a:t>(if “</a:t>
+                      </a:r>
+                      <a:r>
+                        <a:rPr lang="en-US" sz="900" kern="1200" dirty="0" err="1">
+                          <a:solidFill>
+                            <a:srgbClr val="00B050"/>
+                          </a:solidFill>
+                          <a:latin typeface="+mn-lt"/>
+                          <a:ea typeface="+mn-ea"/>
+                          <a:cs typeface="+mn-cs"/>
+                        </a:rPr>
+                        <a:t>Measure_pressure</a:t>
+                      </a:r>
+                      <a:r>
+                        <a:rPr lang="en-US" sz="900" kern="1200" dirty="0">
+                          <a:solidFill>
+                            <a:schemeClr val="accent1"/>
+                          </a:solidFill>
+                          <a:latin typeface="+mn-lt"/>
+                          <a:ea typeface="+mn-ea"/>
+                          <a:cs typeface="+mn-cs"/>
+                        </a:rPr>
+                        <a:t>” </a:t>
+                      </a:r>
+                      <a:r>
+                        <a:rPr lang="en-US" sz="900" kern="1200" dirty="0" err="1">
+                          <a:solidFill>
+                            <a:schemeClr val="accent1"/>
+                          </a:solidFill>
+                          <a:latin typeface="+mn-lt"/>
+                          <a:ea typeface="+mn-ea"/>
+                          <a:cs typeface="+mn-cs"/>
+                        </a:rPr>
+                        <a:t>goto</a:t>
+                      </a:r>
+                      <a:r>
+                        <a:rPr lang="en-US" sz="900" kern="1200" dirty="0">
+                          <a:solidFill>
+                            <a:schemeClr val="accent1"/>
+                          </a:solidFill>
+                          <a:latin typeface="+mn-lt"/>
+                          <a:ea typeface="+mn-ea"/>
+                          <a:cs typeface="+mn-cs"/>
+                        </a:rPr>
+                        <a:t> Idle, else </a:t>
+                      </a:r>
+                      <a:r>
+                        <a:rPr lang="en-US" sz="900" kern="1200" dirty="0" err="1">
+                          <a:solidFill>
+                            <a:schemeClr val="accent1"/>
+                          </a:solidFill>
+                          <a:latin typeface="+mn-lt"/>
+                          <a:ea typeface="+mn-ea"/>
+                          <a:cs typeface="+mn-cs"/>
+                        </a:rPr>
+                        <a:t>goto</a:t>
+                      </a:r>
+                      <a:r>
+                        <a:rPr lang="en-US" sz="900" kern="1200" dirty="0">
+                          <a:solidFill>
+                            <a:schemeClr val="accent1"/>
+                          </a:solidFill>
+                          <a:latin typeface="+mn-lt"/>
+                          <a:ea typeface="+mn-ea"/>
+                          <a:cs typeface="+mn-cs"/>
+                        </a:rPr>
+                        <a:t> Measure)</a:t>
+                      </a:r>
+                    </a:p>
+                  </a:txBody>
+                  <a:tcPr/>
+                </a:tc>
+                <a:tc>
+                  <a:txBody>
+                    <a:bodyPr/>
+                    <a:lstStyle/>
+                    <a:p>
+                      <a:r>
+                        <a:rPr lang="en-US" sz="1400" dirty="0"/>
+                        <a:t>0</a:t>
+                      </a:r>
+                    </a:p>
+                  </a:txBody>
+                  <a:tcPr/>
+                </a:tc>
+                <a:tc>
+                  <a:txBody>
+                    <a:bodyPr/>
+                    <a:lstStyle/>
+                    <a:p>
+                      <a:r>
+                        <a:rPr lang="en-US" sz="1400" dirty="0"/>
+                        <a:t>1</a:t>
+                      </a:r>
+                    </a:p>
+                  </a:txBody>
+                  <a:tcPr/>
+                </a:tc>
+                <a:tc>
+                  <a:txBody>
+                    <a:bodyPr/>
+                    <a:lstStyle/>
+                    <a:p>
+                      <a:r>
+                        <a:rPr lang="en-US" sz="1400" dirty="0"/>
+                        <a:t>0</a:t>
+                      </a:r>
+                    </a:p>
+                  </a:txBody>
+                  <a:tcPr/>
+                </a:tc>
+                <a:tc>
+                  <a:txBody>
+                    <a:bodyPr/>
+                    <a:lstStyle/>
+                    <a:p>
+                      <a:r>
+                        <a:rPr lang="en-US" sz="1400" dirty="0"/>
+                        <a:t>1</a:t>
+                      </a:r>
+                    </a:p>
+                  </a:txBody>
+                  <a:tcPr/>
+                </a:tc>
+                <a:extLst>
+                  <a:ext uri="{0D108BD9-81ED-4DB2-BD59-A6C34878D82A}">
+                    <a16:rowId xmlns:a16="http://schemas.microsoft.com/office/drawing/2014/main" val="279128339"/>
+                  </a:ext>
+                </a:extLst>
+              </a:tr>
+              <a:tr h="286234">
+                <a:tc>
+                  <a:txBody>
+                    <a:bodyPr/>
+                    <a:lstStyle/>
+                    <a:p>
+                      <a:r>
+                        <a:rPr lang="en-US" sz="1200" dirty="0"/>
+                        <a:t>Measure</a:t>
+                      </a:r>
+                    </a:p>
+                  </a:txBody>
+                  <a:tcPr/>
+                </a:tc>
+                <a:tc>
+                  <a:txBody>
+                    <a:bodyPr/>
+                    <a:lstStyle/>
+                    <a:p>
+                      <a:r>
+                        <a:rPr lang="en-US" sz="900" dirty="0"/>
+                        <a:t>Wait for </a:t>
+                      </a:r>
+                      <a:r>
+                        <a:rPr lang="en-US" sz="900" kern="1200" dirty="0" err="1">
+                          <a:solidFill>
+                            <a:srgbClr val="00B050"/>
+                          </a:solidFill>
+                          <a:latin typeface="+mn-lt"/>
+                          <a:ea typeface="+mn-ea"/>
+                          <a:cs typeface="+mn-cs"/>
+                        </a:rPr>
+                        <a:t>T_meas</a:t>
+                      </a:r>
+                      <a:r>
+                        <a:rPr lang="en-US" sz="900" kern="1200" dirty="0">
+                          <a:solidFill>
+                            <a:srgbClr val="00B050"/>
+                          </a:solidFill>
+                          <a:latin typeface="+mn-lt"/>
+                          <a:ea typeface="+mn-ea"/>
+                          <a:cs typeface="+mn-cs"/>
+                        </a:rPr>
+                        <a:t> </a:t>
+                      </a:r>
+                      <a:r>
+                        <a:rPr lang="en-US" sz="900" kern="1200" dirty="0">
+                          <a:solidFill>
+                            <a:schemeClr val="accent1"/>
+                          </a:solidFill>
+                          <a:latin typeface="+mn-lt"/>
+                          <a:ea typeface="+mn-ea"/>
+                          <a:cs typeface="+mn-cs"/>
+                        </a:rPr>
+                        <a:t>(if “</a:t>
+                      </a:r>
+                      <a:r>
+                        <a:rPr lang="en-US" sz="900" kern="1200" dirty="0" err="1">
+                          <a:solidFill>
+                            <a:srgbClr val="00B050"/>
+                          </a:solidFill>
+                          <a:latin typeface="+mn-lt"/>
+                          <a:ea typeface="+mn-ea"/>
+                          <a:cs typeface="+mn-cs"/>
+                        </a:rPr>
+                        <a:t>GasX_on</a:t>
+                      </a:r>
+                      <a:r>
+                        <a:rPr lang="en-US" sz="900" kern="1200" dirty="0">
+                          <a:solidFill>
+                            <a:schemeClr val="accent1"/>
+                          </a:solidFill>
+                          <a:latin typeface="+mn-lt"/>
+                          <a:ea typeface="+mn-ea"/>
+                          <a:cs typeface="+mn-cs"/>
+                        </a:rPr>
+                        <a:t>” </a:t>
+                      </a:r>
+                      <a:r>
+                        <a:rPr lang="en-US" sz="900" kern="1200" dirty="0" err="1">
+                          <a:solidFill>
+                            <a:schemeClr val="accent1"/>
+                          </a:solidFill>
+                          <a:latin typeface="+mn-lt"/>
+                          <a:ea typeface="+mn-ea"/>
+                          <a:cs typeface="+mn-cs"/>
+                        </a:rPr>
+                        <a:t>goto</a:t>
+                      </a:r>
+                      <a:r>
+                        <a:rPr lang="en-US" sz="900" kern="1200" dirty="0">
+                          <a:solidFill>
+                            <a:schemeClr val="accent1"/>
+                          </a:solidFill>
+                          <a:latin typeface="+mn-lt"/>
+                          <a:ea typeface="+mn-ea"/>
+                          <a:cs typeface="+mn-cs"/>
+                        </a:rPr>
+                        <a:t> </a:t>
+                      </a:r>
+                      <a:r>
+                        <a:rPr lang="en-US" sz="900" kern="1200" dirty="0" err="1">
+                          <a:solidFill>
+                            <a:schemeClr val="accent1"/>
+                          </a:solidFill>
+                          <a:latin typeface="+mn-lt"/>
+                          <a:ea typeface="+mn-ea"/>
+                          <a:cs typeface="+mn-cs"/>
+                        </a:rPr>
+                        <a:t>Gasx</a:t>
+                      </a:r>
+                      <a:r>
+                        <a:rPr lang="en-US" sz="900" kern="1200" dirty="0">
+                          <a:solidFill>
+                            <a:schemeClr val="accent1"/>
+                          </a:solidFill>
+                          <a:latin typeface="+mn-lt"/>
+                          <a:ea typeface="+mn-ea"/>
+                          <a:cs typeface="+mn-cs"/>
+                        </a:rPr>
+                        <a:t> trig, else </a:t>
+                      </a:r>
+                      <a:r>
+                        <a:rPr lang="en-US" sz="900" kern="1200" dirty="0" err="1">
+                          <a:solidFill>
+                            <a:schemeClr val="accent1"/>
+                          </a:solidFill>
+                          <a:latin typeface="+mn-lt"/>
+                          <a:ea typeface="+mn-ea"/>
+                          <a:cs typeface="+mn-cs"/>
+                        </a:rPr>
+                        <a:t>goto</a:t>
+                      </a:r>
+                      <a:r>
+                        <a:rPr lang="en-US" sz="900" kern="1200" dirty="0">
+                          <a:solidFill>
+                            <a:schemeClr val="accent1"/>
+                          </a:solidFill>
+                          <a:latin typeface="+mn-lt"/>
+                          <a:ea typeface="+mn-ea"/>
+                          <a:cs typeface="+mn-cs"/>
+                        </a:rPr>
+                        <a:t> Idle)</a:t>
+                      </a:r>
+                    </a:p>
+                  </a:txBody>
+                  <a:tcPr/>
+                </a:tc>
+                <a:tc>
+                  <a:txBody>
+                    <a:bodyPr/>
+                    <a:lstStyle/>
+                    <a:p>
+                      <a:r>
+                        <a:rPr lang="en-US" sz="1400" dirty="0"/>
+                        <a:t>0</a:t>
+                      </a:r>
+                    </a:p>
+                  </a:txBody>
+                  <a:tcPr/>
+                </a:tc>
+                <a:tc>
+                  <a:txBody>
+                    <a:bodyPr/>
+                    <a:lstStyle/>
+                    <a:p>
+                      <a:r>
+                        <a:rPr lang="en-US" sz="1400" dirty="0"/>
+                        <a:t>0</a:t>
+                      </a:r>
+                    </a:p>
+                  </a:txBody>
+                  <a:tcPr/>
+                </a:tc>
+                <a:tc>
+                  <a:txBody>
+                    <a:bodyPr/>
+                    <a:lstStyle/>
+                    <a:p>
+                      <a:r>
+                        <a:rPr lang="en-US" sz="1400" dirty="0"/>
+                        <a:t>0</a:t>
+                      </a:r>
+                    </a:p>
+                  </a:txBody>
+                  <a:tcPr/>
+                </a:tc>
+                <a:tc>
+                  <a:txBody>
+                    <a:bodyPr/>
+                    <a:lstStyle/>
+                    <a:p>
+                      <a:r>
+                        <a:rPr lang="en-US" sz="1400" dirty="0"/>
+                        <a:t>0</a:t>
+                      </a:r>
+                    </a:p>
+                  </a:txBody>
+                  <a:tcPr/>
+                </a:tc>
+                <a:extLst>
+                  <a:ext uri="{0D108BD9-81ED-4DB2-BD59-A6C34878D82A}">
+                    <a16:rowId xmlns:a16="http://schemas.microsoft.com/office/drawing/2014/main" val="2488418092"/>
+                  </a:ext>
+                </a:extLst>
+              </a:tr>
+              <a:tr h="286234">
+                <a:tc>
+                  <a:txBody>
+                    <a:bodyPr/>
+                    <a:lstStyle/>
+                    <a:p>
+                      <a:r>
+                        <a:rPr lang="en-US" sz="1200" dirty="0"/>
+                        <a:t>Idle</a:t>
+                      </a:r>
+                    </a:p>
+                  </a:txBody>
+                  <a:tcPr/>
+                </a:tc>
+                <a:tc>
+                  <a:txBody>
+                    <a:bodyPr/>
+                    <a:lstStyle/>
+                    <a:p>
+                      <a:r>
+                        <a:rPr lang="en-US" sz="900" dirty="0"/>
+                        <a:t>Wait for </a:t>
+                      </a:r>
+                      <a:r>
+                        <a:rPr lang="en-US" sz="900" dirty="0" err="1"/>
+                        <a:t>GasX</a:t>
+                      </a:r>
+                      <a:r>
+                        <a:rPr lang="en-US" sz="900" dirty="0"/>
+                        <a:t> trigger </a:t>
+                      </a:r>
+                      <a:r>
+                        <a:rPr lang="en-US" sz="900" dirty="0">
+                          <a:solidFill>
+                            <a:schemeClr val="accent1"/>
+                          </a:solidFill>
+                        </a:rPr>
+                        <a:t>(</a:t>
+                      </a:r>
+                      <a:r>
+                        <a:rPr lang="en-US" sz="900" dirty="0" err="1">
+                          <a:solidFill>
+                            <a:schemeClr val="accent1"/>
+                          </a:solidFill>
+                        </a:rPr>
+                        <a:t>goto</a:t>
+                      </a:r>
+                      <a:r>
+                        <a:rPr lang="en-US" sz="900" dirty="0">
+                          <a:solidFill>
+                            <a:schemeClr val="accent1"/>
+                          </a:solidFill>
+                        </a:rPr>
+                        <a:t> </a:t>
+                      </a:r>
+                      <a:r>
+                        <a:rPr lang="en-US" sz="900" dirty="0" err="1">
+                          <a:solidFill>
+                            <a:schemeClr val="accent1"/>
+                          </a:solidFill>
+                        </a:rPr>
+                        <a:t>Gasx</a:t>
+                      </a:r>
+                      <a:r>
+                        <a:rPr lang="en-US" sz="900" dirty="0">
+                          <a:solidFill>
+                            <a:schemeClr val="accent1"/>
+                          </a:solidFill>
+                        </a:rPr>
+                        <a:t> trig)</a:t>
+                      </a:r>
+                      <a:r>
+                        <a:rPr lang="en-US" sz="900" dirty="0"/>
+                        <a:t> or </a:t>
+                      </a:r>
+                      <a:r>
+                        <a:rPr lang="en-US" sz="900" dirty="0">
+                          <a:solidFill>
+                            <a:schemeClr val="accent1"/>
+                          </a:solidFill>
+                        </a:rPr>
+                        <a:t>shutdown </a:t>
+                      </a:r>
+                      <a:r>
+                        <a:rPr lang="en-US" sz="900" kern="1200" dirty="0">
+                          <a:solidFill>
+                            <a:schemeClr val="dk1"/>
+                          </a:solidFill>
+                          <a:latin typeface="+mn-lt"/>
+                          <a:ea typeface="+mn-ea"/>
+                          <a:cs typeface="+mn-cs"/>
+                        </a:rPr>
+                        <a:t>or </a:t>
+                      </a:r>
+                      <a:r>
+                        <a:rPr lang="en-US" sz="900" dirty="0">
+                          <a:solidFill>
+                            <a:schemeClr val="accent1"/>
+                          </a:solidFill>
+                        </a:rPr>
+                        <a:t>“</a:t>
+                      </a:r>
+                      <a:r>
+                        <a:rPr lang="en-US" sz="900" kern="1200" dirty="0" err="1">
+                          <a:solidFill>
+                            <a:srgbClr val="00B050"/>
+                          </a:solidFill>
+                          <a:latin typeface="+mn-lt"/>
+                          <a:ea typeface="+mn-ea"/>
+                          <a:cs typeface="+mn-cs"/>
+                        </a:rPr>
+                        <a:t>Measure_pressure</a:t>
+                      </a:r>
+                      <a:r>
+                        <a:rPr lang="en-US" sz="900" dirty="0">
+                          <a:solidFill>
+                            <a:schemeClr val="accent1"/>
+                          </a:solidFill>
+                        </a:rPr>
+                        <a:t>” (</a:t>
+                      </a:r>
+                      <a:r>
+                        <a:rPr lang="en-US" sz="900" dirty="0" err="1">
+                          <a:solidFill>
+                            <a:schemeClr val="accent1"/>
+                          </a:solidFill>
+                        </a:rPr>
+                        <a:t>goto</a:t>
+                      </a:r>
+                      <a:r>
+                        <a:rPr lang="en-US" sz="900" dirty="0">
+                          <a:solidFill>
+                            <a:schemeClr val="accent1"/>
+                          </a:solidFill>
+                        </a:rPr>
+                        <a:t> Measure P)</a:t>
+                      </a:r>
+                    </a:p>
+                  </a:txBody>
+                  <a:tcPr/>
+                </a:tc>
+                <a:tc>
+                  <a:txBody>
+                    <a:bodyPr/>
+                    <a:lstStyle/>
+                    <a:p>
+                      <a:r>
+                        <a:rPr lang="en-US" sz="1400" dirty="0"/>
+                        <a:t>0</a:t>
+                      </a:r>
+                    </a:p>
+                  </a:txBody>
+                  <a:tcPr/>
+                </a:tc>
+                <a:tc>
+                  <a:txBody>
+                    <a:bodyPr/>
+                    <a:lstStyle/>
+                    <a:p>
+                      <a:r>
+                        <a:rPr lang="en-US" sz="1400" dirty="0"/>
+                        <a:t>0</a:t>
+                      </a:r>
+                    </a:p>
+                  </a:txBody>
+                  <a:tcPr/>
+                </a:tc>
+                <a:tc>
+                  <a:txBody>
+                    <a:bodyPr/>
+                    <a:lstStyle/>
+                    <a:p>
+                      <a:r>
+                        <a:rPr lang="en-US" sz="1400" dirty="0"/>
+                        <a:t>0</a:t>
+                      </a:r>
+                    </a:p>
+                  </a:txBody>
+                  <a:tcPr/>
+                </a:tc>
+                <a:tc>
+                  <a:txBody>
+                    <a:bodyPr/>
+                    <a:lstStyle/>
+                    <a:p>
+                      <a:r>
+                        <a:rPr lang="en-US" sz="1400" dirty="0"/>
+                        <a:t>0</a:t>
+                      </a:r>
+                    </a:p>
+                  </a:txBody>
+                  <a:tcPr/>
+                </a:tc>
+                <a:extLst>
+                  <a:ext uri="{0D108BD9-81ED-4DB2-BD59-A6C34878D82A}">
+                    <a16:rowId xmlns:a16="http://schemas.microsoft.com/office/drawing/2014/main" val="3093695553"/>
+                  </a:ext>
+                </a:extLst>
+              </a:tr>
+            </a:tbl>
+          </a:graphicData>
+        </a:graphic>
+      </p:graphicFrame>
+      <p:sp>
+        <p:nvSpPr>
+          <p:cNvPr id="4" name="TextBox 3">
+            <a:extLst>
+              <a:ext uri="{FF2B5EF4-FFF2-40B4-BE49-F238E27FC236}">
+                <a16:creationId xmlns:a16="http://schemas.microsoft.com/office/drawing/2014/main" id="{8F90894E-A9E5-D39A-E5C2-8CAE146B6C05}"/>
+              </a:ext>
+            </a:extLst>
+          </p:cNvPr>
+          <p:cNvSpPr txBox="1"/>
+          <p:nvPr/>
+        </p:nvSpPr>
+        <p:spPr>
+          <a:xfrm>
+            <a:off x="592821" y="5360556"/>
+            <a:ext cx="2308992" cy="1200329"/>
+          </a:xfrm>
+          <a:prstGeom prst="rect">
+            <a:avLst/>
+          </a:prstGeom>
+          <a:noFill/>
+        </p:spPr>
+        <p:txBody>
+          <a:bodyPr wrap="square" rtlCol="0">
+            <a:spAutoFit/>
+          </a:bodyPr>
+          <a:lstStyle/>
+          <a:p>
+            <a:r>
+              <a:rPr lang="en-US" dirty="0"/>
+              <a:t>Valve logic: </a:t>
+            </a:r>
+          </a:p>
+          <a:p>
+            <a:r>
+              <a:rPr lang="en-US" dirty="0"/>
+              <a:t>0: default (down)</a:t>
+            </a:r>
+          </a:p>
+          <a:p>
+            <a:r>
+              <a:rPr lang="en-US" dirty="0"/>
+              <a:t>1: active (up)</a:t>
+            </a:r>
+          </a:p>
+          <a:p>
+            <a:r>
+              <a:rPr lang="en-US" dirty="0"/>
+              <a:t>“ “: common</a:t>
+            </a:r>
+          </a:p>
+        </p:txBody>
+      </p:sp>
+      <p:sp>
+        <p:nvSpPr>
+          <p:cNvPr id="143" name="Isosceles Triangle 142">
+            <a:extLst>
+              <a:ext uri="{FF2B5EF4-FFF2-40B4-BE49-F238E27FC236}">
+                <a16:creationId xmlns:a16="http://schemas.microsoft.com/office/drawing/2014/main" id="{2D129DA7-179E-2317-835B-56679726D39D}"/>
+              </a:ext>
+            </a:extLst>
+          </p:cNvPr>
+          <p:cNvSpPr/>
+          <p:nvPr/>
+        </p:nvSpPr>
+        <p:spPr>
+          <a:xfrm rot="10800000">
+            <a:off x="3745259" y="610206"/>
+            <a:ext cx="281353" cy="342900"/>
+          </a:xfrm>
+          <a:prstGeom prst="triangle">
+            <a:avLst/>
+          </a:prstGeom>
+          <a:solidFill>
+            <a:schemeClr val="bg1"/>
+          </a:solidFill>
+          <a:ln w="28575"/>
+        </p:spPr>
+        <p:style>
+          <a:lnRef idx="2">
+            <a:schemeClr val="accent1">
+              <a:shade val="50000"/>
+            </a:schemeClr>
+          </a:lnRef>
+          <a:fillRef idx="1">
+            <a:schemeClr val="accent1"/>
+          </a:fillRef>
+          <a:effectRef idx="0">
+            <a:schemeClr val="accent1"/>
+          </a:effectRef>
+          <a:fontRef idx="minor">
+            <a:schemeClr val="lt1"/>
+          </a:fontRef>
+        </p:style>
+        <p:txBody>
+          <a:bodyPr rtlCol="0" anchor="ctr"/>
+          <a:lstStyle/>
+          <a:p>
+            <a:pPr algn="ctr"/>
+            <a:endParaRPr lang="fi-FI"/>
+          </a:p>
+        </p:txBody>
+      </p:sp>
+      <p:sp>
+        <p:nvSpPr>
+          <p:cNvPr id="144" name="Isosceles Triangle 143">
+            <a:extLst>
+              <a:ext uri="{FF2B5EF4-FFF2-40B4-BE49-F238E27FC236}">
+                <a16:creationId xmlns:a16="http://schemas.microsoft.com/office/drawing/2014/main" id="{8BBD5D7F-B22F-061A-6F05-BD0E356C5FDC}"/>
+              </a:ext>
+            </a:extLst>
+          </p:cNvPr>
+          <p:cNvSpPr/>
+          <p:nvPr/>
+        </p:nvSpPr>
+        <p:spPr>
+          <a:xfrm rot="5400000" flipH="1">
+            <a:off x="3589025" y="801255"/>
+            <a:ext cx="281353" cy="342900"/>
+          </a:xfrm>
+          <a:prstGeom prst="triangle">
+            <a:avLst/>
+          </a:prstGeom>
+          <a:solidFill>
+            <a:schemeClr val="bg1"/>
+          </a:solidFill>
+          <a:ln w="28575"/>
+        </p:spPr>
+        <p:style>
+          <a:lnRef idx="2">
+            <a:schemeClr val="accent1">
+              <a:shade val="50000"/>
+            </a:schemeClr>
+          </a:lnRef>
+          <a:fillRef idx="1">
+            <a:schemeClr val="accent1"/>
+          </a:fillRef>
+          <a:effectRef idx="0">
+            <a:schemeClr val="accent1"/>
+          </a:effectRef>
+          <a:fontRef idx="minor">
+            <a:schemeClr val="lt1"/>
+          </a:fontRef>
+        </p:style>
+        <p:txBody>
+          <a:bodyPr rtlCol="0" anchor="ctr"/>
+          <a:lstStyle/>
+          <a:p>
+            <a:pPr algn="ctr"/>
+            <a:endParaRPr lang="fi-FI" dirty="0"/>
+          </a:p>
+        </p:txBody>
+      </p:sp>
+      <p:sp>
+        <p:nvSpPr>
+          <p:cNvPr id="145" name="Isosceles Triangle 144">
+            <a:extLst>
+              <a:ext uri="{FF2B5EF4-FFF2-40B4-BE49-F238E27FC236}">
+                <a16:creationId xmlns:a16="http://schemas.microsoft.com/office/drawing/2014/main" id="{3FAAB361-07CB-07FC-D6BD-F513244B3F4C}"/>
+              </a:ext>
+            </a:extLst>
+          </p:cNvPr>
+          <p:cNvSpPr/>
+          <p:nvPr/>
+        </p:nvSpPr>
+        <p:spPr>
+          <a:xfrm rot="16200000">
+            <a:off x="3899712" y="801468"/>
+            <a:ext cx="281353" cy="342900"/>
+          </a:xfrm>
+          <a:prstGeom prst="triangle">
+            <a:avLst/>
+          </a:prstGeom>
+          <a:solidFill>
+            <a:schemeClr val="bg1"/>
+          </a:solidFill>
+          <a:ln w="28575"/>
+        </p:spPr>
+        <p:style>
+          <a:lnRef idx="2">
+            <a:schemeClr val="accent1">
+              <a:shade val="50000"/>
+            </a:schemeClr>
+          </a:lnRef>
+          <a:fillRef idx="1">
+            <a:schemeClr val="accent1"/>
+          </a:fillRef>
+          <a:effectRef idx="0">
+            <a:schemeClr val="accent1"/>
+          </a:effectRef>
+          <a:fontRef idx="minor">
+            <a:schemeClr val="lt1"/>
+          </a:fontRef>
+        </p:style>
+        <p:txBody>
+          <a:bodyPr rtlCol="0" anchor="ctr"/>
+          <a:lstStyle/>
+          <a:p>
+            <a:pPr algn="ctr"/>
+            <a:endParaRPr lang="fi-FI"/>
+          </a:p>
+        </p:txBody>
+      </p:sp>
+      <p:sp>
+        <p:nvSpPr>
+          <p:cNvPr id="146" name="TextBox 145">
+            <a:extLst>
+              <a:ext uri="{FF2B5EF4-FFF2-40B4-BE49-F238E27FC236}">
+                <a16:creationId xmlns:a16="http://schemas.microsoft.com/office/drawing/2014/main" id="{2356FBC1-135C-2E48-F311-8D197B462BC6}"/>
+              </a:ext>
+            </a:extLst>
+          </p:cNvPr>
+          <p:cNvSpPr txBox="1"/>
+          <p:nvPr/>
+        </p:nvSpPr>
+        <p:spPr>
+          <a:xfrm>
+            <a:off x="4015124" y="784547"/>
+            <a:ext cx="301686" cy="369332"/>
+          </a:xfrm>
+          <a:prstGeom prst="rect">
+            <a:avLst/>
+          </a:prstGeom>
+          <a:noFill/>
+        </p:spPr>
+        <p:txBody>
+          <a:bodyPr wrap="none" rtlCol="0">
+            <a:spAutoFit/>
+          </a:bodyPr>
+          <a:lstStyle/>
+          <a:p>
+            <a:r>
+              <a:rPr lang="fi-FI" dirty="0"/>
+              <a:t>1</a:t>
+            </a:r>
+          </a:p>
+        </p:txBody>
+      </p:sp>
+      <p:sp>
+        <p:nvSpPr>
+          <p:cNvPr id="147" name="TextBox 146">
+            <a:extLst>
+              <a:ext uri="{FF2B5EF4-FFF2-40B4-BE49-F238E27FC236}">
+                <a16:creationId xmlns:a16="http://schemas.microsoft.com/office/drawing/2014/main" id="{7F7FFD96-5448-6599-8BC7-09ECF5FFBD58}"/>
+              </a:ext>
+            </a:extLst>
+          </p:cNvPr>
+          <p:cNvSpPr txBox="1"/>
+          <p:nvPr/>
+        </p:nvSpPr>
+        <p:spPr>
+          <a:xfrm rot="10800000">
+            <a:off x="3744226" y="536941"/>
+            <a:ext cx="301686" cy="369332"/>
+          </a:xfrm>
+          <a:prstGeom prst="rect">
+            <a:avLst/>
+          </a:prstGeom>
+          <a:noFill/>
+        </p:spPr>
+        <p:txBody>
+          <a:bodyPr wrap="none" rtlCol="0">
+            <a:spAutoFit/>
+          </a:bodyPr>
+          <a:lstStyle/>
+          <a:p>
+            <a:r>
+              <a:rPr lang="fi-FI" dirty="0"/>
+              <a:t>0</a:t>
+            </a:r>
+          </a:p>
+        </p:txBody>
+      </p:sp>
+      <p:cxnSp>
+        <p:nvCxnSpPr>
+          <p:cNvPr id="148" name="Straight Connector 147">
+            <a:extLst>
+              <a:ext uri="{FF2B5EF4-FFF2-40B4-BE49-F238E27FC236}">
+                <a16:creationId xmlns:a16="http://schemas.microsoft.com/office/drawing/2014/main" id="{9A6C805E-4716-A4A9-8C64-70F73C79F024}"/>
+              </a:ext>
+            </a:extLst>
+          </p:cNvPr>
+          <p:cNvCxnSpPr>
+            <a:cxnSpLocks/>
+          </p:cNvCxnSpPr>
+          <p:nvPr/>
+        </p:nvCxnSpPr>
+        <p:spPr>
+          <a:xfrm>
+            <a:off x="2122444" y="463321"/>
+            <a:ext cx="0" cy="997785"/>
+          </a:xfrm>
+          <a:prstGeom prst="line">
+            <a:avLst/>
+          </a:prstGeom>
+          <a:ln w="57150">
+            <a:solidFill>
+              <a:srgbClr val="C00000"/>
+            </a:solidFill>
+          </a:ln>
+        </p:spPr>
+        <p:style>
+          <a:lnRef idx="1">
+            <a:schemeClr val="accent1"/>
+          </a:lnRef>
+          <a:fillRef idx="0">
+            <a:schemeClr val="accent1"/>
+          </a:fillRef>
+          <a:effectRef idx="0">
+            <a:schemeClr val="accent1"/>
+          </a:effectRef>
+          <a:fontRef idx="minor">
+            <a:schemeClr val="tx1"/>
+          </a:fontRef>
+        </p:style>
+      </p:cxnSp>
+      <p:cxnSp>
+        <p:nvCxnSpPr>
+          <p:cNvPr id="150" name="Straight Connector 149">
+            <a:extLst>
+              <a:ext uri="{FF2B5EF4-FFF2-40B4-BE49-F238E27FC236}">
+                <a16:creationId xmlns:a16="http://schemas.microsoft.com/office/drawing/2014/main" id="{027B5634-3F54-7D18-8F06-23B21B5D4FDD}"/>
+              </a:ext>
+            </a:extLst>
+          </p:cNvPr>
+          <p:cNvCxnSpPr>
+            <a:cxnSpLocks/>
+          </p:cNvCxnSpPr>
+          <p:nvPr/>
+        </p:nvCxnSpPr>
+        <p:spPr>
+          <a:xfrm flipH="1">
+            <a:off x="3775196" y="388113"/>
+            <a:ext cx="227023" cy="0"/>
+          </a:xfrm>
+          <a:prstGeom prst="line">
+            <a:avLst/>
+          </a:prstGeom>
+          <a:ln w="57150">
+            <a:solidFill>
+              <a:srgbClr val="C00000"/>
+            </a:solidFill>
+          </a:ln>
+        </p:spPr>
+        <p:style>
+          <a:lnRef idx="1">
+            <a:schemeClr val="accent1"/>
+          </a:lnRef>
+          <a:fillRef idx="0">
+            <a:schemeClr val="accent1"/>
+          </a:fillRef>
+          <a:effectRef idx="0">
+            <a:schemeClr val="accent1"/>
+          </a:effectRef>
+          <a:fontRef idx="minor">
+            <a:schemeClr val="tx1"/>
+          </a:fontRef>
+        </p:style>
+      </p:cxnSp>
+      <p:cxnSp>
+        <p:nvCxnSpPr>
+          <p:cNvPr id="151" name="Straight Connector 150">
+            <a:extLst>
+              <a:ext uri="{FF2B5EF4-FFF2-40B4-BE49-F238E27FC236}">
+                <a16:creationId xmlns:a16="http://schemas.microsoft.com/office/drawing/2014/main" id="{64BFAE5B-241E-9213-8803-2B986395E6EE}"/>
+              </a:ext>
+            </a:extLst>
+          </p:cNvPr>
+          <p:cNvCxnSpPr>
+            <a:cxnSpLocks/>
+          </p:cNvCxnSpPr>
+          <p:nvPr/>
+        </p:nvCxnSpPr>
+        <p:spPr>
+          <a:xfrm>
+            <a:off x="2092821" y="1759996"/>
+            <a:ext cx="1" cy="141684"/>
+          </a:xfrm>
+          <a:prstGeom prst="line">
+            <a:avLst/>
+          </a:prstGeom>
+          <a:ln w="57150">
+            <a:solidFill>
+              <a:srgbClr val="C00000"/>
+            </a:solidFill>
+          </a:ln>
+        </p:spPr>
+        <p:style>
+          <a:lnRef idx="1">
+            <a:schemeClr val="accent1"/>
+          </a:lnRef>
+          <a:fillRef idx="0">
+            <a:schemeClr val="accent1"/>
+          </a:fillRef>
+          <a:effectRef idx="0">
+            <a:schemeClr val="accent1"/>
+          </a:effectRef>
+          <a:fontRef idx="minor">
+            <a:schemeClr val="tx1"/>
+          </a:fontRef>
+        </p:style>
+      </p:cxnSp>
+      <p:cxnSp>
+        <p:nvCxnSpPr>
+          <p:cNvPr id="152" name="Straight Connector 151">
+            <a:extLst>
+              <a:ext uri="{FF2B5EF4-FFF2-40B4-BE49-F238E27FC236}">
+                <a16:creationId xmlns:a16="http://schemas.microsoft.com/office/drawing/2014/main" id="{327B4C3E-6DAE-C6BD-C70F-8EF30CC206E0}"/>
+              </a:ext>
+            </a:extLst>
+          </p:cNvPr>
+          <p:cNvCxnSpPr>
+            <a:cxnSpLocks/>
+          </p:cNvCxnSpPr>
+          <p:nvPr/>
+        </p:nvCxnSpPr>
+        <p:spPr>
+          <a:xfrm>
+            <a:off x="2106372" y="2259503"/>
+            <a:ext cx="1" cy="141684"/>
+          </a:xfrm>
+          <a:prstGeom prst="line">
+            <a:avLst/>
+          </a:prstGeom>
+          <a:ln w="57150">
+            <a:solidFill>
+              <a:srgbClr val="C00000"/>
+            </a:solidFill>
+          </a:ln>
+        </p:spPr>
+        <p:style>
+          <a:lnRef idx="1">
+            <a:schemeClr val="accent1"/>
+          </a:lnRef>
+          <a:fillRef idx="0">
+            <a:schemeClr val="accent1"/>
+          </a:fillRef>
+          <a:effectRef idx="0">
+            <a:schemeClr val="accent1"/>
+          </a:effectRef>
+          <a:fontRef idx="minor">
+            <a:schemeClr val="tx1"/>
+          </a:fontRef>
+        </p:style>
+      </p:cxnSp>
+      <p:sp>
+        <p:nvSpPr>
+          <p:cNvPr id="123" name="TextBox 122">
+            <a:extLst>
+              <a:ext uri="{FF2B5EF4-FFF2-40B4-BE49-F238E27FC236}">
+                <a16:creationId xmlns:a16="http://schemas.microsoft.com/office/drawing/2014/main" id="{4C6F3928-6635-783A-61F0-FB7ACA5ED1EB}"/>
+              </a:ext>
+            </a:extLst>
+          </p:cNvPr>
+          <p:cNvSpPr txBox="1"/>
+          <p:nvPr/>
+        </p:nvSpPr>
+        <p:spPr>
+          <a:xfrm>
+            <a:off x="2005775" y="56799"/>
+            <a:ext cx="1158266" cy="369332"/>
+          </a:xfrm>
+          <a:prstGeom prst="rect">
+            <a:avLst/>
+          </a:prstGeom>
+          <a:noFill/>
+        </p:spPr>
+        <p:txBody>
+          <a:bodyPr wrap="none" rtlCol="0">
+            <a:spAutoFit/>
+          </a:bodyPr>
+          <a:lstStyle/>
+          <a:p>
+            <a:r>
+              <a:rPr lang="fi-FI" dirty="0"/>
+              <a:t>Adj. </a:t>
+            </a:r>
+            <a:r>
+              <a:rPr lang="fi-FI" dirty="0" err="1"/>
+              <a:t>choke</a:t>
+            </a:r>
+            <a:endParaRPr lang="fi-FI" dirty="0"/>
+          </a:p>
+        </p:txBody>
+      </p:sp>
+      <p:sp>
+        <p:nvSpPr>
+          <p:cNvPr id="124" name="TextBox 123">
+            <a:extLst>
+              <a:ext uri="{FF2B5EF4-FFF2-40B4-BE49-F238E27FC236}">
+                <a16:creationId xmlns:a16="http://schemas.microsoft.com/office/drawing/2014/main" id="{E078C833-B4DF-7991-BBC6-695CEABE42CC}"/>
+              </a:ext>
+            </a:extLst>
+          </p:cNvPr>
+          <p:cNvSpPr txBox="1"/>
+          <p:nvPr/>
+        </p:nvSpPr>
+        <p:spPr>
+          <a:xfrm>
+            <a:off x="8039942" y="924476"/>
+            <a:ext cx="3052980" cy="2308324"/>
+          </a:xfrm>
+          <a:prstGeom prst="rect">
+            <a:avLst/>
+          </a:prstGeom>
+          <a:noFill/>
+        </p:spPr>
+        <p:txBody>
+          <a:bodyPr wrap="square" rtlCol="0">
+            <a:spAutoFit/>
+          </a:bodyPr>
+          <a:lstStyle/>
+          <a:p>
+            <a:r>
+              <a:rPr lang="en-US" dirty="0"/>
+              <a:t>Currently used parameters:</a:t>
+            </a:r>
+          </a:p>
+          <a:p>
+            <a:r>
+              <a:rPr lang="fi-FI" sz="1800" dirty="0" err="1">
+                <a:solidFill>
+                  <a:srgbClr val="00B050"/>
+                </a:solidFill>
+              </a:rPr>
+              <a:t>T_flush</a:t>
+            </a:r>
+            <a:endParaRPr lang="fi-FI" sz="1800" dirty="0">
+              <a:solidFill>
+                <a:srgbClr val="00B050"/>
+              </a:solidFill>
+            </a:endParaRPr>
+          </a:p>
+          <a:p>
+            <a:r>
+              <a:rPr lang="en-US" sz="1800" dirty="0" err="1">
+                <a:solidFill>
+                  <a:srgbClr val="00B050"/>
+                </a:solidFill>
+              </a:rPr>
+              <a:t>P_cell_evac</a:t>
+            </a:r>
+            <a:r>
+              <a:rPr lang="en-US" sz="1800" dirty="0">
+                <a:solidFill>
+                  <a:srgbClr val="00B050"/>
+                </a:solidFill>
+              </a:rPr>
+              <a:t> to </a:t>
+            </a:r>
+            <a:r>
+              <a:rPr lang="en-US" sz="1800" dirty="0" err="1">
+                <a:solidFill>
+                  <a:srgbClr val="00B050"/>
+                </a:solidFill>
+              </a:rPr>
+              <a:t>meas</a:t>
+            </a:r>
+            <a:endParaRPr lang="en-US" sz="1800" dirty="0">
+              <a:solidFill>
+                <a:srgbClr val="00B050"/>
+              </a:solidFill>
+            </a:endParaRPr>
+          </a:p>
+          <a:p>
+            <a:r>
+              <a:rPr lang="en-US" dirty="0" err="1">
+                <a:solidFill>
+                  <a:srgbClr val="00B050"/>
+                </a:solidFill>
+              </a:rPr>
+              <a:t>T_pressure</a:t>
+            </a:r>
+            <a:endParaRPr lang="en-US" sz="1800" dirty="0">
+              <a:solidFill>
+                <a:srgbClr val="00B050"/>
+              </a:solidFill>
+            </a:endParaRPr>
+          </a:p>
+          <a:p>
+            <a:r>
+              <a:rPr lang="en-US" dirty="0" err="1">
+                <a:solidFill>
+                  <a:srgbClr val="00B050"/>
+                </a:solidFill>
+              </a:rPr>
+              <a:t>T_meas</a:t>
+            </a:r>
+            <a:endParaRPr lang="en-US" dirty="0">
+              <a:solidFill>
+                <a:srgbClr val="00B050"/>
+              </a:solidFill>
+            </a:endParaRPr>
+          </a:p>
+          <a:p>
+            <a:r>
+              <a:rPr lang="en-US" dirty="0" err="1">
+                <a:solidFill>
+                  <a:srgbClr val="00B050"/>
+                </a:solidFill>
+              </a:rPr>
+              <a:t>Evac_TO</a:t>
+            </a:r>
+            <a:endParaRPr lang="en-US" dirty="0">
+              <a:solidFill>
+                <a:srgbClr val="00B050"/>
+              </a:solidFill>
+            </a:endParaRPr>
+          </a:p>
+          <a:p>
+            <a:r>
+              <a:rPr lang="en-US" dirty="0" err="1">
+                <a:solidFill>
+                  <a:srgbClr val="00B050"/>
+                </a:solidFill>
+              </a:rPr>
+              <a:t>GasX_on</a:t>
+            </a:r>
+            <a:endParaRPr lang="en-US" dirty="0">
+              <a:solidFill>
+                <a:srgbClr val="00B050"/>
+              </a:solidFill>
+            </a:endParaRPr>
+          </a:p>
+          <a:p>
+            <a:r>
+              <a:rPr lang="en-US" dirty="0" err="1">
+                <a:solidFill>
+                  <a:srgbClr val="00B050"/>
+                </a:solidFill>
+              </a:rPr>
+              <a:t>Measure_pressure</a:t>
+            </a:r>
+            <a:endParaRPr lang="en-US" dirty="0"/>
+          </a:p>
+        </p:txBody>
+      </p:sp>
+      <p:cxnSp>
+        <p:nvCxnSpPr>
+          <p:cNvPr id="17" name="Straight Connector 16">
+            <a:extLst>
+              <a:ext uri="{FF2B5EF4-FFF2-40B4-BE49-F238E27FC236}">
+                <a16:creationId xmlns:a16="http://schemas.microsoft.com/office/drawing/2014/main" id="{C8F75C94-69F1-BE3A-885E-9CCFC822BC1D}"/>
+              </a:ext>
+            </a:extLst>
+          </p:cNvPr>
+          <p:cNvCxnSpPr>
+            <a:cxnSpLocks/>
+          </p:cNvCxnSpPr>
+          <p:nvPr/>
+        </p:nvCxnSpPr>
+        <p:spPr>
+          <a:xfrm>
+            <a:off x="3131417" y="463321"/>
+            <a:ext cx="1" cy="141684"/>
+          </a:xfrm>
+          <a:prstGeom prst="line">
+            <a:avLst/>
+          </a:prstGeom>
+          <a:ln w="57150">
+            <a:solidFill>
+              <a:srgbClr val="C00000"/>
+            </a:solidFill>
+          </a:ln>
+        </p:spPr>
+        <p:style>
+          <a:lnRef idx="1">
+            <a:schemeClr val="accent1"/>
+          </a:lnRef>
+          <a:fillRef idx="0">
+            <a:schemeClr val="accent1"/>
+          </a:fillRef>
+          <a:effectRef idx="0">
+            <a:schemeClr val="accent1"/>
+          </a:effectRef>
+          <a:fontRef idx="minor">
+            <a:schemeClr val="tx1"/>
+          </a:fontRef>
+        </p:style>
+      </p:cxnSp>
+      <p:cxnSp>
+        <p:nvCxnSpPr>
+          <p:cNvPr id="19" name="Straight Connector 18">
+            <a:extLst>
+              <a:ext uri="{FF2B5EF4-FFF2-40B4-BE49-F238E27FC236}">
+                <a16:creationId xmlns:a16="http://schemas.microsoft.com/office/drawing/2014/main" id="{7906B58C-99FC-7EBD-3E32-54C4B7FA1468}"/>
+              </a:ext>
+            </a:extLst>
+          </p:cNvPr>
+          <p:cNvCxnSpPr>
+            <a:cxnSpLocks/>
+          </p:cNvCxnSpPr>
+          <p:nvPr/>
+        </p:nvCxnSpPr>
+        <p:spPr>
+          <a:xfrm flipH="1">
+            <a:off x="2102148" y="490382"/>
+            <a:ext cx="1035190" cy="0"/>
+          </a:xfrm>
+          <a:prstGeom prst="line">
+            <a:avLst/>
+          </a:prstGeom>
+          <a:ln w="57150">
+            <a:solidFill>
+              <a:srgbClr val="C00000"/>
+            </a:solidFill>
+          </a:ln>
+        </p:spPr>
+        <p:style>
+          <a:lnRef idx="1">
+            <a:schemeClr val="accent1"/>
+          </a:lnRef>
+          <a:fillRef idx="0">
+            <a:schemeClr val="accent1"/>
+          </a:fillRef>
+          <a:effectRef idx="0">
+            <a:schemeClr val="accent1"/>
+          </a:effectRef>
+          <a:fontRef idx="minor">
+            <a:schemeClr val="tx1"/>
+          </a:fontRef>
+        </p:style>
+      </p:cxnSp>
+      <p:grpSp>
+        <p:nvGrpSpPr>
+          <p:cNvPr id="6" name="Group 5">
+            <a:extLst>
+              <a:ext uri="{FF2B5EF4-FFF2-40B4-BE49-F238E27FC236}">
+                <a16:creationId xmlns:a16="http://schemas.microsoft.com/office/drawing/2014/main" id="{AED2A7B6-B0B6-931C-8F1C-59C78337E5DA}"/>
+              </a:ext>
+            </a:extLst>
+          </p:cNvPr>
+          <p:cNvGrpSpPr/>
+          <p:nvPr/>
+        </p:nvGrpSpPr>
+        <p:grpSpPr>
+          <a:xfrm>
+            <a:off x="2470424" y="416872"/>
+            <a:ext cx="308132" cy="140681"/>
+            <a:chOff x="3181780" y="722583"/>
+            <a:chExt cx="308132" cy="140681"/>
+          </a:xfrm>
+        </p:grpSpPr>
+        <p:sp>
+          <p:nvSpPr>
+            <p:cNvPr id="140" name="Isosceles Triangle 139">
+              <a:extLst>
+                <a:ext uri="{FF2B5EF4-FFF2-40B4-BE49-F238E27FC236}">
+                  <a16:creationId xmlns:a16="http://schemas.microsoft.com/office/drawing/2014/main" id="{9417EC19-CD21-CD71-1096-13DC73B3F249}"/>
+                </a:ext>
+              </a:extLst>
+            </p:cNvPr>
+            <p:cNvSpPr/>
+            <p:nvPr/>
+          </p:nvSpPr>
+          <p:spPr>
+            <a:xfrm rot="5400000">
+              <a:off x="3184665" y="719701"/>
+              <a:ext cx="140678" cy="146447"/>
+            </a:xfrm>
+            <a:prstGeom prst="triangle">
+              <a:avLst/>
+            </a:prstGeom>
+            <a:solidFill>
+              <a:schemeClr val="accent1"/>
+            </a:solidFill>
+            <a:ln w="28575"/>
+          </p:spPr>
+          <p:style>
+            <a:lnRef idx="2">
+              <a:schemeClr val="accent1">
+                <a:shade val="50000"/>
+              </a:schemeClr>
+            </a:lnRef>
+            <a:fillRef idx="1">
+              <a:schemeClr val="accent1"/>
+            </a:fillRef>
+            <a:effectRef idx="0">
+              <a:schemeClr val="accent1"/>
+            </a:effectRef>
+            <a:fontRef idx="minor">
+              <a:schemeClr val="lt1"/>
+            </a:fontRef>
+          </p:style>
+          <p:txBody>
+            <a:bodyPr rtlCol="0" anchor="ctr"/>
+            <a:lstStyle/>
+            <a:p>
+              <a:pPr algn="ctr"/>
+              <a:endParaRPr lang="fi-FI" dirty="0"/>
+            </a:p>
+          </p:txBody>
+        </p:sp>
+        <p:sp>
+          <p:nvSpPr>
+            <p:cNvPr id="142" name="Isosceles Triangle 141">
+              <a:extLst>
+                <a:ext uri="{FF2B5EF4-FFF2-40B4-BE49-F238E27FC236}">
+                  <a16:creationId xmlns:a16="http://schemas.microsoft.com/office/drawing/2014/main" id="{0670B1F3-692B-B3AA-4572-91A679EE2787}"/>
+                </a:ext>
+              </a:extLst>
+            </p:cNvPr>
+            <p:cNvSpPr/>
+            <p:nvPr/>
+          </p:nvSpPr>
+          <p:spPr>
+            <a:xfrm rot="16200000">
+              <a:off x="3346350" y="719698"/>
+              <a:ext cx="140678" cy="146447"/>
+            </a:xfrm>
+            <a:prstGeom prst="triangle">
+              <a:avLst/>
+            </a:prstGeom>
+            <a:solidFill>
+              <a:schemeClr val="accent1"/>
+            </a:solidFill>
+            <a:ln w="28575"/>
+          </p:spPr>
+          <p:style>
+            <a:lnRef idx="2">
+              <a:schemeClr val="accent1">
+                <a:shade val="50000"/>
+              </a:schemeClr>
+            </a:lnRef>
+            <a:fillRef idx="1">
+              <a:schemeClr val="accent1"/>
+            </a:fillRef>
+            <a:effectRef idx="0">
+              <a:schemeClr val="accent1"/>
+            </a:effectRef>
+            <a:fontRef idx="minor">
+              <a:schemeClr val="lt1"/>
+            </a:fontRef>
+          </p:style>
+          <p:txBody>
+            <a:bodyPr rtlCol="0" anchor="ctr"/>
+            <a:lstStyle/>
+            <a:p>
+              <a:pPr algn="ctr"/>
+              <a:endParaRPr lang="fi-FI" dirty="0"/>
+            </a:p>
+          </p:txBody>
+        </p:sp>
+      </p:grpSp>
+      <p:sp>
+        <p:nvSpPr>
+          <p:cNvPr id="39" name="TextBox 38">
+            <a:extLst>
+              <a:ext uri="{FF2B5EF4-FFF2-40B4-BE49-F238E27FC236}">
+                <a16:creationId xmlns:a16="http://schemas.microsoft.com/office/drawing/2014/main" id="{CAF841AD-8B87-505C-24DC-9BDA59ABACBB}"/>
+              </a:ext>
+            </a:extLst>
+          </p:cNvPr>
+          <p:cNvSpPr txBox="1"/>
+          <p:nvPr/>
+        </p:nvSpPr>
+        <p:spPr>
+          <a:xfrm>
+            <a:off x="3741801" y="1015134"/>
+            <a:ext cx="529312" cy="461665"/>
+          </a:xfrm>
+          <a:prstGeom prst="rect">
+            <a:avLst/>
+          </a:prstGeom>
+          <a:noFill/>
+        </p:spPr>
+        <p:txBody>
+          <a:bodyPr wrap="none" rtlCol="0">
+            <a:spAutoFit/>
+          </a:bodyPr>
+          <a:lstStyle/>
+          <a:p>
+            <a:r>
+              <a:rPr lang="fi-FI" sz="2400" dirty="0"/>
+              <a:t>V3</a:t>
+            </a:r>
+          </a:p>
+        </p:txBody>
+      </p:sp>
+      <p:sp>
+        <p:nvSpPr>
+          <p:cNvPr id="40" name="TextBox 39">
+            <a:extLst>
+              <a:ext uri="{FF2B5EF4-FFF2-40B4-BE49-F238E27FC236}">
+                <a16:creationId xmlns:a16="http://schemas.microsoft.com/office/drawing/2014/main" id="{BABFC48F-52DD-DBE5-8684-50C9FD5D8941}"/>
+              </a:ext>
+            </a:extLst>
+          </p:cNvPr>
+          <p:cNvSpPr txBox="1"/>
+          <p:nvPr/>
+        </p:nvSpPr>
+        <p:spPr>
+          <a:xfrm>
+            <a:off x="2788752" y="1058117"/>
+            <a:ext cx="529312" cy="461665"/>
+          </a:xfrm>
+          <a:prstGeom prst="rect">
+            <a:avLst/>
+          </a:prstGeom>
+          <a:noFill/>
+        </p:spPr>
+        <p:txBody>
+          <a:bodyPr wrap="none" rtlCol="0">
+            <a:spAutoFit/>
+          </a:bodyPr>
+          <a:lstStyle/>
+          <a:p>
+            <a:r>
+              <a:rPr lang="fi-FI" sz="2400" dirty="0"/>
+              <a:t>V4</a:t>
+            </a:r>
+          </a:p>
+        </p:txBody>
+      </p:sp>
+      <p:sp>
+        <p:nvSpPr>
+          <p:cNvPr id="8" name="Isosceles Triangle 7">
+            <a:extLst>
+              <a:ext uri="{FF2B5EF4-FFF2-40B4-BE49-F238E27FC236}">
+                <a16:creationId xmlns:a16="http://schemas.microsoft.com/office/drawing/2014/main" id="{45362CA1-6801-C0CC-DFC3-8508EE4AB57C}"/>
+              </a:ext>
+            </a:extLst>
+          </p:cNvPr>
+          <p:cNvSpPr/>
+          <p:nvPr/>
+        </p:nvSpPr>
+        <p:spPr>
+          <a:xfrm rot="16200000">
+            <a:off x="3154033" y="795313"/>
+            <a:ext cx="281353" cy="342900"/>
+          </a:xfrm>
+          <a:prstGeom prst="triangle">
+            <a:avLst/>
+          </a:prstGeom>
+          <a:solidFill>
+            <a:schemeClr val="bg1"/>
+          </a:solidFill>
+          <a:ln w="28575"/>
+        </p:spPr>
+        <p:style>
+          <a:lnRef idx="2">
+            <a:schemeClr val="accent1">
+              <a:shade val="50000"/>
+            </a:schemeClr>
+          </a:lnRef>
+          <a:fillRef idx="1">
+            <a:schemeClr val="accent1"/>
+          </a:fillRef>
+          <a:effectRef idx="0">
+            <a:schemeClr val="accent1"/>
+          </a:effectRef>
+          <a:fontRef idx="minor">
+            <a:schemeClr val="lt1"/>
+          </a:fontRef>
+        </p:style>
+        <p:txBody>
+          <a:bodyPr rtlCol="0" anchor="ctr"/>
+          <a:lstStyle/>
+          <a:p>
+            <a:pPr algn="ctr"/>
+            <a:endParaRPr lang="fi-FI"/>
+          </a:p>
+        </p:txBody>
+      </p:sp>
+      <p:sp>
+        <p:nvSpPr>
+          <p:cNvPr id="10" name="Isosceles Triangle 9">
+            <a:extLst>
+              <a:ext uri="{FF2B5EF4-FFF2-40B4-BE49-F238E27FC236}">
+                <a16:creationId xmlns:a16="http://schemas.microsoft.com/office/drawing/2014/main" id="{06D1A924-897E-0FA5-F1B6-599DE2AD5DE7}"/>
+              </a:ext>
+            </a:extLst>
+          </p:cNvPr>
+          <p:cNvSpPr/>
+          <p:nvPr/>
+        </p:nvSpPr>
+        <p:spPr>
+          <a:xfrm rot="5400000" flipH="1">
+            <a:off x="2800864" y="795313"/>
+            <a:ext cx="281353" cy="342900"/>
+          </a:xfrm>
+          <a:prstGeom prst="triangle">
+            <a:avLst/>
+          </a:prstGeom>
+          <a:solidFill>
+            <a:schemeClr val="bg1"/>
+          </a:solidFill>
+          <a:ln w="28575"/>
+        </p:spPr>
+        <p:style>
+          <a:lnRef idx="2">
+            <a:schemeClr val="accent1">
+              <a:shade val="50000"/>
+            </a:schemeClr>
+          </a:lnRef>
+          <a:fillRef idx="1">
+            <a:schemeClr val="accent1"/>
+          </a:fillRef>
+          <a:effectRef idx="0">
+            <a:schemeClr val="accent1"/>
+          </a:effectRef>
+          <a:fontRef idx="minor">
+            <a:schemeClr val="lt1"/>
+          </a:fontRef>
+        </p:style>
+        <p:txBody>
+          <a:bodyPr rtlCol="0" anchor="ctr"/>
+          <a:lstStyle/>
+          <a:p>
+            <a:pPr algn="ctr"/>
+            <a:endParaRPr lang="fi-FI" dirty="0"/>
+          </a:p>
+        </p:txBody>
+      </p:sp>
+      <p:sp>
+        <p:nvSpPr>
+          <p:cNvPr id="11" name="Isosceles Triangle 10">
+            <a:extLst>
+              <a:ext uri="{FF2B5EF4-FFF2-40B4-BE49-F238E27FC236}">
+                <a16:creationId xmlns:a16="http://schemas.microsoft.com/office/drawing/2014/main" id="{E590C0C6-4D40-9BDD-5132-B8E795DBC912}"/>
+              </a:ext>
+            </a:extLst>
+          </p:cNvPr>
+          <p:cNvSpPr/>
+          <p:nvPr/>
+        </p:nvSpPr>
+        <p:spPr>
+          <a:xfrm rot="10800000">
+            <a:off x="2990741" y="605010"/>
+            <a:ext cx="281353" cy="342900"/>
+          </a:xfrm>
+          <a:prstGeom prst="triangle">
+            <a:avLst/>
+          </a:prstGeom>
+          <a:solidFill>
+            <a:schemeClr val="bg1"/>
+          </a:solidFill>
+          <a:ln w="28575"/>
+        </p:spPr>
+        <p:style>
+          <a:lnRef idx="2">
+            <a:schemeClr val="accent1">
+              <a:shade val="50000"/>
+            </a:schemeClr>
+          </a:lnRef>
+          <a:fillRef idx="1">
+            <a:schemeClr val="accent1"/>
+          </a:fillRef>
+          <a:effectRef idx="0">
+            <a:schemeClr val="accent1"/>
+          </a:effectRef>
+          <a:fontRef idx="minor">
+            <a:schemeClr val="lt1"/>
+          </a:fontRef>
+        </p:style>
+        <p:txBody>
+          <a:bodyPr rtlCol="0" anchor="ctr"/>
+          <a:lstStyle/>
+          <a:p>
+            <a:pPr algn="ctr"/>
+            <a:endParaRPr lang="fi-FI"/>
+          </a:p>
+        </p:txBody>
+      </p:sp>
+      <p:sp>
+        <p:nvSpPr>
+          <p:cNvPr id="12" name="TextBox 11">
+            <a:extLst>
+              <a:ext uri="{FF2B5EF4-FFF2-40B4-BE49-F238E27FC236}">
+                <a16:creationId xmlns:a16="http://schemas.microsoft.com/office/drawing/2014/main" id="{ADA10E75-FA09-A481-E1B9-720A515CA8AA}"/>
+              </a:ext>
+            </a:extLst>
+          </p:cNvPr>
+          <p:cNvSpPr txBox="1"/>
+          <p:nvPr/>
+        </p:nvSpPr>
+        <p:spPr>
+          <a:xfrm>
+            <a:off x="2980574" y="524190"/>
+            <a:ext cx="301686" cy="369332"/>
+          </a:xfrm>
+          <a:prstGeom prst="rect">
+            <a:avLst/>
+          </a:prstGeom>
+          <a:noFill/>
+        </p:spPr>
+        <p:txBody>
+          <a:bodyPr wrap="none" rtlCol="0">
+            <a:spAutoFit/>
+          </a:bodyPr>
+          <a:lstStyle/>
+          <a:p>
+            <a:r>
+              <a:rPr lang="fi-FI" dirty="0"/>
+              <a:t>1</a:t>
+            </a:r>
+          </a:p>
+        </p:txBody>
+      </p:sp>
+      <p:sp>
+        <p:nvSpPr>
+          <p:cNvPr id="15" name="TextBox 14">
+            <a:extLst>
+              <a:ext uri="{FF2B5EF4-FFF2-40B4-BE49-F238E27FC236}">
+                <a16:creationId xmlns:a16="http://schemas.microsoft.com/office/drawing/2014/main" id="{DEEF5206-E398-1C53-A1CA-4CB3A20946AD}"/>
+              </a:ext>
+            </a:extLst>
+          </p:cNvPr>
+          <p:cNvSpPr txBox="1"/>
+          <p:nvPr/>
+        </p:nvSpPr>
+        <p:spPr>
+          <a:xfrm>
+            <a:off x="2716109" y="785548"/>
+            <a:ext cx="301686" cy="369332"/>
+          </a:xfrm>
+          <a:prstGeom prst="rect">
+            <a:avLst/>
+          </a:prstGeom>
+          <a:noFill/>
+        </p:spPr>
+        <p:txBody>
+          <a:bodyPr wrap="none" rtlCol="0">
+            <a:spAutoFit/>
+          </a:bodyPr>
+          <a:lstStyle/>
+          <a:p>
+            <a:r>
+              <a:rPr lang="fi-FI" dirty="0"/>
+              <a:t>0</a:t>
+            </a:r>
+          </a:p>
+        </p:txBody>
+      </p:sp>
+      <p:cxnSp>
+        <p:nvCxnSpPr>
+          <p:cNvPr id="56" name="Straight Connector 55">
+            <a:extLst>
+              <a:ext uri="{FF2B5EF4-FFF2-40B4-BE49-F238E27FC236}">
+                <a16:creationId xmlns:a16="http://schemas.microsoft.com/office/drawing/2014/main" id="{7BC43BF4-64CC-8B7C-8498-2C2DC9F0E79C}"/>
+              </a:ext>
+            </a:extLst>
+          </p:cNvPr>
+          <p:cNvCxnSpPr>
+            <a:cxnSpLocks/>
+          </p:cNvCxnSpPr>
+          <p:nvPr/>
+        </p:nvCxnSpPr>
+        <p:spPr>
+          <a:xfrm flipH="1">
+            <a:off x="4774917" y="955277"/>
+            <a:ext cx="4002" cy="826398"/>
+          </a:xfrm>
+          <a:prstGeom prst="line">
+            <a:avLst/>
+          </a:prstGeom>
+          <a:ln w="57150">
+            <a:solidFill>
+              <a:srgbClr val="C00000"/>
+            </a:solidFill>
+          </a:ln>
+        </p:spPr>
+        <p:style>
+          <a:lnRef idx="1">
+            <a:schemeClr val="accent1"/>
+          </a:lnRef>
+          <a:fillRef idx="0">
+            <a:schemeClr val="accent1"/>
+          </a:fillRef>
+          <a:effectRef idx="0">
+            <a:schemeClr val="accent1"/>
+          </a:effectRef>
+          <a:fontRef idx="minor">
+            <a:schemeClr val="tx1"/>
+          </a:fontRef>
+        </p:style>
+      </p:cxnSp>
+      <p:sp>
+        <p:nvSpPr>
+          <p:cNvPr id="97" name="Cross 46">
+            <a:extLst>
+              <a:ext uri="{FF2B5EF4-FFF2-40B4-BE49-F238E27FC236}">
+                <a16:creationId xmlns:a16="http://schemas.microsoft.com/office/drawing/2014/main" id="{49D8B0D7-3D6E-9215-9E79-8C62FB7DA7AD}"/>
+              </a:ext>
+            </a:extLst>
+          </p:cNvPr>
+          <p:cNvSpPr/>
+          <p:nvPr/>
+        </p:nvSpPr>
+        <p:spPr>
           <a:xfrm rot="16200000" flipH="1" flipV="1">
-            <a:off x="3829030" y="770318"/>
+            <a:off x="4597380" y="770318"/>
             <a:ext cx="378890" cy="565548"/>
           </a:xfrm>
           <a:custGeom>
@@ -5707,3307 +9000,6 @@
           <a:p>
             <a:pPr algn="ctr"/>
             <a:endParaRPr lang="fi-FI"/>
-          </a:p>
-        </p:txBody>
-      </p:sp>
-      <p:sp>
-        <p:nvSpPr>
-          <p:cNvPr id="103" name="Rectangle 102">
-            <a:extLst>
-              <a:ext uri="{FF2B5EF4-FFF2-40B4-BE49-F238E27FC236}">
-                <a16:creationId xmlns:a16="http://schemas.microsoft.com/office/drawing/2014/main" id="{0E2A5C44-852A-C179-845F-4A692BAD2AF6}"/>
-              </a:ext>
-            </a:extLst>
-          </p:cNvPr>
-          <p:cNvSpPr/>
-          <p:nvPr/>
-        </p:nvSpPr>
-        <p:spPr>
-          <a:xfrm>
-            <a:off x="4411744" y="568388"/>
-            <a:ext cx="1025745" cy="712177"/>
-          </a:xfrm>
-          <a:prstGeom prst="rect">
-            <a:avLst/>
-          </a:prstGeom>
-          <a:solidFill>
-            <a:schemeClr val="bg1"/>
-          </a:solidFill>
-          <a:ln w="38100"/>
-        </p:spPr>
-        <p:style>
-          <a:lnRef idx="2">
-            <a:schemeClr val="accent1">
-              <a:shade val="50000"/>
-            </a:schemeClr>
-          </a:lnRef>
-          <a:fillRef idx="1">
-            <a:schemeClr val="accent1"/>
-          </a:fillRef>
-          <a:effectRef idx="0">
-            <a:schemeClr val="accent1"/>
-          </a:effectRef>
-          <a:fontRef idx="minor">
-            <a:schemeClr val="lt1"/>
-          </a:fontRef>
-        </p:style>
-        <p:txBody>
-          <a:bodyPr rtlCol="0" anchor="ctr"/>
-          <a:lstStyle/>
-          <a:p>
-            <a:pPr algn="ctr"/>
-            <a:r>
-              <a:rPr lang="fi-FI" sz="1600" dirty="0" err="1">
-                <a:solidFill>
-                  <a:schemeClr val="tx1"/>
-                </a:solidFill>
-              </a:rPr>
-              <a:t>Pressure</a:t>
-            </a:r>
-            <a:r>
-              <a:rPr lang="fi-FI" sz="1600" dirty="0">
-                <a:solidFill>
-                  <a:schemeClr val="tx1"/>
-                </a:solidFill>
-              </a:rPr>
-              <a:t> sensor</a:t>
-            </a:r>
-          </a:p>
-        </p:txBody>
-      </p:sp>
-      <p:cxnSp>
-        <p:nvCxnSpPr>
-          <p:cNvPr id="112" name="Straight Connector 111">
-            <a:extLst>
-              <a:ext uri="{FF2B5EF4-FFF2-40B4-BE49-F238E27FC236}">
-                <a16:creationId xmlns:a16="http://schemas.microsoft.com/office/drawing/2014/main" id="{5CE82033-0D82-0E40-135F-448D66269CF5}"/>
-              </a:ext>
-            </a:extLst>
-          </p:cNvPr>
-          <p:cNvCxnSpPr>
-            <a:cxnSpLocks/>
-          </p:cNvCxnSpPr>
-          <p:nvPr/>
-        </p:nvCxnSpPr>
-        <p:spPr>
-          <a:xfrm>
-            <a:off x="97660" y="1464754"/>
-            <a:ext cx="1659624" cy="0"/>
-          </a:xfrm>
-          <a:prstGeom prst="line">
-            <a:avLst/>
-          </a:prstGeom>
-          <a:ln w="57150">
-            <a:solidFill>
-              <a:srgbClr val="C00000"/>
-            </a:solidFill>
-            <a:headEnd type="arrow"/>
-            <a:tailEnd type="none"/>
-          </a:ln>
-        </p:spPr>
-        <p:style>
-          <a:lnRef idx="1">
-            <a:schemeClr val="accent1"/>
-          </a:lnRef>
-          <a:fillRef idx="0">
-            <a:schemeClr val="accent1"/>
-          </a:fillRef>
-          <a:effectRef idx="0">
-            <a:schemeClr val="accent1"/>
-          </a:effectRef>
-          <a:fontRef idx="minor">
-            <a:schemeClr val="tx1"/>
-          </a:fontRef>
-        </p:style>
-      </p:cxnSp>
-      <p:cxnSp>
-        <p:nvCxnSpPr>
-          <p:cNvPr id="113" name="Straight Connector 112">
-            <a:extLst>
-              <a:ext uri="{FF2B5EF4-FFF2-40B4-BE49-F238E27FC236}">
-                <a16:creationId xmlns:a16="http://schemas.microsoft.com/office/drawing/2014/main" id="{1B053E98-663B-DBFF-AE25-65F105FA605F}"/>
-              </a:ext>
-            </a:extLst>
-          </p:cNvPr>
-          <p:cNvCxnSpPr>
-            <a:cxnSpLocks/>
-          </p:cNvCxnSpPr>
-          <p:nvPr/>
-        </p:nvCxnSpPr>
-        <p:spPr>
-          <a:xfrm flipV="1">
-            <a:off x="5215306" y="1464557"/>
-            <a:ext cx="0" cy="1222827"/>
-          </a:xfrm>
-          <a:prstGeom prst="line">
-            <a:avLst/>
-          </a:prstGeom>
-          <a:ln w="57150">
-            <a:solidFill>
-              <a:srgbClr val="C00000"/>
-            </a:solidFill>
-            <a:headEnd type="arrow"/>
-            <a:tailEnd type="none"/>
-          </a:ln>
-        </p:spPr>
-        <p:style>
-          <a:lnRef idx="1">
-            <a:schemeClr val="accent1"/>
-          </a:lnRef>
-          <a:fillRef idx="0">
-            <a:schemeClr val="accent1"/>
-          </a:fillRef>
-          <a:effectRef idx="0">
-            <a:schemeClr val="accent1"/>
-          </a:effectRef>
-          <a:fontRef idx="minor">
-            <a:schemeClr val="tx1"/>
-          </a:fontRef>
-        </p:style>
-      </p:cxnSp>
-      <p:sp>
-        <p:nvSpPr>
-          <p:cNvPr id="114" name="TextBox 113">
-            <a:extLst>
-              <a:ext uri="{FF2B5EF4-FFF2-40B4-BE49-F238E27FC236}">
-                <a16:creationId xmlns:a16="http://schemas.microsoft.com/office/drawing/2014/main" id="{2B169F6C-F003-99E0-DC71-4DDA73A39856}"/>
-              </a:ext>
-            </a:extLst>
-          </p:cNvPr>
-          <p:cNvSpPr txBox="1"/>
-          <p:nvPr/>
-        </p:nvSpPr>
-        <p:spPr>
-          <a:xfrm>
-            <a:off x="5603472" y="1734691"/>
-            <a:ext cx="1135247" cy="369332"/>
-          </a:xfrm>
-          <a:prstGeom prst="rect">
-            <a:avLst/>
-          </a:prstGeom>
-          <a:noFill/>
-        </p:spPr>
-        <p:txBody>
-          <a:bodyPr wrap="none" rtlCol="0">
-            <a:spAutoFit/>
-          </a:bodyPr>
-          <a:lstStyle/>
-          <a:p>
-            <a:r>
-              <a:rPr lang="fi-FI" dirty="0"/>
-              <a:t>Sample IN</a:t>
-            </a:r>
-          </a:p>
-        </p:txBody>
-      </p:sp>
-      <p:sp>
-        <p:nvSpPr>
-          <p:cNvPr id="116" name="TextBox 115">
-            <a:extLst>
-              <a:ext uri="{FF2B5EF4-FFF2-40B4-BE49-F238E27FC236}">
-                <a16:creationId xmlns:a16="http://schemas.microsoft.com/office/drawing/2014/main" id="{99D1FA64-EE0C-AADC-D867-1AA8FB46311C}"/>
-              </a:ext>
-            </a:extLst>
-          </p:cNvPr>
-          <p:cNvSpPr txBox="1"/>
-          <p:nvPr/>
-        </p:nvSpPr>
-        <p:spPr>
-          <a:xfrm>
-            <a:off x="324172" y="705712"/>
-            <a:ext cx="1196161" cy="369332"/>
-          </a:xfrm>
-          <a:prstGeom prst="rect">
-            <a:avLst/>
-          </a:prstGeom>
-          <a:noFill/>
-        </p:spPr>
-        <p:txBody>
-          <a:bodyPr wrap="none" rtlCol="0">
-            <a:spAutoFit/>
-          </a:bodyPr>
-          <a:lstStyle/>
-          <a:p>
-            <a:r>
-              <a:rPr lang="fi-FI" dirty="0" err="1"/>
-              <a:t>Pump</a:t>
-            </a:r>
-            <a:r>
-              <a:rPr lang="fi-FI" dirty="0"/>
-              <a:t> OUT</a:t>
-            </a:r>
-          </a:p>
-        </p:txBody>
-      </p:sp>
-      <p:sp>
-        <p:nvSpPr>
-          <p:cNvPr id="117" name="TextBox 116">
-            <a:extLst>
-              <a:ext uri="{FF2B5EF4-FFF2-40B4-BE49-F238E27FC236}">
-                <a16:creationId xmlns:a16="http://schemas.microsoft.com/office/drawing/2014/main" id="{6EA423FD-4B7C-8594-EF64-D5D15001907B}"/>
-              </a:ext>
-            </a:extLst>
-          </p:cNvPr>
-          <p:cNvSpPr txBox="1"/>
-          <p:nvPr/>
-        </p:nvSpPr>
-        <p:spPr>
-          <a:xfrm>
-            <a:off x="600256" y="3520591"/>
-            <a:ext cx="514885" cy="461665"/>
-          </a:xfrm>
-          <a:prstGeom prst="rect">
-            <a:avLst/>
-          </a:prstGeom>
-          <a:noFill/>
-        </p:spPr>
-        <p:txBody>
-          <a:bodyPr wrap="none" rtlCol="0">
-            <a:spAutoFit/>
-          </a:bodyPr>
-          <a:lstStyle/>
-          <a:p>
-            <a:r>
-              <a:rPr lang="fi-FI" sz="2400" dirty="0"/>
-              <a:t>V1</a:t>
-            </a:r>
-          </a:p>
-        </p:txBody>
-      </p:sp>
-      <p:sp>
-        <p:nvSpPr>
-          <p:cNvPr id="118" name="TextBox 117">
-            <a:extLst>
-              <a:ext uri="{FF2B5EF4-FFF2-40B4-BE49-F238E27FC236}">
-                <a16:creationId xmlns:a16="http://schemas.microsoft.com/office/drawing/2014/main" id="{1A41092A-6B1B-3C5B-1110-68DCC8AD1505}"/>
-              </a:ext>
-            </a:extLst>
-          </p:cNvPr>
-          <p:cNvSpPr txBox="1"/>
-          <p:nvPr/>
-        </p:nvSpPr>
-        <p:spPr>
-          <a:xfrm>
-            <a:off x="3147888" y="3578077"/>
-            <a:ext cx="514885" cy="461665"/>
-          </a:xfrm>
-          <a:prstGeom prst="rect">
-            <a:avLst/>
-          </a:prstGeom>
-          <a:noFill/>
-        </p:spPr>
-        <p:txBody>
-          <a:bodyPr wrap="none" rtlCol="0">
-            <a:spAutoFit/>
-          </a:bodyPr>
-          <a:lstStyle/>
-          <a:p>
-            <a:r>
-              <a:rPr lang="fi-FI" sz="2400" dirty="0"/>
-              <a:t>V1</a:t>
-            </a:r>
-          </a:p>
-        </p:txBody>
-      </p:sp>
-      <p:sp>
-        <p:nvSpPr>
-          <p:cNvPr id="119" name="TextBox 118">
-            <a:extLst>
-              <a:ext uri="{FF2B5EF4-FFF2-40B4-BE49-F238E27FC236}">
-                <a16:creationId xmlns:a16="http://schemas.microsoft.com/office/drawing/2014/main" id="{BAF4E8F8-355E-ACC8-F226-0426D1256A8F}"/>
-              </a:ext>
-            </a:extLst>
-          </p:cNvPr>
-          <p:cNvSpPr txBox="1"/>
-          <p:nvPr/>
-        </p:nvSpPr>
-        <p:spPr>
-          <a:xfrm>
-            <a:off x="2246007" y="3001370"/>
-            <a:ext cx="514885" cy="461665"/>
-          </a:xfrm>
-          <a:prstGeom prst="rect">
-            <a:avLst/>
-          </a:prstGeom>
-          <a:noFill/>
-        </p:spPr>
-        <p:txBody>
-          <a:bodyPr wrap="none" rtlCol="0">
-            <a:spAutoFit/>
-          </a:bodyPr>
-          <a:lstStyle/>
-          <a:p>
-            <a:r>
-              <a:rPr lang="fi-FI" sz="2400" dirty="0"/>
-              <a:t>V2</a:t>
-            </a:r>
-          </a:p>
-        </p:txBody>
-      </p:sp>
-      <p:sp>
-        <p:nvSpPr>
-          <p:cNvPr id="2" name="Arc 1">
-            <a:extLst>
-              <a:ext uri="{FF2B5EF4-FFF2-40B4-BE49-F238E27FC236}">
-                <a16:creationId xmlns:a16="http://schemas.microsoft.com/office/drawing/2014/main" id="{33C43233-2353-5501-1414-82C4FFE3BFB2}"/>
-              </a:ext>
-            </a:extLst>
-          </p:cNvPr>
-          <p:cNvSpPr/>
-          <p:nvPr/>
-        </p:nvSpPr>
-        <p:spPr>
-          <a:xfrm rot="10800000">
-            <a:off x="1878877" y="2411291"/>
-            <a:ext cx="491530" cy="372914"/>
-          </a:xfrm>
-          <a:prstGeom prst="arc">
-            <a:avLst>
-              <a:gd name="adj1" fmla="val 16200000"/>
-              <a:gd name="adj2" fmla="val 5544526"/>
-            </a:avLst>
-          </a:prstGeom>
-          <a:ln w="57150">
-            <a:solidFill>
-              <a:srgbClr val="C00000"/>
-            </a:solidFill>
-          </a:ln>
-        </p:spPr>
-        <p:style>
-          <a:lnRef idx="1">
-            <a:schemeClr val="accent1"/>
-          </a:lnRef>
-          <a:fillRef idx="0">
-            <a:schemeClr val="accent1"/>
-          </a:fillRef>
-          <a:effectRef idx="0">
-            <a:schemeClr val="accent1"/>
-          </a:effectRef>
-          <a:fontRef idx="minor">
-            <a:schemeClr val="tx1"/>
-          </a:fontRef>
-        </p:style>
-        <p:txBody>
-          <a:bodyPr rtlCol="0" anchor="ctr"/>
-          <a:lstStyle/>
-          <a:p>
-            <a:pPr algn="ctr"/>
-            <a:endParaRPr lang="en-US"/>
-          </a:p>
-        </p:txBody>
-      </p:sp>
-      <p:cxnSp>
-        <p:nvCxnSpPr>
-          <p:cNvPr id="50" name="Straight Connector 49">
-            <a:extLst>
-              <a:ext uri="{FF2B5EF4-FFF2-40B4-BE49-F238E27FC236}">
-                <a16:creationId xmlns:a16="http://schemas.microsoft.com/office/drawing/2014/main" id="{4F7E880F-236A-423E-B501-71EEFFF23215}"/>
-              </a:ext>
-            </a:extLst>
-          </p:cNvPr>
-          <p:cNvCxnSpPr/>
-          <p:nvPr/>
-        </p:nvCxnSpPr>
-        <p:spPr>
-          <a:xfrm flipH="1">
-            <a:off x="2127857" y="2755865"/>
-            <a:ext cx="3459" cy="190475"/>
-          </a:xfrm>
-          <a:prstGeom prst="line">
-            <a:avLst/>
-          </a:prstGeom>
-          <a:ln w="57150">
-            <a:solidFill>
-              <a:srgbClr val="C00000"/>
-            </a:solidFill>
-          </a:ln>
-        </p:spPr>
-        <p:style>
-          <a:lnRef idx="1">
-            <a:schemeClr val="accent1"/>
-          </a:lnRef>
-          <a:fillRef idx="0">
-            <a:schemeClr val="accent1"/>
-          </a:fillRef>
-          <a:effectRef idx="0">
-            <a:schemeClr val="accent1"/>
-          </a:effectRef>
-          <a:fontRef idx="minor">
-            <a:schemeClr val="tx1"/>
-          </a:fontRef>
-        </p:style>
-      </p:cxnSp>
-      <p:sp>
-        <p:nvSpPr>
-          <p:cNvPr id="55" name="Arc 54">
-            <a:extLst>
-              <a:ext uri="{FF2B5EF4-FFF2-40B4-BE49-F238E27FC236}">
-                <a16:creationId xmlns:a16="http://schemas.microsoft.com/office/drawing/2014/main" id="{56E8DCAF-78BF-F2CB-9185-C6C85ED9923B}"/>
-              </a:ext>
-            </a:extLst>
-          </p:cNvPr>
-          <p:cNvSpPr/>
-          <p:nvPr/>
-        </p:nvSpPr>
-        <p:spPr>
-          <a:xfrm rot="10800000">
-            <a:off x="1869450" y="1901966"/>
-            <a:ext cx="491530" cy="372914"/>
-          </a:xfrm>
-          <a:prstGeom prst="arc">
-            <a:avLst>
-              <a:gd name="adj1" fmla="val 16200000"/>
-              <a:gd name="adj2" fmla="val 5544526"/>
-            </a:avLst>
-          </a:prstGeom>
-          <a:ln w="57150">
-            <a:solidFill>
-              <a:srgbClr val="C00000"/>
-            </a:solidFill>
-          </a:ln>
-        </p:spPr>
-        <p:style>
-          <a:lnRef idx="1">
-            <a:schemeClr val="accent1"/>
-          </a:lnRef>
-          <a:fillRef idx="0">
-            <a:schemeClr val="accent1"/>
-          </a:fillRef>
-          <a:effectRef idx="0">
-            <a:schemeClr val="accent1"/>
-          </a:effectRef>
-          <a:fontRef idx="minor">
-            <a:schemeClr val="tx1"/>
-          </a:fontRef>
-        </p:style>
-        <p:txBody>
-          <a:bodyPr rtlCol="0" anchor="ctr"/>
-          <a:lstStyle/>
-          <a:p>
-            <a:pPr algn="ctr"/>
-            <a:endParaRPr lang="en-US"/>
-          </a:p>
-        </p:txBody>
-      </p:sp>
-      <p:cxnSp>
-        <p:nvCxnSpPr>
-          <p:cNvPr id="56" name="Straight Connector 55">
-            <a:extLst>
-              <a:ext uri="{FF2B5EF4-FFF2-40B4-BE49-F238E27FC236}">
-                <a16:creationId xmlns:a16="http://schemas.microsoft.com/office/drawing/2014/main" id="{7BC43BF4-64CC-8B7C-8498-2C2DC9F0E79C}"/>
-              </a:ext>
-            </a:extLst>
-          </p:cNvPr>
-          <p:cNvCxnSpPr>
-            <a:cxnSpLocks/>
-          </p:cNvCxnSpPr>
-          <p:nvPr/>
-        </p:nvCxnSpPr>
-        <p:spPr>
-          <a:xfrm flipH="1">
-            <a:off x="4025617" y="955277"/>
-            <a:ext cx="4002" cy="826398"/>
-          </a:xfrm>
-          <a:prstGeom prst="line">
-            <a:avLst/>
-          </a:prstGeom>
-          <a:ln w="57150">
-            <a:solidFill>
-              <a:srgbClr val="C00000"/>
-            </a:solidFill>
-          </a:ln>
-        </p:spPr>
-        <p:style>
-          <a:lnRef idx="1">
-            <a:schemeClr val="accent1"/>
-          </a:lnRef>
-          <a:fillRef idx="0">
-            <a:schemeClr val="accent1"/>
-          </a:fillRef>
-          <a:effectRef idx="0">
-            <a:schemeClr val="accent1"/>
-          </a:effectRef>
-          <a:fontRef idx="minor">
-            <a:schemeClr val="tx1"/>
-          </a:fontRef>
-        </p:style>
-      </p:cxnSp>
-      <p:sp>
-        <p:nvSpPr>
-          <p:cNvPr id="73" name="Bent Arrow 72">
-            <a:extLst>
-              <a:ext uri="{FF2B5EF4-FFF2-40B4-BE49-F238E27FC236}">
-                <a16:creationId xmlns:a16="http://schemas.microsoft.com/office/drawing/2014/main" id="{A0DB5F4B-3749-EB27-867B-8F373AEFEE3F}"/>
-              </a:ext>
-            </a:extLst>
-          </p:cNvPr>
-          <p:cNvSpPr/>
-          <p:nvPr/>
-        </p:nvSpPr>
-        <p:spPr>
-          <a:xfrm rot="5400000" flipH="1">
-            <a:off x="818335" y="3738340"/>
-            <a:ext cx="811569" cy="1685510"/>
-          </a:xfrm>
-          <a:prstGeom prst="bentArrow">
-            <a:avLst>
-              <a:gd name="adj1" fmla="val 12244"/>
-              <a:gd name="adj2" fmla="val 9872"/>
-              <a:gd name="adj3" fmla="val 18195"/>
-              <a:gd name="adj4" fmla="val 42316"/>
-            </a:avLst>
-          </a:prstGeom>
-          <a:solidFill>
-            <a:srgbClr val="C00000"/>
-          </a:solidFill>
-          <a:ln>
-            <a:noFill/>
-          </a:ln>
-        </p:spPr>
-        <p:style>
-          <a:lnRef idx="2">
-            <a:schemeClr val="accent1">
-              <a:shade val="50000"/>
-            </a:schemeClr>
-          </a:lnRef>
-          <a:fillRef idx="1">
-            <a:schemeClr val="accent1"/>
-          </a:fillRef>
-          <a:effectRef idx="0">
-            <a:schemeClr val="accent1"/>
-          </a:effectRef>
-          <a:fontRef idx="minor">
-            <a:schemeClr val="lt1"/>
-          </a:fontRef>
-        </p:style>
-        <p:txBody>
-          <a:bodyPr rtlCol="0" anchor="ctr"/>
-          <a:lstStyle/>
-          <a:p>
-            <a:pPr algn="ctr"/>
-            <a:endParaRPr lang="en-US" dirty="0">
-              <a:solidFill>
-                <a:schemeClr val="tx1"/>
-              </a:solidFill>
-            </a:endParaRPr>
-          </a:p>
-        </p:txBody>
-      </p:sp>
-      <p:sp>
-        <p:nvSpPr>
-          <p:cNvPr id="58" name="Bent Arrow 72">
-            <a:extLst>
-              <a:ext uri="{FF2B5EF4-FFF2-40B4-BE49-F238E27FC236}">
-                <a16:creationId xmlns:a16="http://schemas.microsoft.com/office/drawing/2014/main" id="{6E453D10-E52C-DBBD-3763-117519683F9F}"/>
-              </a:ext>
-            </a:extLst>
-          </p:cNvPr>
-          <p:cNvSpPr/>
-          <p:nvPr/>
-        </p:nvSpPr>
-        <p:spPr>
-          <a:xfrm rot="16200000">
-            <a:off x="2630656" y="3752844"/>
-            <a:ext cx="811569" cy="1685510"/>
-          </a:xfrm>
-          <a:prstGeom prst="bentArrow">
-            <a:avLst>
-              <a:gd name="adj1" fmla="val 12244"/>
-              <a:gd name="adj2" fmla="val 9872"/>
-              <a:gd name="adj3" fmla="val 18195"/>
-              <a:gd name="adj4" fmla="val 42316"/>
-            </a:avLst>
-          </a:prstGeom>
-          <a:solidFill>
-            <a:srgbClr val="C00000"/>
-          </a:solidFill>
-          <a:ln>
-            <a:noFill/>
-          </a:ln>
-          <a:scene3d>
-            <a:camera prst="orthographicFront">
-              <a:rot lat="0" lon="0" rev="0"/>
-            </a:camera>
-            <a:lightRig rig="threePt" dir="t"/>
-          </a:scene3d>
-        </p:spPr>
-        <p:style>
-          <a:lnRef idx="2">
-            <a:schemeClr val="accent1">
-              <a:shade val="50000"/>
-            </a:schemeClr>
-          </a:lnRef>
-          <a:fillRef idx="1">
-            <a:schemeClr val="accent1"/>
-          </a:fillRef>
-          <a:effectRef idx="0">
-            <a:schemeClr val="accent1"/>
-          </a:effectRef>
-          <a:fontRef idx="minor">
-            <a:schemeClr val="lt1"/>
-          </a:fontRef>
-        </p:style>
-        <p:txBody>
-          <a:bodyPr rtlCol="0" anchor="ctr"/>
-          <a:lstStyle/>
-          <a:p>
-            <a:pPr algn="ctr"/>
-            <a:endParaRPr lang="en-US" dirty="0">
-              <a:solidFill>
-                <a:schemeClr val="tx1"/>
-              </a:solidFill>
-            </a:endParaRPr>
-          </a:p>
-        </p:txBody>
-      </p:sp>
-      <p:cxnSp>
-        <p:nvCxnSpPr>
-          <p:cNvPr id="61" name="Straight Connector 60">
-            <a:extLst>
-              <a:ext uri="{FF2B5EF4-FFF2-40B4-BE49-F238E27FC236}">
-                <a16:creationId xmlns:a16="http://schemas.microsoft.com/office/drawing/2014/main" id="{40F7F6C1-9274-FD63-FA3F-61829A081B67}"/>
-              </a:ext>
-            </a:extLst>
-          </p:cNvPr>
-          <p:cNvCxnSpPr>
-            <a:cxnSpLocks/>
-          </p:cNvCxnSpPr>
-          <p:nvPr/>
-        </p:nvCxnSpPr>
-        <p:spPr>
-          <a:xfrm flipH="1" flipV="1">
-            <a:off x="2090730" y="1781676"/>
-            <a:ext cx="1934887" cy="2025"/>
-          </a:xfrm>
-          <a:prstGeom prst="line">
-            <a:avLst/>
-          </a:prstGeom>
-          <a:ln w="57150">
-            <a:solidFill>
-              <a:srgbClr val="C00000"/>
-            </a:solidFill>
-          </a:ln>
-        </p:spPr>
-        <p:style>
-          <a:lnRef idx="1">
-            <a:schemeClr val="accent1"/>
-          </a:lnRef>
-          <a:fillRef idx="0">
-            <a:schemeClr val="accent1"/>
-          </a:fillRef>
-          <a:effectRef idx="0">
-            <a:schemeClr val="accent1"/>
-          </a:effectRef>
-          <a:fontRef idx="minor">
-            <a:schemeClr val="tx1"/>
-          </a:fontRef>
-        </p:style>
-      </p:cxnSp>
-      <p:sp>
-        <p:nvSpPr>
-          <p:cNvPr id="69" name="Rectangle 68">
-            <a:extLst>
-              <a:ext uri="{FF2B5EF4-FFF2-40B4-BE49-F238E27FC236}">
-                <a16:creationId xmlns:a16="http://schemas.microsoft.com/office/drawing/2014/main" id="{6895F9C4-E678-8A57-8935-7FC76D828038}"/>
-              </a:ext>
-            </a:extLst>
-          </p:cNvPr>
-          <p:cNvSpPr/>
-          <p:nvPr/>
-        </p:nvSpPr>
-        <p:spPr>
-          <a:xfrm>
-            <a:off x="3938835" y="1857087"/>
-            <a:ext cx="768685" cy="463727"/>
-          </a:xfrm>
-          <a:prstGeom prst="rect">
-            <a:avLst/>
-          </a:prstGeom>
-          <a:solidFill>
-            <a:schemeClr val="bg1"/>
-          </a:solidFill>
-          <a:ln w="38100">
-            <a:solidFill>
-              <a:schemeClr val="tx1">
-                <a:lumMod val="50000"/>
-                <a:lumOff val="50000"/>
-              </a:schemeClr>
-            </a:solidFill>
-          </a:ln>
-        </p:spPr>
-        <p:style>
-          <a:lnRef idx="2">
-            <a:schemeClr val="accent1">
-              <a:shade val="50000"/>
-            </a:schemeClr>
-          </a:lnRef>
-          <a:fillRef idx="1">
-            <a:schemeClr val="accent1"/>
-          </a:fillRef>
-          <a:effectRef idx="0">
-            <a:schemeClr val="accent1"/>
-          </a:effectRef>
-          <a:fontRef idx="minor">
-            <a:schemeClr val="lt1"/>
-          </a:fontRef>
-        </p:style>
-        <p:txBody>
-          <a:bodyPr rtlCol="0" anchor="ctr"/>
-          <a:lstStyle/>
-          <a:p>
-            <a:pPr algn="ctr"/>
-            <a:r>
-              <a:rPr lang="fi-FI" sz="1400" dirty="0">
-                <a:solidFill>
-                  <a:schemeClr val="tx1"/>
-                </a:solidFill>
-              </a:rPr>
-              <a:t>In-</a:t>
-            </a:r>
-            <a:r>
-              <a:rPr lang="fi-FI" sz="1400" dirty="0" err="1">
-                <a:solidFill>
-                  <a:schemeClr val="tx1"/>
-                </a:solidFill>
-              </a:rPr>
-              <a:t>line</a:t>
-            </a:r>
-            <a:r>
-              <a:rPr lang="fi-FI" sz="1400" dirty="0">
-                <a:solidFill>
-                  <a:schemeClr val="tx1"/>
-                </a:solidFill>
-              </a:rPr>
-              <a:t> </a:t>
-            </a:r>
-            <a:r>
-              <a:rPr lang="fi-FI" sz="1400" dirty="0" err="1">
-                <a:solidFill>
-                  <a:schemeClr val="tx1"/>
-                </a:solidFill>
-              </a:rPr>
-              <a:t>filter</a:t>
-            </a:r>
-            <a:endParaRPr lang="fi-FI" sz="1400" dirty="0">
-              <a:solidFill>
-                <a:schemeClr val="tx1"/>
-              </a:solidFill>
-            </a:endParaRPr>
-          </a:p>
-        </p:txBody>
-      </p:sp>
-      <p:sp>
-        <p:nvSpPr>
-          <p:cNvPr id="108" name="Rectangle 107">
-            <a:extLst>
-              <a:ext uri="{FF2B5EF4-FFF2-40B4-BE49-F238E27FC236}">
-                <a16:creationId xmlns:a16="http://schemas.microsoft.com/office/drawing/2014/main" id="{881DE0C3-B87B-2C41-DA9A-27903ED0714D}"/>
-              </a:ext>
-            </a:extLst>
-          </p:cNvPr>
-          <p:cNvSpPr/>
-          <p:nvPr/>
-        </p:nvSpPr>
-        <p:spPr>
-          <a:xfrm>
-            <a:off x="462402" y="1101418"/>
-            <a:ext cx="1162832" cy="719376"/>
-          </a:xfrm>
-          <a:prstGeom prst="rect">
-            <a:avLst/>
-          </a:prstGeom>
-          <a:solidFill>
-            <a:schemeClr val="bg1"/>
-          </a:solidFill>
-          <a:ln w="38100"/>
-        </p:spPr>
-        <p:style>
-          <a:lnRef idx="2">
-            <a:schemeClr val="accent1">
-              <a:shade val="50000"/>
-            </a:schemeClr>
-          </a:lnRef>
-          <a:fillRef idx="1">
-            <a:schemeClr val="accent1"/>
-          </a:fillRef>
-          <a:effectRef idx="0">
-            <a:schemeClr val="accent1"/>
-          </a:effectRef>
-          <a:fontRef idx="minor">
-            <a:schemeClr val="lt1"/>
-          </a:fontRef>
-        </p:style>
-        <p:txBody>
-          <a:bodyPr rtlCol="0" anchor="ctr"/>
-          <a:lstStyle/>
-          <a:p>
-            <a:pPr algn="ctr"/>
-            <a:r>
-              <a:rPr lang="fi-FI" sz="1400" dirty="0" err="1">
-                <a:solidFill>
-                  <a:schemeClr val="tx1"/>
-                </a:solidFill>
-              </a:rPr>
-              <a:t>Pump</a:t>
-            </a:r>
-            <a:r>
-              <a:rPr lang="fi-FI" sz="1400" dirty="0">
-                <a:solidFill>
-                  <a:schemeClr val="tx1"/>
-                </a:solidFill>
-              </a:rPr>
-              <a:t> &amp; </a:t>
-            </a:r>
-            <a:r>
-              <a:rPr lang="fi-FI" sz="1400" b="1" dirty="0">
-                <a:solidFill>
-                  <a:schemeClr val="tx1"/>
-                </a:solidFill>
-              </a:rPr>
-              <a:t>V4</a:t>
-            </a:r>
-          </a:p>
-          <a:p>
-            <a:pPr algn="ctr"/>
-            <a:r>
-              <a:rPr lang="fi-FI" sz="1400" dirty="0">
-                <a:solidFill>
-                  <a:schemeClr val="tx1"/>
-                </a:solidFill>
-              </a:rPr>
-              <a:t>1=ON, 0=OFF</a:t>
-            </a:r>
-          </a:p>
-        </p:txBody>
-      </p:sp>
-      <p:sp>
-        <p:nvSpPr>
-          <p:cNvPr id="31" name="Isosceles Triangle 30">
-            <a:extLst>
-              <a:ext uri="{FF2B5EF4-FFF2-40B4-BE49-F238E27FC236}">
-                <a16:creationId xmlns:a16="http://schemas.microsoft.com/office/drawing/2014/main" id="{9A3A2182-4AEE-5A7B-AD0D-4A330531C53E}"/>
-              </a:ext>
-            </a:extLst>
-          </p:cNvPr>
-          <p:cNvSpPr/>
-          <p:nvPr/>
-        </p:nvSpPr>
-        <p:spPr>
-          <a:xfrm rot="10800000">
-            <a:off x="3729702" y="3859991"/>
-            <a:ext cx="281353" cy="342900"/>
-          </a:xfrm>
-          <a:prstGeom prst="triangle">
-            <a:avLst/>
-          </a:prstGeom>
-          <a:solidFill>
-            <a:schemeClr val="bg1"/>
-          </a:solidFill>
-          <a:ln w="28575"/>
-        </p:spPr>
-        <p:style>
-          <a:lnRef idx="2">
-            <a:schemeClr val="accent1">
-              <a:shade val="50000"/>
-            </a:schemeClr>
-          </a:lnRef>
-          <a:fillRef idx="1">
-            <a:schemeClr val="accent1"/>
-          </a:fillRef>
-          <a:effectRef idx="0">
-            <a:schemeClr val="accent1"/>
-          </a:effectRef>
-          <a:fontRef idx="minor">
-            <a:schemeClr val="lt1"/>
-          </a:fontRef>
-        </p:style>
-        <p:txBody>
-          <a:bodyPr rtlCol="0" anchor="ctr"/>
-          <a:lstStyle/>
-          <a:p>
-            <a:pPr algn="ctr"/>
-            <a:endParaRPr lang="fi-FI"/>
-          </a:p>
-        </p:txBody>
-      </p:sp>
-      <p:graphicFrame>
-        <p:nvGraphicFramePr>
-          <p:cNvPr id="3" name="Table 2">
-            <a:extLst>
-              <a:ext uri="{FF2B5EF4-FFF2-40B4-BE49-F238E27FC236}">
-                <a16:creationId xmlns:a16="http://schemas.microsoft.com/office/drawing/2014/main" id="{33AC485B-8674-C0FF-1480-1DECDA2B34B1}"/>
-              </a:ext>
-            </a:extLst>
-          </p:cNvPr>
-          <p:cNvGraphicFramePr>
-            <a:graphicFrameLocks noGrp="1"/>
-          </p:cNvGraphicFramePr>
-          <p:nvPr>
-            <p:extLst>
-              <p:ext uri="{D42A27DB-BD31-4B8C-83A1-F6EECF244321}">
-                <p14:modId xmlns:p14="http://schemas.microsoft.com/office/powerpoint/2010/main" val="237855729"/>
-              </p:ext>
-            </p:extLst>
-          </p:nvPr>
-        </p:nvGraphicFramePr>
-        <p:xfrm>
-          <a:off x="4827117" y="3674132"/>
-          <a:ext cx="6880466" cy="2138690"/>
-        </p:xfrm>
-        <a:graphic>
-          <a:graphicData uri="http://schemas.openxmlformats.org/drawingml/2006/table">
-            <a:tbl>
-              <a:tblPr firstRow="1" bandRow="1">
-                <a:tableStyleId>{F5AB1C69-6EDB-4FF4-983F-18BD219EF322}</a:tableStyleId>
-              </a:tblPr>
-              <a:tblGrid>
-                <a:gridCol w="2128910">
-                  <a:extLst>
-                    <a:ext uri="{9D8B030D-6E8A-4147-A177-3AD203B41FA5}">
-                      <a16:colId xmlns:a16="http://schemas.microsoft.com/office/drawing/2014/main" val="4011499344"/>
-                    </a:ext>
-                  </a:extLst>
-                </a:gridCol>
-                <a:gridCol w="3191600">
-                  <a:extLst>
-                    <a:ext uri="{9D8B030D-6E8A-4147-A177-3AD203B41FA5}">
-                      <a16:colId xmlns:a16="http://schemas.microsoft.com/office/drawing/2014/main" val="3644263625"/>
-                    </a:ext>
-                  </a:extLst>
-                </a:gridCol>
-                <a:gridCol w="389989">
-                  <a:extLst>
-                    <a:ext uri="{9D8B030D-6E8A-4147-A177-3AD203B41FA5}">
-                      <a16:colId xmlns:a16="http://schemas.microsoft.com/office/drawing/2014/main" val="144639475"/>
-                    </a:ext>
-                  </a:extLst>
-                </a:gridCol>
-                <a:gridCol w="389989">
-                  <a:extLst>
-                    <a:ext uri="{9D8B030D-6E8A-4147-A177-3AD203B41FA5}">
-                      <a16:colId xmlns:a16="http://schemas.microsoft.com/office/drawing/2014/main" val="2270007656"/>
-                    </a:ext>
-                  </a:extLst>
-                </a:gridCol>
-                <a:gridCol w="389989">
-                  <a:extLst>
-                    <a:ext uri="{9D8B030D-6E8A-4147-A177-3AD203B41FA5}">
-                      <a16:colId xmlns:a16="http://schemas.microsoft.com/office/drawing/2014/main" val="2029929107"/>
-                    </a:ext>
-                  </a:extLst>
-                </a:gridCol>
-                <a:gridCol w="389989">
-                  <a:extLst>
-                    <a:ext uri="{9D8B030D-6E8A-4147-A177-3AD203B41FA5}">
-                      <a16:colId xmlns:a16="http://schemas.microsoft.com/office/drawing/2014/main" val="4045176533"/>
-                    </a:ext>
-                  </a:extLst>
-                </a:gridCol>
-              </a:tblGrid>
-              <a:tr h="431810">
-                <a:tc>
-                  <a:txBody>
-                    <a:bodyPr/>
-                    <a:lstStyle/>
-                    <a:p>
-                      <a:r>
-                        <a:rPr lang="en-US" sz="1800" dirty="0"/>
-                        <a:t>States</a:t>
-                      </a:r>
-                    </a:p>
-                  </a:txBody>
-                  <a:tcPr/>
-                </a:tc>
-                <a:tc>
-                  <a:txBody>
-                    <a:bodyPr/>
-                    <a:lstStyle/>
-                    <a:p>
-                      <a:r>
-                        <a:rPr lang="fi-FI" dirty="0" err="1"/>
-                        <a:t>Description</a:t>
-                      </a:r>
-                      <a:endParaRPr lang="en-US" dirty="0"/>
-                    </a:p>
-                  </a:txBody>
-                  <a:tcPr/>
-                </a:tc>
-                <a:tc>
-                  <a:txBody>
-                    <a:bodyPr/>
-                    <a:lstStyle/>
-                    <a:p>
-                      <a:pPr algn="ctr"/>
-                      <a:r>
-                        <a:rPr lang="fi-FI" sz="1200" dirty="0"/>
-                        <a:t>V1</a:t>
-                      </a:r>
-                      <a:endParaRPr lang="en-US" sz="1200" dirty="0"/>
-                    </a:p>
-                  </a:txBody>
-                  <a:tcPr anchor="ctr"/>
-                </a:tc>
-                <a:tc>
-                  <a:txBody>
-                    <a:bodyPr/>
-                    <a:lstStyle/>
-                    <a:p>
-                      <a:pPr algn="ctr"/>
-                      <a:r>
-                        <a:rPr lang="fi-FI" sz="1200" dirty="0"/>
-                        <a:t>V2</a:t>
-                      </a:r>
-                      <a:endParaRPr lang="en-US" sz="1200" dirty="0"/>
-                    </a:p>
-                  </a:txBody>
-                  <a:tcPr anchor="ctr"/>
-                </a:tc>
-                <a:tc>
-                  <a:txBody>
-                    <a:bodyPr/>
-                    <a:lstStyle/>
-                    <a:p>
-                      <a:pPr algn="ctr"/>
-                      <a:r>
-                        <a:rPr lang="fi-FI" sz="1200" dirty="0"/>
-                        <a:t>V3</a:t>
-                      </a:r>
-                      <a:endParaRPr lang="en-US" sz="1200" dirty="0"/>
-                    </a:p>
-                  </a:txBody>
-                  <a:tcPr anchor="ctr"/>
-                </a:tc>
-                <a:tc>
-                  <a:txBody>
-                    <a:bodyPr/>
-                    <a:lstStyle/>
-                    <a:p>
-                      <a:pPr algn="ctr"/>
-                      <a:r>
-                        <a:rPr lang="fi-FI" sz="1200" dirty="0"/>
-                        <a:t>V4</a:t>
-                      </a:r>
-                      <a:endParaRPr lang="en-US" sz="1200" dirty="0"/>
-                    </a:p>
-                  </a:txBody>
-                  <a:tcPr anchor="ctr"/>
-                </a:tc>
-                <a:extLst>
-                  <a:ext uri="{0D108BD9-81ED-4DB2-BD59-A6C34878D82A}">
-                    <a16:rowId xmlns:a16="http://schemas.microsoft.com/office/drawing/2014/main" val="731227333"/>
-                  </a:ext>
-                </a:extLst>
-              </a:tr>
-              <a:tr h="286234">
-                <a:tc>
-                  <a:txBody>
-                    <a:bodyPr/>
-                    <a:lstStyle/>
-                    <a:p>
-                      <a:r>
-                        <a:rPr lang="fi-FI" sz="1200" dirty="0" err="1"/>
-                        <a:t>Gasx</a:t>
-                      </a:r>
-                      <a:r>
-                        <a:rPr lang="fi-FI" sz="1200" dirty="0"/>
-                        <a:t> </a:t>
-                      </a:r>
-                      <a:r>
-                        <a:rPr lang="fi-FI" sz="1200" dirty="0" err="1"/>
-                        <a:t>trig</a:t>
-                      </a:r>
-                      <a:r>
-                        <a:rPr lang="fi-FI" sz="1200" dirty="0"/>
-                        <a:t> (LV)</a:t>
-                      </a:r>
-                      <a:endParaRPr lang="en-US" sz="1200" dirty="0"/>
-                    </a:p>
-                  </a:txBody>
-                  <a:tcPr/>
-                </a:tc>
-                <a:tc>
-                  <a:txBody>
-                    <a:bodyPr/>
-                    <a:lstStyle/>
-                    <a:p>
-                      <a:r>
-                        <a:rPr lang="fi-FI" sz="900" dirty="0"/>
-                        <a:t>Flush </a:t>
-                      </a:r>
-                      <a:r>
-                        <a:rPr lang="fi-FI" sz="900" dirty="0" err="1"/>
-                        <a:t>cell</a:t>
-                      </a:r>
-                      <a:r>
-                        <a:rPr lang="fi-FI" sz="900" dirty="0"/>
-                        <a:t> for</a:t>
-                      </a:r>
-                      <a:r>
-                        <a:rPr lang="fi-FI" sz="900" dirty="0">
-                          <a:solidFill>
-                            <a:srgbClr val="00B050"/>
-                          </a:solidFill>
-                        </a:rPr>
-                        <a:t> </a:t>
-                      </a:r>
-                      <a:r>
-                        <a:rPr lang="fi-FI" sz="900" dirty="0" err="1">
-                          <a:solidFill>
-                            <a:srgbClr val="00B050"/>
-                          </a:solidFill>
-                        </a:rPr>
-                        <a:t>T_flush</a:t>
-                      </a:r>
-                      <a:r>
-                        <a:rPr lang="fi-FI" sz="900" dirty="0">
-                          <a:solidFill>
-                            <a:srgbClr val="00B050"/>
-                          </a:solidFill>
-                        </a:rPr>
-                        <a:t> </a:t>
-                      </a:r>
-                      <a:r>
-                        <a:rPr lang="fi-FI" sz="900" dirty="0">
-                          <a:solidFill>
-                            <a:schemeClr val="accent1"/>
-                          </a:solidFill>
-                        </a:rPr>
-                        <a:t>(</a:t>
-                      </a:r>
-                      <a:r>
-                        <a:rPr lang="fi-FI" sz="900" dirty="0" err="1">
-                          <a:solidFill>
-                            <a:schemeClr val="accent1"/>
-                          </a:solidFill>
-                        </a:rPr>
-                        <a:t>goto</a:t>
-                      </a:r>
-                      <a:r>
-                        <a:rPr lang="fi-FI" sz="900" dirty="0">
-                          <a:solidFill>
-                            <a:schemeClr val="accent1"/>
-                          </a:solidFill>
-                        </a:rPr>
-                        <a:t> </a:t>
-                      </a:r>
-                      <a:r>
-                        <a:rPr lang="fi-FI" sz="900" dirty="0" err="1">
-                          <a:solidFill>
-                            <a:schemeClr val="accent1"/>
-                          </a:solidFill>
-                        </a:rPr>
-                        <a:t>Evac</a:t>
-                      </a:r>
-                      <a:r>
-                        <a:rPr lang="fi-FI" sz="900" dirty="0">
-                          <a:solidFill>
-                            <a:schemeClr val="accent1"/>
-                          </a:solidFill>
-                        </a:rPr>
-                        <a:t> to </a:t>
-                      </a:r>
-                      <a:r>
-                        <a:rPr lang="fi-FI" sz="900" dirty="0" err="1">
-                          <a:solidFill>
-                            <a:schemeClr val="accent1"/>
-                          </a:solidFill>
-                        </a:rPr>
-                        <a:t>P_meas</a:t>
-                      </a:r>
-                      <a:r>
-                        <a:rPr lang="fi-FI" sz="900" dirty="0">
-                          <a:solidFill>
-                            <a:schemeClr val="accent1"/>
-                          </a:solidFill>
-                        </a:rPr>
-                        <a:t>)</a:t>
-                      </a:r>
-                      <a:endParaRPr lang="en-US" sz="900" dirty="0">
-                        <a:solidFill>
-                          <a:schemeClr val="accent1"/>
-                        </a:solidFill>
-                      </a:endParaRPr>
-                    </a:p>
-                  </a:txBody>
-                  <a:tcPr/>
-                </a:tc>
-                <a:tc>
-                  <a:txBody>
-                    <a:bodyPr/>
-                    <a:lstStyle/>
-                    <a:p>
-                      <a:r>
-                        <a:rPr lang="fi-FI" sz="1400" dirty="0"/>
-                        <a:t>1</a:t>
-                      </a:r>
-                      <a:endParaRPr lang="en-US" sz="1400" dirty="0"/>
-                    </a:p>
-                  </a:txBody>
-                  <a:tcPr/>
-                </a:tc>
-                <a:tc>
-                  <a:txBody>
-                    <a:bodyPr/>
-                    <a:lstStyle/>
-                    <a:p>
-                      <a:r>
-                        <a:rPr lang="fi-FI" sz="1400" dirty="0"/>
-                        <a:t>1</a:t>
-                      </a:r>
-                      <a:endParaRPr lang="en-US" sz="1400" dirty="0"/>
-                    </a:p>
-                  </a:txBody>
-                  <a:tcPr/>
-                </a:tc>
-                <a:tc>
-                  <a:txBody>
-                    <a:bodyPr/>
-                    <a:lstStyle/>
-                    <a:p>
-                      <a:r>
-                        <a:rPr lang="fi-FI" sz="1400" dirty="0"/>
-                        <a:t>0</a:t>
-                      </a:r>
-                      <a:endParaRPr lang="en-US" sz="1400" dirty="0"/>
-                    </a:p>
-                  </a:txBody>
-                  <a:tcPr/>
-                </a:tc>
-                <a:tc>
-                  <a:txBody>
-                    <a:bodyPr/>
-                    <a:lstStyle/>
-                    <a:p>
-                      <a:r>
-                        <a:rPr lang="fi-FI" sz="1400" dirty="0"/>
-                        <a:t>1</a:t>
-                      </a:r>
-                      <a:endParaRPr lang="en-US" sz="1400" dirty="0"/>
-                    </a:p>
-                  </a:txBody>
-                  <a:tcPr/>
-                </a:tc>
-                <a:extLst>
-                  <a:ext uri="{0D108BD9-81ED-4DB2-BD59-A6C34878D82A}">
-                    <a16:rowId xmlns:a16="http://schemas.microsoft.com/office/drawing/2014/main" val="2714013447"/>
-                  </a:ext>
-                </a:extLst>
-              </a:tr>
-              <a:tr h="286234">
-                <a:tc>
-                  <a:txBody>
-                    <a:bodyPr/>
-                    <a:lstStyle/>
-                    <a:p>
-                      <a:r>
-                        <a:rPr lang="en-US" sz="1200" dirty="0"/>
-                        <a:t>Evac to </a:t>
-                      </a:r>
-                      <a:r>
-                        <a:rPr lang="en-US" sz="1200" dirty="0" err="1"/>
-                        <a:t>P_meas</a:t>
-                      </a:r>
-                      <a:endParaRPr lang="en-US" sz="1200" dirty="0"/>
-                    </a:p>
-                  </a:txBody>
-                  <a:tcPr/>
-                </a:tc>
-                <a:tc>
-                  <a:txBody>
-                    <a:bodyPr/>
-                    <a:lstStyle/>
-                    <a:p>
-                      <a:r>
-                        <a:rPr lang="en-US" sz="900" u="none" dirty="0"/>
-                        <a:t>Choked</a:t>
-                      </a:r>
-                      <a:r>
-                        <a:rPr lang="en-US" sz="900" dirty="0"/>
-                        <a:t> evac to P&lt;</a:t>
-                      </a:r>
-                      <a:r>
-                        <a:rPr lang="en-US" sz="900" dirty="0" err="1">
-                          <a:solidFill>
-                            <a:srgbClr val="00B050"/>
-                          </a:solidFill>
-                        </a:rPr>
-                        <a:t>P_cell_evac</a:t>
-                      </a:r>
-                      <a:r>
-                        <a:rPr lang="en-US" sz="900" dirty="0">
-                          <a:solidFill>
-                            <a:srgbClr val="00B050"/>
-                          </a:solidFill>
-                        </a:rPr>
-                        <a:t> to </a:t>
-                      </a:r>
-                      <a:r>
-                        <a:rPr lang="en-US" sz="900" dirty="0" err="1">
-                          <a:solidFill>
-                            <a:srgbClr val="00B050"/>
-                          </a:solidFill>
-                        </a:rPr>
-                        <a:t>meas</a:t>
-                      </a:r>
-                      <a:r>
-                        <a:rPr lang="en-US" sz="900" dirty="0">
-                          <a:solidFill>
-                            <a:srgbClr val="00B050"/>
-                          </a:solidFill>
-                        </a:rPr>
-                        <a:t> </a:t>
-                      </a:r>
-                      <a:r>
-                        <a:rPr lang="en-US" sz="900" kern="1200" dirty="0">
-                          <a:solidFill>
-                            <a:schemeClr val="dk1"/>
-                          </a:solidFill>
-                          <a:latin typeface="+mn-lt"/>
-                          <a:ea typeface="+mn-ea"/>
-                          <a:cs typeface="+mn-cs"/>
-                        </a:rPr>
-                        <a:t>or</a:t>
-                      </a:r>
-                      <a:r>
-                        <a:rPr lang="en-US" sz="900" dirty="0">
-                          <a:solidFill>
-                            <a:srgbClr val="00B050"/>
-                          </a:solidFill>
-                        </a:rPr>
-                        <a:t> </a:t>
-                      </a:r>
-                      <a:r>
-                        <a:rPr lang="en-US" sz="900" kern="1200" dirty="0">
-                          <a:solidFill>
-                            <a:schemeClr val="dk1"/>
-                          </a:solidFill>
-                          <a:latin typeface="+mn-lt"/>
-                          <a:ea typeface="+mn-ea"/>
-                          <a:cs typeface="+mn-cs"/>
-                        </a:rPr>
-                        <a:t>wait </a:t>
-                      </a:r>
-                      <a:r>
-                        <a:rPr lang="en-US" sz="900" dirty="0" err="1">
-                          <a:solidFill>
-                            <a:srgbClr val="00B050"/>
-                          </a:solidFill>
-                        </a:rPr>
-                        <a:t>Evac_TO</a:t>
-                      </a:r>
-                      <a:r>
-                        <a:rPr lang="en-US" sz="900" dirty="0">
-                          <a:solidFill>
-                            <a:srgbClr val="00B050"/>
-                          </a:solidFill>
-                        </a:rPr>
-                        <a:t> </a:t>
-                      </a:r>
-                      <a:r>
-                        <a:rPr lang="en-US" sz="900" kern="1200" dirty="0">
-                          <a:solidFill>
-                            <a:schemeClr val="accent1"/>
-                          </a:solidFill>
-                          <a:latin typeface="+mn-lt"/>
-                          <a:ea typeface="+mn-ea"/>
-                          <a:cs typeface="+mn-cs"/>
-                        </a:rPr>
-                        <a:t>(</a:t>
-                      </a:r>
-                      <a:r>
-                        <a:rPr lang="en-US" sz="900" kern="1200" dirty="0" err="1">
-                          <a:solidFill>
-                            <a:schemeClr val="accent1"/>
-                          </a:solidFill>
-                          <a:latin typeface="+mn-lt"/>
-                          <a:ea typeface="+mn-ea"/>
-                          <a:cs typeface="+mn-cs"/>
-                        </a:rPr>
-                        <a:t>goto</a:t>
-                      </a:r>
-                      <a:r>
-                        <a:rPr lang="en-US" sz="900" kern="1200" dirty="0">
-                          <a:solidFill>
-                            <a:schemeClr val="accent1"/>
-                          </a:solidFill>
-                          <a:latin typeface="+mn-lt"/>
-                          <a:ea typeface="+mn-ea"/>
-                          <a:cs typeface="+mn-cs"/>
-                        </a:rPr>
-                        <a:t> Measure P)</a:t>
-                      </a:r>
-                    </a:p>
-                  </a:txBody>
-                  <a:tcPr/>
-                </a:tc>
-                <a:tc>
-                  <a:txBody>
-                    <a:bodyPr/>
-                    <a:lstStyle/>
-                    <a:p>
-                      <a:r>
-                        <a:rPr lang="en-US" sz="1400" dirty="0"/>
-                        <a:t>0</a:t>
-                      </a:r>
-                    </a:p>
-                  </a:txBody>
-                  <a:tcPr/>
-                </a:tc>
-                <a:tc>
-                  <a:txBody>
-                    <a:bodyPr/>
-                    <a:lstStyle/>
-                    <a:p>
-                      <a:r>
-                        <a:rPr lang="en-US" sz="1400" dirty="0"/>
-                        <a:t>1</a:t>
-                      </a:r>
-                    </a:p>
-                  </a:txBody>
-                  <a:tcPr/>
-                </a:tc>
-                <a:tc>
-                  <a:txBody>
-                    <a:bodyPr/>
-                    <a:lstStyle/>
-                    <a:p>
-                      <a:r>
-                        <a:rPr lang="en-US" sz="1400" dirty="0"/>
-                        <a:t>1</a:t>
-                      </a:r>
-                    </a:p>
-                  </a:txBody>
-                  <a:tcPr/>
-                </a:tc>
-                <a:tc>
-                  <a:txBody>
-                    <a:bodyPr/>
-                    <a:lstStyle/>
-                    <a:p>
-                      <a:r>
-                        <a:rPr lang="en-US" sz="1400" dirty="0"/>
-                        <a:t>1</a:t>
-                      </a:r>
-                    </a:p>
-                  </a:txBody>
-                  <a:tcPr/>
-                </a:tc>
-                <a:extLst>
-                  <a:ext uri="{0D108BD9-81ED-4DB2-BD59-A6C34878D82A}">
-                    <a16:rowId xmlns:a16="http://schemas.microsoft.com/office/drawing/2014/main" val="174360906"/>
-                  </a:ext>
-                </a:extLst>
-              </a:tr>
-              <a:tr h="286234">
-                <a:tc>
-                  <a:txBody>
-                    <a:bodyPr/>
-                    <a:lstStyle/>
-                    <a:p>
-                      <a:r>
-                        <a:rPr lang="en-US" sz="1200" dirty="0"/>
-                        <a:t>Measure P</a:t>
-                      </a:r>
-                    </a:p>
-                  </a:txBody>
-                  <a:tcPr/>
-                </a:tc>
-                <a:tc>
-                  <a:txBody>
-                    <a:bodyPr/>
-                    <a:lstStyle/>
-                    <a:p>
-                      <a:r>
-                        <a:rPr lang="en-US" sz="900" dirty="0"/>
-                        <a:t>Cell open to pressure sensor for </a:t>
-                      </a:r>
-                      <a:r>
-                        <a:rPr lang="en-US" sz="900" kern="1200" dirty="0" err="1">
-                          <a:solidFill>
-                            <a:srgbClr val="00B050"/>
-                          </a:solidFill>
-                          <a:latin typeface="+mn-lt"/>
-                          <a:ea typeface="+mn-ea"/>
-                          <a:cs typeface="+mn-cs"/>
-                        </a:rPr>
-                        <a:t>T_pressure</a:t>
-                      </a:r>
-                      <a:r>
-                        <a:rPr lang="en-US" sz="900" kern="1200" dirty="0">
-                          <a:solidFill>
-                            <a:srgbClr val="00B050"/>
-                          </a:solidFill>
-                          <a:latin typeface="+mn-lt"/>
-                          <a:ea typeface="+mn-ea"/>
-                          <a:cs typeface="+mn-cs"/>
-                        </a:rPr>
-                        <a:t> </a:t>
-                      </a:r>
-                      <a:r>
-                        <a:rPr lang="en-US" sz="900" kern="1200" dirty="0">
-                          <a:solidFill>
-                            <a:schemeClr val="accent1"/>
-                          </a:solidFill>
-                          <a:latin typeface="+mn-lt"/>
-                          <a:ea typeface="+mn-ea"/>
-                          <a:cs typeface="+mn-cs"/>
-                        </a:rPr>
-                        <a:t>(if “</a:t>
-                      </a:r>
-                      <a:r>
-                        <a:rPr lang="en-US" sz="900" kern="1200" dirty="0" err="1">
-                          <a:solidFill>
-                            <a:srgbClr val="00B050"/>
-                          </a:solidFill>
-                          <a:latin typeface="+mn-lt"/>
-                          <a:ea typeface="+mn-ea"/>
-                          <a:cs typeface="+mn-cs"/>
-                        </a:rPr>
-                        <a:t>Measure_pressure</a:t>
-                      </a:r>
-                      <a:r>
-                        <a:rPr lang="en-US" sz="900" kern="1200" dirty="0">
-                          <a:solidFill>
-                            <a:schemeClr val="accent1"/>
-                          </a:solidFill>
-                          <a:latin typeface="+mn-lt"/>
-                          <a:ea typeface="+mn-ea"/>
-                          <a:cs typeface="+mn-cs"/>
-                        </a:rPr>
-                        <a:t>” </a:t>
-                      </a:r>
-                      <a:r>
-                        <a:rPr lang="en-US" sz="900" kern="1200" dirty="0" err="1">
-                          <a:solidFill>
-                            <a:schemeClr val="accent1"/>
-                          </a:solidFill>
-                          <a:latin typeface="+mn-lt"/>
-                          <a:ea typeface="+mn-ea"/>
-                          <a:cs typeface="+mn-cs"/>
-                        </a:rPr>
-                        <a:t>goto</a:t>
-                      </a:r>
-                      <a:r>
-                        <a:rPr lang="en-US" sz="900" kern="1200" dirty="0">
-                          <a:solidFill>
-                            <a:schemeClr val="accent1"/>
-                          </a:solidFill>
-                          <a:latin typeface="+mn-lt"/>
-                          <a:ea typeface="+mn-ea"/>
-                          <a:cs typeface="+mn-cs"/>
-                        </a:rPr>
-                        <a:t> Idle, else </a:t>
-                      </a:r>
-                      <a:r>
-                        <a:rPr lang="en-US" sz="900" kern="1200" dirty="0" err="1">
-                          <a:solidFill>
-                            <a:schemeClr val="accent1"/>
-                          </a:solidFill>
-                          <a:latin typeface="+mn-lt"/>
-                          <a:ea typeface="+mn-ea"/>
-                          <a:cs typeface="+mn-cs"/>
-                        </a:rPr>
-                        <a:t>goto</a:t>
-                      </a:r>
-                      <a:r>
-                        <a:rPr lang="en-US" sz="900" kern="1200" dirty="0">
-                          <a:solidFill>
-                            <a:schemeClr val="accent1"/>
-                          </a:solidFill>
-                          <a:latin typeface="+mn-lt"/>
-                          <a:ea typeface="+mn-ea"/>
-                          <a:cs typeface="+mn-cs"/>
-                        </a:rPr>
-                        <a:t> Measure)</a:t>
-                      </a:r>
-                    </a:p>
-                  </a:txBody>
-                  <a:tcPr/>
-                </a:tc>
-                <a:tc>
-                  <a:txBody>
-                    <a:bodyPr/>
-                    <a:lstStyle/>
-                    <a:p>
-                      <a:r>
-                        <a:rPr lang="en-US" sz="1400" dirty="0"/>
-                        <a:t>0</a:t>
-                      </a:r>
-                    </a:p>
-                  </a:txBody>
-                  <a:tcPr/>
-                </a:tc>
-                <a:tc>
-                  <a:txBody>
-                    <a:bodyPr/>
-                    <a:lstStyle/>
-                    <a:p>
-                      <a:r>
-                        <a:rPr lang="en-US" sz="1400" dirty="0"/>
-                        <a:t>1</a:t>
-                      </a:r>
-                    </a:p>
-                  </a:txBody>
-                  <a:tcPr/>
-                </a:tc>
-                <a:tc>
-                  <a:txBody>
-                    <a:bodyPr/>
-                    <a:lstStyle/>
-                    <a:p>
-                      <a:r>
-                        <a:rPr lang="en-US" sz="1400" dirty="0"/>
-                        <a:t>1</a:t>
-                      </a:r>
-                    </a:p>
-                  </a:txBody>
-                  <a:tcPr/>
-                </a:tc>
-                <a:tc>
-                  <a:txBody>
-                    <a:bodyPr/>
-                    <a:lstStyle/>
-                    <a:p>
-                      <a:r>
-                        <a:rPr lang="en-US" sz="1400" dirty="0"/>
-                        <a:t>0</a:t>
-                      </a:r>
-                    </a:p>
-                  </a:txBody>
-                  <a:tcPr/>
-                </a:tc>
-                <a:extLst>
-                  <a:ext uri="{0D108BD9-81ED-4DB2-BD59-A6C34878D82A}">
-                    <a16:rowId xmlns:a16="http://schemas.microsoft.com/office/drawing/2014/main" val="279128339"/>
-                  </a:ext>
-                </a:extLst>
-              </a:tr>
-              <a:tr h="286234">
-                <a:tc>
-                  <a:txBody>
-                    <a:bodyPr/>
-                    <a:lstStyle/>
-                    <a:p>
-                      <a:r>
-                        <a:rPr lang="en-US" sz="1200" dirty="0"/>
-                        <a:t>Measure</a:t>
-                      </a:r>
-                    </a:p>
-                  </a:txBody>
-                  <a:tcPr/>
-                </a:tc>
-                <a:tc>
-                  <a:txBody>
-                    <a:bodyPr/>
-                    <a:lstStyle/>
-                    <a:p>
-                      <a:r>
-                        <a:rPr lang="en-US" sz="900" dirty="0"/>
-                        <a:t>Wait for </a:t>
-                      </a:r>
-                      <a:r>
-                        <a:rPr lang="en-US" sz="900" kern="1200" dirty="0" err="1">
-                          <a:solidFill>
-                            <a:srgbClr val="00B050"/>
-                          </a:solidFill>
-                          <a:latin typeface="+mn-lt"/>
-                          <a:ea typeface="+mn-ea"/>
-                          <a:cs typeface="+mn-cs"/>
-                        </a:rPr>
-                        <a:t>T_meas</a:t>
-                      </a:r>
-                      <a:r>
-                        <a:rPr lang="en-US" sz="900" kern="1200" dirty="0">
-                          <a:solidFill>
-                            <a:srgbClr val="00B050"/>
-                          </a:solidFill>
-                          <a:latin typeface="+mn-lt"/>
-                          <a:ea typeface="+mn-ea"/>
-                          <a:cs typeface="+mn-cs"/>
-                        </a:rPr>
-                        <a:t> </a:t>
-                      </a:r>
-                      <a:r>
-                        <a:rPr lang="en-US" sz="900" kern="1200" dirty="0">
-                          <a:solidFill>
-                            <a:schemeClr val="accent1"/>
-                          </a:solidFill>
-                          <a:latin typeface="+mn-lt"/>
-                          <a:ea typeface="+mn-ea"/>
-                          <a:cs typeface="+mn-cs"/>
-                        </a:rPr>
-                        <a:t>(if “</a:t>
-                      </a:r>
-                      <a:r>
-                        <a:rPr lang="en-US" sz="900" kern="1200" dirty="0" err="1">
-                          <a:solidFill>
-                            <a:srgbClr val="00B050"/>
-                          </a:solidFill>
-                          <a:latin typeface="+mn-lt"/>
-                          <a:ea typeface="+mn-ea"/>
-                          <a:cs typeface="+mn-cs"/>
-                        </a:rPr>
-                        <a:t>GasX_on</a:t>
-                      </a:r>
-                      <a:r>
-                        <a:rPr lang="en-US" sz="900" kern="1200" dirty="0">
-                          <a:solidFill>
-                            <a:schemeClr val="accent1"/>
-                          </a:solidFill>
-                          <a:latin typeface="+mn-lt"/>
-                          <a:ea typeface="+mn-ea"/>
-                          <a:cs typeface="+mn-cs"/>
-                        </a:rPr>
-                        <a:t>” </a:t>
-                      </a:r>
-                      <a:r>
-                        <a:rPr lang="en-US" sz="900" kern="1200" dirty="0" err="1">
-                          <a:solidFill>
-                            <a:schemeClr val="accent1"/>
-                          </a:solidFill>
-                          <a:latin typeface="+mn-lt"/>
-                          <a:ea typeface="+mn-ea"/>
-                          <a:cs typeface="+mn-cs"/>
-                        </a:rPr>
-                        <a:t>goto</a:t>
-                      </a:r>
-                      <a:r>
-                        <a:rPr lang="en-US" sz="900" kern="1200" dirty="0">
-                          <a:solidFill>
-                            <a:schemeClr val="accent1"/>
-                          </a:solidFill>
-                          <a:latin typeface="+mn-lt"/>
-                          <a:ea typeface="+mn-ea"/>
-                          <a:cs typeface="+mn-cs"/>
-                        </a:rPr>
-                        <a:t> </a:t>
-                      </a:r>
-                      <a:r>
-                        <a:rPr lang="en-US" sz="900" kern="1200" dirty="0" err="1">
-                          <a:solidFill>
-                            <a:schemeClr val="accent1"/>
-                          </a:solidFill>
-                          <a:latin typeface="+mn-lt"/>
-                          <a:ea typeface="+mn-ea"/>
-                          <a:cs typeface="+mn-cs"/>
-                        </a:rPr>
-                        <a:t>Gasx</a:t>
-                      </a:r>
-                      <a:r>
-                        <a:rPr lang="en-US" sz="900" kern="1200" dirty="0">
-                          <a:solidFill>
-                            <a:schemeClr val="accent1"/>
-                          </a:solidFill>
-                          <a:latin typeface="+mn-lt"/>
-                          <a:ea typeface="+mn-ea"/>
-                          <a:cs typeface="+mn-cs"/>
-                        </a:rPr>
-                        <a:t> trig, else </a:t>
-                      </a:r>
-                      <a:r>
-                        <a:rPr lang="en-US" sz="900" kern="1200" dirty="0" err="1">
-                          <a:solidFill>
-                            <a:schemeClr val="accent1"/>
-                          </a:solidFill>
-                          <a:latin typeface="+mn-lt"/>
-                          <a:ea typeface="+mn-ea"/>
-                          <a:cs typeface="+mn-cs"/>
-                        </a:rPr>
-                        <a:t>goto</a:t>
-                      </a:r>
-                      <a:r>
-                        <a:rPr lang="en-US" sz="900" kern="1200" dirty="0">
-                          <a:solidFill>
-                            <a:schemeClr val="accent1"/>
-                          </a:solidFill>
-                          <a:latin typeface="+mn-lt"/>
-                          <a:ea typeface="+mn-ea"/>
-                          <a:cs typeface="+mn-cs"/>
-                        </a:rPr>
-                        <a:t> Idle)</a:t>
-                      </a:r>
-                    </a:p>
-                  </a:txBody>
-                  <a:tcPr/>
-                </a:tc>
-                <a:tc>
-                  <a:txBody>
-                    <a:bodyPr/>
-                    <a:lstStyle/>
-                    <a:p>
-                      <a:r>
-                        <a:rPr lang="en-US" sz="1400" dirty="0"/>
-                        <a:t>0</a:t>
-                      </a:r>
-                    </a:p>
-                  </a:txBody>
-                  <a:tcPr/>
-                </a:tc>
-                <a:tc>
-                  <a:txBody>
-                    <a:bodyPr/>
-                    <a:lstStyle/>
-                    <a:p>
-                      <a:r>
-                        <a:rPr lang="en-US" sz="1400" dirty="0"/>
-                        <a:t>0</a:t>
-                      </a:r>
-                    </a:p>
-                  </a:txBody>
-                  <a:tcPr/>
-                </a:tc>
-                <a:tc>
-                  <a:txBody>
-                    <a:bodyPr/>
-                    <a:lstStyle/>
-                    <a:p>
-                      <a:r>
-                        <a:rPr lang="en-US" sz="1400" dirty="0"/>
-                        <a:t>0</a:t>
-                      </a:r>
-                    </a:p>
-                  </a:txBody>
-                  <a:tcPr/>
-                </a:tc>
-                <a:tc>
-                  <a:txBody>
-                    <a:bodyPr/>
-                    <a:lstStyle/>
-                    <a:p>
-                      <a:r>
-                        <a:rPr lang="en-US" sz="1400" dirty="0"/>
-                        <a:t>0</a:t>
-                      </a:r>
-                    </a:p>
-                  </a:txBody>
-                  <a:tcPr/>
-                </a:tc>
-                <a:extLst>
-                  <a:ext uri="{0D108BD9-81ED-4DB2-BD59-A6C34878D82A}">
-                    <a16:rowId xmlns:a16="http://schemas.microsoft.com/office/drawing/2014/main" val="2488418092"/>
-                  </a:ext>
-                </a:extLst>
-              </a:tr>
-              <a:tr h="286234">
-                <a:tc>
-                  <a:txBody>
-                    <a:bodyPr/>
-                    <a:lstStyle/>
-                    <a:p>
-                      <a:r>
-                        <a:rPr lang="en-US" sz="1200" dirty="0"/>
-                        <a:t>Idle</a:t>
-                      </a:r>
-                    </a:p>
-                  </a:txBody>
-                  <a:tcPr/>
-                </a:tc>
-                <a:tc>
-                  <a:txBody>
-                    <a:bodyPr/>
-                    <a:lstStyle/>
-                    <a:p>
-                      <a:r>
-                        <a:rPr lang="en-US" sz="900" dirty="0"/>
-                        <a:t>Wait for </a:t>
-                      </a:r>
-                      <a:r>
-                        <a:rPr lang="en-US" sz="900" dirty="0" err="1"/>
-                        <a:t>GasX</a:t>
-                      </a:r>
-                      <a:r>
-                        <a:rPr lang="en-US" sz="900" dirty="0"/>
-                        <a:t> trigger </a:t>
-                      </a:r>
-                      <a:r>
-                        <a:rPr lang="en-US" sz="900" dirty="0">
-                          <a:solidFill>
-                            <a:schemeClr val="accent1"/>
-                          </a:solidFill>
-                        </a:rPr>
-                        <a:t>(</a:t>
-                      </a:r>
-                      <a:r>
-                        <a:rPr lang="en-US" sz="900" dirty="0" err="1">
-                          <a:solidFill>
-                            <a:schemeClr val="accent1"/>
-                          </a:solidFill>
-                        </a:rPr>
-                        <a:t>goto</a:t>
-                      </a:r>
-                      <a:r>
-                        <a:rPr lang="en-US" sz="900" dirty="0">
-                          <a:solidFill>
-                            <a:schemeClr val="accent1"/>
-                          </a:solidFill>
-                        </a:rPr>
-                        <a:t> </a:t>
-                      </a:r>
-                      <a:r>
-                        <a:rPr lang="en-US" sz="900" dirty="0" err="1">
-                          <a:solidFill>
-                            <a:schemeClr val="accent1"/>
-                          </a:solidFill>
-                        </a:rPr>
-                        <a:t>Gasx</a:t>
-                      </a:r>
-                      <a:r>
-                        <a:rPr lang="en-US" sz="900" dirty="0">
-                          <a:solidFill>
-                            <a:schemeClr val="accent1"/>
-                          </a:solidFill>
-                        </a:rPr>
-                        <a:t> trig)</a:t>
-                      </a:r>
-                      <a:r>
-                        <a:rPr lang="en-US" sz="900" dirty="0"/>
-                        <a:t> or </a:t>
-                      </a:r>
-                      <a:r>
-                        <a:rPr lang="en-US" sz="900" dirty="0">
-                          <a:solidFill>
-                            <a:schemeClr val="accent1"/>
-                          </a:solidFill>
-                        </a:rPr>
-                        <a:t>shutdown </a:t>
-                      </a:r>
-                      <a:r>
-                        <a:rPr lang="en-US" sz="900" kern="1200" dirty="0">
-                          <a:solidFill>
-                            <a:schemeClr val="dk1"/>
-                          </a:solidFill>
-                          <a:latin typeface="+mn-lt"/>
-                          <a:ea typeface="+mn-ea"/>
-                          <a:cs typeface="+mn-cs"/>
-                        </a:rPr>
-                        <a:t>or </a:t>
-                      </a:r>
-                      <a:r>
-                        <a:rPr lang="en-US" sz="900" dirty="0">
-                          <a:solidFill>
-                            <a:schemeClr val="accent1"/>
-                          </a:solidFill>
-                        </a:rPr>
-                        <a:t>“</a:t>
-                      </a:r>
-                      <a:r>
-                        <a:rPr lang="en-US" sz="900" kern="1200" dirty="0" err="1">
-                          <a:solidFill>
-                            <a:srgbClr val="00B050"/>
-                          </a:solidFill>
-                          <a:latin typeface="+mn-lt"/>
-                          <a:ea typeface="+mn-ea"/>
-                          <a:cs typeface="+mn-cs"/>
-                        </a:rPr>
-                        <a:t>Measure_pressure</a:t>
-                      </a:r>
-                      <a:r>
-                        <a:rPr lang="en-US" sz="900" dirty="0">
-                          <a:solidFill>
-                            <a:schemeClr val="accent1"/>
-                          </a:solidFill>
-                        </a:rPr>
-                        <a:t>” (</a:t>
-                      </a:r>
-                      <a:r>
-                        <a:rPr lang="en-US" sz="900" dirty="0" err="1">
-                          <a:solidFill>
-                            <a:schemeClr val="accent1"/>
-                          </a:solidFill>
-                        </a:rPr>
-                        <a:t>goto</a:t>
-                      </a:r>
-                      <a:r>
-                        <a:rPr lang="en-US" sz="900" dirty="0">
-                          <a:solidFill>
-                            <a:schemeClr val="accent1"/>
-                          </a:solidFill>
-                        </a:rPr>
-                        <a:t> Measure P)</a:t>
-                      </a:r>
-                    </a:p>
-                  </a:txBody>
-                  <a:tcPr/>
-                </a:tc>
-                <a:tc>
-                  <a:txBody>
-                    <a:bodyPr/>
-                    <a:lstStyle/>
-                    <a:p>
-                      <a:r>
-                        <a:rPr lang="en-US" sz="1400" dirty="0"/>
-                        <a:t>0</a:t>
-                      </a:r>
-                    </a:p>
-                  </a:txBody>
-                  <a:tcPr/>
-                </a:tc>
-                <a:tc>
-                  <a:txBody>
-                    <a:bodyPr/>
-                    <a:lstStyle/>
-                    <a:p>
-                      <a:r>
-                        <a:rPr lang="en-US" sz="1400" dirty="0"/>
-                        <a:t>0</a:t>
-                      </a:r>
-                    </a:p>
-                  </a:txBody>
-                  <a:tcPr/>
-                </a:tc>
-                <a:tc>
-                  <a:txBody>
-                    <a:bodyPr/>
-                    <a:lstStyle/>
-                    <a:p>
-                      <a:r>
-                        <a:rPr lang="en-US" sz="1400" dirty="0"/>
-                        <a:t>0</a:t>
-                      </a:r>
-                    </a:p>
-                  </a:txBody>
-                  <a:tcPr/>
-                </a:tc>
-                <a:tc>
-                  <a:txBody>
-                    <a:bodyPr/>
-                    <a:lstStyle/>
-                    <a:p>
-                      <a:r>
-                        <a:rPr lang="en-US" sz="1400" dirty="0"/>
-                        <a:t>0</a:t>
-                      </a:r>
-                    </a:p>
-                  </a:txBody>
-                  <a:tcPr/>
-                </a:tc>
-                <a:extLst>
-                  <a:ext uri="{0D108BD9-81ED-4DB2-BD59-A6C34878D82A}">
-                    <a16:rowId xmlns:a16="http://schemas.microsoft.com/office/drawing/2014/main" val="3093695553"/>
-                  </a:ext>
-                </a:extLst>
-              </a:tr>
-            </a:tbl>
-          </a:graphicData>
-        </a:graphic>
-      </p:graphicFrame>
-      <p:sp>
-        <p:nvSpPr>
-          <p:cNvPr id="4" name="TextBox 3">
-            <a:extLst>
-              <a:ext uri="{FF2B5EF4-FFF2-40B4-BE49-F238E27FC236}">
-                <a16:creationId xmlns:a16="http://schemas.microsoft.com/office/drawing/2014/main" id="{8F90894E-A9E5-D39A-E5C2-8CAE146B6C05}"/>
-              </a:ext>
-            </a:extLst>
-          </p:cNvPr>
-          <p:cNvSpPr txBox="1"/>
-          <p:nvPr/>
-        </p:nvSpPr>
-        <p:spPr>
-          <a:xfrm>
-            <a:off x="592821" y="5360556"/>
-            <a:ext cx="2308992" cy="1200329"/>
-          </a:xfrm>
-          <a:prstGeom prst="rect">
-            <a:avLst/>
-          </a:prstGeom>
-          <a:noFill/>
-        </p:spPr>
-        <p:txBody>
-          <a:bodyPr wrap="square" rtlCol="0">
-            <a:spAutoFit/>
-          </a:bodyPr>
-          <a:lstStyle/>
-          <a:p>
-            <a:r>
-              <a:rPr lang="en-US" dirty="0"/>
-              <a:t>Valve logic: </a:t>
-            </a:r>
-          </a:p>
-          <a:p>
-            <a:r>
-              <a:rPr lang="en-US" dirty="0"/>
-              <a:t>0: default (down)</a:t>
-            </a:r>
-          </a:p>
-          <a:p>
-            <a:r>
-              <a:rPr lang="en-US" dirty="0"/>
-              <a:t>1: active (up)</a:t>
-            </a:r>
-          </a:p>
-          <a:p>
-            <a:r>
-              <a:rPr lang="en-US" dirty="0"/>
-              <a:t>“ “: common</a:t>
-            </a:r>
-          </a:p>
-        </p:txBody>
-      </p:sp>
-      <p:sp>
-        <p:nvSpPr>
-          <p:cNvPr id="143" name="Isosceles Triangle 142">
-            <a:extLst>
-              <a:ext uri="{FF2B5EF4-FFF2-40B4-BE49-F238E27FC236}">
-                <a16:creationId xmlns:a16="http://schemas.microsoft.com/office/drawing/2014/main" id="{2D129DA7-179E-2317-835B-56679726D39D}"/>
-              </a:ext>
-            </a:extLst>
-          </p:cNvPr>
-          <p:cNvSpPr/>
-          <p:nvPr/>
-        </p:nvSpPr>
-        <p:spPr>
-          <a:xfrm rot="16200000">
-            <a:off x="2145059" y="1289656"/>
-            <a:ext cx="281353" cy="342900"/>
-          </a:xfrm>
-          <a:prstGeom prst="triangle">
-            <a:avLst/>
-          </a:prstGeom>
-          <a:solidFill>
-            <a:schemeClr val="bg1"/>
-          </a:solidFill>
-          <a:ln w="28575"/>
-        </p:spPr>
-        <p:style>
-          <a:lnRef idx="2">
-            <a:schemeClr val="accent1">
-              <a:shade val="50000"/>
-            </a:schemeClr>
-          </a:lnRef>
-          <a:fillRef idx="1">
-            <a:schemeClr val="accent1"/>
-          </a:fillRef>
-          <a:effectRef idx="0">
-            <a:schemeClr val="accent1"/>
-          </a:effectRef>
-          <a:fontRef idx="minor">
-            <a:schemeClr val="lt1"/>
-          </a:fontRef>
-        </p:style>
-        <p:txBody>
-          <a:bodyPr rtlCol="0" anchor="ctr"/>
-          <a:lstStyle/>
-          <a:p>
-            <a:pPr algn="ctr"/>
-            <a:endParaRPr lang="fi-FI"/>
-          </a:p>
-        </p:txBody>
-      </p:sp>
-      <p:sp>
-        <p:nvSpPr>
-          <p:cNvPr id="144" name="Isosceles Triangle 143">
-            <a:extLst>
-              <a:ext uri="{FF2B5EF4-FFF2-40B4-BE49-F238E27FC236}">
-                <a16:creationId xmlns:a16="http://schemas.microsoft.com/office/drawing/2014/main" id="{8BBD5D7F-B22F-061A-6F05-BD0E356C5FDC}"/>
-              </a:ext>
-            </a:extLst>
-          </p:cNvPr>
-          <p:cNvSpPr/>
-          <p:nvPr/>
-        </p:nvSpPr>
-        <p:spPr>
-          <a:xfrm rot="5400000" flipH="1">
-            <a:off x="1791890" y="1289656"/>
-            <a:ext cx="281353" cy="342900"/>
-          </a:xfrm>
-          <a:prstGeom prst="triangle">
-            <a:avLst/>
-          </a:prstGeom>
-          <a:solidFill>
-            <a:schemeClr val="bg1"/>
-          </a:solidFill>
-          <a:ln w="28575"/>
-        </p:spPr>
-        <p:style>
-          <a:lnRef idx="2">
-            <a:schemeClr val="accent1">
-              <a:shade val="50000"/>
-            </a:schemeClr>
-          </a:lnRef>
-          <a:fillRef idx="1">
-            <a:schemeClr val="accent1"/>
-          </a:fillRef>
-          <a:effectRef idx="0">
-            <a:schemeClr val="accent1"/>
-          </a:effectRef>
-          <a:fontRef idx="minor">
-            <a:schemeClr val="lt1"/>
-          </a:fontRef>
-        </p:style>
-        <p:txBody>
-          <a:bodyPr rtlCol="0" anchor="ctr"/>
-          <a:lstStyle/>
-          <a:p>
-            <a:pPr algn="ctr"/>
-            <a:endParaRPr lang="fi-FI" dirty="0"/>
-          </a:p>
-        </p:txBody>
-      </p:sp>
-      <p:sp>
-        <p:nvSpPr>
-          <p:cNvPr id="145" name="Isosceles Triangle 144">
-            <a:extLst>
-              <a:ext uri="{FF2B5EF4-FFF2-40B4-BE49-F238E27FC236}">
-                <a16:creationId xmlns:a16="http://schemas.microsoft.com/office/drawing/2014/main" id="{3FAAB361-07CB-07FC-D6BD-F513244B3F4C}"/>
-              </a:ext>
-            </a:extLst>
-          </p:cNvPr>
-          <p:cNvSpPr/>
-          <p:nvPr/>
-        </p:nvSpPr>
-        <p:spPr>
-          <a:xfrm rot="10800000">
-            <a:off x="1981767" y="1099353"/>
-            <a:ext cx="281353" cy="342900"/>
-          </a:xfrm>
-          <a:prstGeom prst="triangle">
-            <a:avLst/>
-          </a:prstGeom>
-          <a:solidFill>
-            <a:schemeClr val="bg1"/>
-          </a:solidFill>
-          <a:ln w="28575"/>
-        </p:spPr>
-        <p:style>
-          <a:lnRef idx="2">
-            <a:schemeClr val="accent1">
-              <a:shade val="50000"/>
-            </a:schemeClr>
-          </a:lnRef>
-          <a:fillRef idx="1">
-            <a:schemeClr val="accent1"/>
-          </a:fillRef>
-          <a:effectRef idx="0">
-            <a:schemeClr val="accent1"/>
-          </a:effectRef>
-          <a:fontRef idx="minor">
-            <a:schemeClr val="lt1"/>
-          </a:fontRef>
-        </p:style>
-        <p:txBody>
-          <a:bodyPr rtlCol="0" anchor="ctr"/>
-          <a:lstStyle/>
-          <a:p>
-            <a:pPr algn="ctr"/>
-            <a:endParaRPr lang="fi-FI"/>
-          </a:p>
-        </p:txBody>
-      </p:sp>
-      <p:sp>
-        <p:nvSpPr>
-          <p:cNvPr id="146" name="TextBox 145">
-            <a:extLst>
-              <a:ext uri="{FF2B5EF4-FFF2-40B4-BE49-F238E27FC236}">
-                <a16:creationId xmlns:a16="http://schemas.microsoft.com/office/drawing/2014/main" id="{2356FBC1-135C-2E48-F311-8D197B462BC6}"/>
-              </a:ext>
-            </a:extLst>
-          </p:cNvPr>
-          <p:cNvSpPr txBox="1"/>
-          <p:nvPr/>
-        </p:nvSpPr>
-        <p:spPr>
-          <a:xfrm>
-            <a:off x="1971600" y="1018533"/>
-            <a:ext cx="301686" cy="369332"/>
-          </a:xfrm>
-          <a:prstGeom prst="rect">
-            <a:avLst/>
-          </a:prstGeom>
-          <a:noFill/>
-        </p:spPr>
-        <p:txBody>
-          <a:bodyPr wrap="none" rtlCol="0">
-            <a:spAutoFit/>
-          </a:bodyPr>
-          <a:lstStyle/>
-          <a:p>
-            <a:r>
-              <a:rPr lang="fi-FI" dirty="0"/>
-              <a:t>1</a:t>
-            </a:r>
-          </a:p>
-        </p:txBody>
-      </p:sp>
-      <p:sp>
-        <p:nvSpPr>
-          <p:cNvPr id="147" name="TextBox 146">
-            <a:extLst>
-              <a:ext uri="{FF2B5EF4-FFF2-40B4-BE49-F238E27FC236}">
-                <a16:creationId xmlns:a16="http://schemas.microsoft.com/office/drawing/2014/main" id="{7F7FFD96-5448-6599-8BC7-09ECF5FFBD58}"/>
-              </a:ext>
-            </a:extLst>
-          </p:cNvPr>
-          <p:cNvSpPr txBox="1"/>
-          <p:nvPr/>
-        </p:nvSpPr>
-        <p:spPr>
-          <a:xfrm>
-            <a:off x="2220226" y="1279891"/>
-            <a:ext cx="301686" cy="369332"/>
-          </a:xfrm>
-          <a:prstGeom prst="rect">
-            <a:avLst/>
-          </a:prstGeom>
-          <a:noFill/>
-        </p:spPr>
-        <p:txBody>
-          <a:bodyPr wrap="none" rtlCol="0">
-            <a:spAutoFit/>
-          </a:bodyPr>
-          <a:lstStyle/>
-          <a:p>
-            <a:r>
-              <a:rPr lang="fi-FI" dirty="0"/>
-              <a:t>0</a:t>
-            </a:r>
-          </a:p>
-        </p:txBody>
-      </p:sp>
-      <p:cxnSp>
-        <p:nvCxnSpPr>
-          <p:cNvPr id="148" name="Straight Connector 147">
-            <a:extLst>
-              <a:ext uri="{FF2B5EF4-FFF2-40B4-BE49-F238E27FC236}">
-                <a16:creationId xmlns:a16="http://schemas.microsoft.com/office/drawing/2014/main" id="{9A6C805E-4716-A4A9-8C64-70F73C79F024}"/>
-              </a:ext>
-            </a:extLst>
-          </p:cNvPr>
-          <p:cNvCxnSpPr>
-            <a:cxnSpLocks/>
-          </p:cNvCxnSpPr>
-          <p:nvPr/>
-        </p:nvCxnSpPr>
-        <p:spPr>
-          <a:xfrm>
-            <a:off x="2122444" y="463321"/>
-            <a:ext cx="0" cy="636027"/>
-          </a:xfrm>
-          <a:prstGeom prst="line">
-            <a:avLst/>
-          </a:prstGeom>
-          <a:ln w="57150">
-            <a:solidFill>
-              <a:srgbClr val="C00000"/>
-            </a:solidFill>
-          </a:ln>
-        </p:spPr>
-        <p:style>
-          <a:lnRef idx="1">
-            <a:schemeClr val="accent1"/>
-          </a:lnRef>
-          <a:fillRef idx="0">
-            <a:schemeClr val="accent1"/>
-          </a:fillRef>
-          <a:effectRef idx="0">
-            <a:schemeClr val="accent1"/>
-          </a:effectRef>
-          <a:fontRef idx="minor">
-            <a:schemeClr val="tx1"/>
-          </a:fontRef>
-        </p:style>
-      </p:cxnSp>
-      <p:cxnSp>
-        <p:nvCxnSpPr>
-          <p:cNvPr id="149" name="Straight Connector 148">
-            <a:extLst>
-              <a:ext uri="{FF2B5EF4-FFF2-40B4-BE49-F238E27FC236}">
-                <a16:creationId xmlns:a16="http://schemas.microsoft.com/office/drawing/2014/main" id="{9AAFE7C0-F783-192E-F8B7-5F783A77C7F1}"/>
-              </a:ext>
-            </a:extLst>
-          </p:cNvPr>
-          <p:cNvCxnSpPr>
-            <a:cxnSpLocks/>
-          </p:cNvCxnSpPr>
-          <p:nvPr/>
-        </p:nvCxnSpPr>
-        <p:spPr>
-          <a:xfrm flipH="1">
-            <a:off x="2680351" y="1328522"/>
-            <a:ext cx="2052" cy="257339"/>
-          </a:xfrm>
-          <a:prstGeom prst="line">
-            <a:avLst/>
-          </a:prstGeom>
-          <a:ln w="57150">
-            <a:solidFill>
-              <a:srgbClr val="C00000"/>
-            </a:solidFill>
-          </a:ln>
-        </p:spPr>
-        <p:style>
-          <a:lnRef idx="1">
-            <a:schemeClr val="accent1"/>
-          </a:lnRef>
-          <a:fillRef idx="0">
-            <a:schemeClr val="accent1"/>
-          </a:fillRef>
-          <a:effectRef idx="0">
-            <a:schemeClr val="accent1"/>
-          </a:effectRef>
-          <a:fontRef idx="minor">
-            <a:schemeClr val="tx1"/>
-          </a:fontRef>
-        </p:style>
-      </p:cxnSp>
-      <p:cxnSp>
-        <p:nvCxnSpPr>
-          <p:cNvPr id="150" name="Straight Connector 149">
-            <a:extLst>
-              <a:ext uri="{FF2B5EF4-FFF2-40B4-BE49-F238E27FC236}">
-                <a16:creationId xmlns:a16="http://schemas.microsoft.com/office/drawing/2014/main" id="{027B5634-3F54-7D18-8F06-23B21B5D4FDD}"/>
-              </a:ext>
-            </a:extLst>
-          </p:cNvPr>
-          <p:cNvCxnSpPr>
-            <a:cxnSpLocks/>
-          </p:cNvCxnSpPr>
-          <p:nvPr/>
-        </p:nvCxnSpPr>
-        <p:spPr>
-          <a:xfrm flipH="1">
-            <a:off x="2465308" y="1461106"/>
-            <a:ext cx="227023" cy="0"/>
-          </a:xfrm>
-          <a:prstGeom prst="line">
-            <a:avLst/>
-          </a:prstGeom>
-          <a:ln w="57150">
-            <a:solidFill>
-              <a:srgbClr val="C00000"/>
-            </a:solidFill>
-          </a:ln>
-        </p:spPr>
-        <p:style>
-          <a:lnRef idx="1">
-            <a:schemeClr val="accent1"/>
-          </a:lnRef>
-          <a:fillRef idx="0">
-            <a:schemeClr val="accent1"/>
-          </a:fillRef>
-          <a:effectRef idx="0">
-            <a:schemeClr val="accent1"/>
-          </a:effectRef>
-          <a:fontRef idx="minor">
-            <a:schemeClr val="tx1"/>
-          </a:fontRef>
-        </p:style>
-      </p:cxnSp>
-      <p:cxnSp>
-        <p:nvCxnSpPr>
-          <p:cNvPr id="151" name="Straight Connector 150">
-            <a:extLst>
-              <a:ext uri="{FF2B5EF4-FFF2-40B4-BE49-F238E27FC236}">
-                <a16:creationId xmlns:a16="http://schemas.microsoft.com/office/drawing/2014/main" id="{64BFAE5B-241E-9213-8803-2B986395E6EE}"/>
-              </a:ext>
-            </a:extLst>
-          </p:cNvPr>
-          <p:cNvCxnSpPr>
-            <a:cxnSpLocks/>
-          </p:cNvCxnSpPr>
-          <p:nvPr/>
-        </p:nvCxnSpPr>
-        <p:spPr>
-          <a:xfrm>
-            <a:off x="2092821" y="1759996"/>
-            <a:ext cx="1" cy="141684"/>
-          </a:xfrm>
-          <a:prstGeom prst="line">
-            <a:avLst/>
-          </a:prstGeom>
-          <a:ln w="57150">
-            <a:solidFill>
-              <a:srgbClr val="C00000"/>
-            </a:solidFill>
-          </a:ln>
-        </p:spPr>
-        <p:style>
-          <a:lnRef idx="1">
-            <a:schemeClr val="accent1"/>
-          </a:lnRef>
-          <a:fillRef idx="0">
-            <a:schemeClr val="accent1"/>
-          </a:fillRef>
-          <a:effectRef idx="0">
-            <a:schemeClr val="accent1"/>
-          </a:effectRef>
-          <a:fontRef idx="minor">
-            <a:schemeClr val="tx1"/>
-          </a:fontRef>
-        </p:style>
-      </p:cxnSp>
-      <p:cxnSp>
-        <p:nvCxnSpPr>
-          <p:cNvPr id="152" name="Straight Connector 151">
-            <a:extLst>
-              <a:ext uri="{FF2B5EF4-FFF2-40B4-BE49-F238E27FC236}">
-                <a16:creationId xmlns:a16="http://schemas.microsoft.com/office/drawing/2014/main" id="{327B4C3E-6DAE-C6BD-C70F-8EF30CC206E0}"/>
-              </a:ext>
-            </a:extLst>
-          </p:cNvPr>
-          <p:cNvCxnSpPr>
-            <a:cxnSpLocks/>
-          </p:cNvCxnSpPr>
-          <p:nvPr/>
-        </p:nvCxnSpPr>
-        <p:spPr>
-          <a:xfrm>
-            <a:off x="2106372" y="2259503"/>
-            <a:ext cx="1" cy="141684"/>
-          </a:xfrm>
-          <a:prstGeom prst="line">
-            <a:avLst/>
-          </a:prstGeom>
-          <a:ln w="57150">
-            <a:solidFill>
-              <a:srgbClr val="C00000"/>
-            </a:solidFill>
-          </a:ln>
-        </p:spPr>
-        <p:style>
-          <a:lnRef idx="1">
-            <a:schemeClr val="accent1"/>
-          </a:lnRef>
-          <a:fillRef idx="0">
-            <a:schemeClr val="accent1"/>
-          </a:fillRef>
-          <a:effectRef idx="0">
-            <a:schemeClr val="accent1"/>
-          </a:effectRef>
-          <a:fontRef idx="minor">
-            <a:schemeClr val="tx1"/>
-          </a:fontRef>
-        </p:style>
-      </p:cxnSp>
-      <p:sp>
-        <p:nvSpPr>
-          <p:cNvPr id="123" name="TextBox 122">
-            <a:extLst>
-              <a:ext uri="{FF2B5EF4-FFF2-40B4-BE49-F238E27FC236}">
-                <a16:creationId xmlns:a16="http://schemas.microsoft.com/office/drawing/2014/main" id="{4C6F3928-6635-783A-61F0-FB7ACA5ED1EB}"/>
-              </a:ext>
-            </a:extLst>
-          </p:cNvPr>
-          <p:cNvSpPr txBox="1"/>
-          <p:nvPr/>
-        </p:nvSpPr>
-        <p:spPr>
-          <a:xfrm>
-            <a:off x="2005775" y="56799"/>
-            <a:ext cx="1158266" cy="369332"/>
-          </a:xfrm>
-          <a:prstGeom prst="rect">
-            <a:avLst/>
-          </a:prstGeom>
-          <a:noFill/>
-        </p:spPr>
-        <p:txBody>
-          <a:bodyPr wrap="none" rtlCol="0">
-            <a:spAutoFit/>
-          </a:bodyPr>
-          <a:lstStyle/>
-          <a:p>
-            <a:r>
-              <a:rPr lang="fi-FI" dirty="0"/>
-              <a:t>Adj. </a:t>
-            </a:r>
-            <a:r>
-              <a:rPr lang="fi-FI" dirty="0" err="1"/>
-              <a:t>choke</a:t>
-            </a:r>
-            <a:endParaRPr lang="fi-FI" dirty="0"/>
-          </a:p>
-        </p:txBody>
-      </p:sp>
-      <p:cxnSp>
-        <p:nvCxnSpPr>
-          <p:cNvPr id="109" name="Straight Connector 108">
-            <a:extLst>
-              <a:ext uri="{FF2B5EF4-FFF2-40B4-BE49-F238E27FC236}">
-                <a16:creationId xmlns:a16="http://schemas.microsoft.com/office/drawing/2014/main" id="{30485D57-B142-ED3F-7811-1D4B41FD2C4E}"/>
-              </a:ext>
-            </a:extLst>
-          </p:cNvPr>
-          <p:cNvCxnSpPr>
-            <a:cxnSpLocks/>
-          </p:cNvCxnSpPr>
-          <p:nvPr/>
-        </p:nvCxnSpPr>
-        <p:spPr>
-          <a:xfrm flipH="1">
-            <a:off x="2102148" y="957229"/>
-            <a:ext cx="2309596" cy="0"/>
-          </a:xfrm>
-          <a:prstGeom prst="line">
-            <a:avLst/>
-          </a:prstGeom>
-          <a:ln w="57150">
-            <a:solidFill>
-              <a:srgbClr val="C00000"/>
-            </a:solidFill>
-          </a:ln>
-        </p:spPr>
-        <p:style>
-          <a:lnRef idx="1">
-            <a:schemeClr val="accent1"/>
-          </a:lnRef>
-          <a:fillRef idx="0">
-            <a:schemeClr val="accent1"/>
-          </a:fillRef>
-          <a:effectRef idx="0">
-            <a:schemeClr val="accent1"/>
-          </a:effectRef>
-          <a:fontRef idx="minor">
-            <a:schemeClr val="tx1"/>
-          </a:fontRef>
-        </p:style>
-      </p:cxnSp>
-      <p:sp>
-        <p:nvSpPr>
-          <p:cNvPr id="124" name="TextBox 123">
-            <a:extLst>
-              <a:ext uri="{FF2B5EF4-FFF2-40B4-BE49-F238E27FC236}">
-                <a16:creationId xmlns:a16="http://schemas.microsoft.com/office/drawing/2014/main" id="{E078C833-B4DF-7991-BBC6-695CEABE42CC}"/>
-              </a:ext>
-            </a:extLst>
-          </p:cNvPr>
-          <p:cNvSpPr txBox="1"/>
-          <p:nvPr/>
-        </p:nvSpPr>
-        <p:spPr>
-          <a:xfrm>
-            <a:off x="8039942" y="924476"/>
-            <a:ext cx="3052980" cy="2308324"/>
-          </a:xfrm>
-          <a:prstGeom prst="rect">
-            <a:avLst/>
-          </a:prstGeom>
-          <a:noFill/>
-        </p:spPr>
-        <p:txBody>
-          <a:bodyPr wrap="square" rtlCol="0">
-            <a:spAutoFit/>
-          </a:bodyPr>
-          <a:lstStyle/>
-          <a:p>
-            <a:r>
-              <a:rPr lang="en-US" dirty="0"/>
-              <a:t>Currently used parameters:</a:t>
-            </a:r>
-          </a:p>
-          <a:p>
-            <a:r>
-              <a:rPr lang="fi-FI" sz="1800" dirty="0" err="1">
-                <a:solidFill>
-                  <a:srgbClr val="00B050"/>
-                </a:solidFill>
-              </a:rPr>
-              <a:t>T_flush</a:t>
-            </a:r>
-            <a:endParaRPr lang="fi-FI" sz="1800" dirty="0">
-              <a:solidFill>
-                <a:srgbClr val="00B050"/>
-              </a:solidFill>
-            </a:endParaRPr>
-          </a:p>
-          <a:p>
-            <a:r>
-              <a:rPr lang="en-US" sz="1800" dirty="0" err="1">
-                <a:solidFill>
-                  <a:srgbClr val="00B050"/>
-                </a:solidFill>
-              </a:rPr>
-              <a:t>P_cell_evac</a:t>
-            </a:r>
-            <a:r>
-              <a:rPr lang="en-US" sz="1800" dirty="0">
-                <a:solidFill>
-                  <a:srgbClr val="00B050"/>
-                </a:solidFill>
-              </a:rPr>
-              <a:t> to </a:t>
-            </a:r>
-            <a:r>
-              <a:rPr lang="en-US" sz="1800" dirty="0" err="1">
-                <a:solidFill>
-                  <a:srgbClr val="00B050"/>
-                </a:solidFill>
-              </a:rPr>
-              <a:t>meas</a:t>
-            </a:r>
-            <a:endParaRPr lang="en-US" sz="1800" dirty="0">
-              <a:solidFill>
-                <a:srgbClr val="00B050"/>
-              </a:solidFill>
-            </a:endParaRPr>
-          </a:p>
-          <a:p>
-            <a:r>
-              <a:rPr lang="en-US" dirty="0" err="1">
-                <a:solidFill>
-                  <a:srgbClr val="00B050"/>
-                </a:solidFill>
-              </a:rPr>
-              <a:t>T_pressure</a:t>
-            </a:r>
-            <a:endParaRPr lang="en-US" sz="1800" dirty="0">
-              <a:solidFill>
-                <a:srgbClr val="00B050"/>
-              </a:solidFill>
-            </a:endParaRPr>
-          </a:p>
-          <a:p>
-            <a:r>
-              <a:rPr lang="en-US" dirty="0" err="1">
-                <a:solidFill>
-                  <a:srgbClr val="00B050"/>
-                </a:solidFill>
-              </a:rPr>
-              <a:t>T_meas</a:t>
-            </a:r>
-            <a:endParaRPr lang="en-US" dirty="0">
-              <a:solidFill>
-                <a:srgbClr val="00B050"/>
-              </a:solidFill>
-            </a:endParaRPr>
-          </a:p>
-          <a:p>
-            <a:r>
-              <a:rPr lang="en-US" dirty="0" err="1">
-                <a:solidFill>
-                  <a:srgbClr val="00B050"/>
-                </a:solidFill>
-              </a:rPr>
-              <a:t>Evac_TO</a:t>
-            </a:r>
-            <a:endParaRPr lang="en-US" dirty="0">
-              <a:solidFill>
-                <a:srgbClr val="00B050"/>
-              </a:solidFill>
-            </a:endParaRPr>
-          </a:p>
-          <a:p>
-            <a:r>
-              <a:rPr lang="en-US" dirty="0" err="1">
-                <a:solidFill>
-                  <a:srgbClr val="00B050"/>
-                </a:solidFill>
-              </a:rPr>
-              <a:t>GasX_on</a:t>
-            </a:r>
-            <a:endParaRPr lang="en-US" dirty="0">
-              <a:solidFill>
-                <a:srgbClr val="00B050"/>
-              </a:solidFill>
-            </a:endParaRPr>
-          </a:p>
-          <a:p>
-            <a:r>
-              <a:rPr lang="en-US" dirty="0" err="1">
-                <a:solidFill>
-                  <a:srgbClr val="00B050"/>
-                </a:solidFill>
-              </a:rPr>
-              <a:t>Measure_pressure</a:t>
-            </a:r>
-            <a:endParaRPr lang="en-US" dirty="0"/>
-          </a:p>
-        </p:txBody>
-      </p:sp>
-      <p:cxnSp>
-        <p:nvCxnSpPr>
-          <p:cNvPr id="17" name="Straight Connector 16">
-            <a:extLst>
-              <a:ext uri="{FF2B5EF4-FFF2-40B4-BE49-F238E27FC236}">
-                <a16:creationId xmlns:a16="http://schemas.microsoft.com/office/drawing/2014/main" id="{C8F75C94-69F1-BE3A-885E-9CCFC822BC1D}"/>
-              </a:ext>
-            </a:extLst>
-          </p:cNvPr>
-          <p:cNvCxnSpPr>
-            <a:cxnSpLocks/>
-          </p:cNvCxnSpPr>
-          <p:nvPr/>
-        </p:nvCxnSpPr>
-        <p:spPr>
-          <a:xfrm>
-            <a:off x="3131417" y="463321"/>
-            <a:ext cx="1" cy="141684"/>
-          </a:xfrm>
-          <a:prstGeom prst="line">
-            <a:avLst/>
-          </a:prstGeom>
-          <a:ln w="57150">
-            <a:solidFill>
-              <a:srgbClr val="C00000"/>
-            </a:solidFill>
-          </a:ln>
-        </p:spPr>
-        <p:style>
-          <a:lnRef idx="1">
-            <a:schemeClr val="accent1"/>
-          </a:lnRef>
-          <a:fillRef idx="0">
-            <a:schemeClr val="accent1"/>
-          </a:fillRef>
-          <a:effectRef idx="0">
-            <a:schemeClr val="accent1"/>
-          </a:effectRef>
-          <a:fontRef idx="minor">
-            <a:schemeClr val="tx1"/>
-          </a:fontRef>
-        </p:style>
-      </p:cxnSp>
-      <p:cxnSp>
-        <p:nvCxnSpPr>
-          <p:cNvPr id="19" name="Straight Connector 18">
-            <a:extLst>
-              <a:ext uri="{FF2B5EF4-FFF2-40B4-BE49-F238E27FC236}">
-                <a16:creationId xmlns:a16="http://schemas.microsoft.com/office/drawing/2014/main" id="{7906B58C-99FC-7EBD-3E32-54C4B7FA1468}"/>
-              </a:ext>
-            </a:extLst>
-          </p:cNvPr>
-          <p:cNvCxnSpPr>
-            <a:cxnSpLocks/>
-          </p:cNvCxnSpPr>
-          <p:nvPr/>
-        </p:nvCxnSpPr>
-        <p:spPr>
-          <a:xfrm flipH="1">
-            <a:off x="2102148" y="490382"/>
-            <a:ext cx="1035190" cy="0"/>
-          </a:xfrm>
-          <a:prstGeom prst="line">
-            <a:avLst/>
-          </a:prstGeom>
-          <a:ln w="57150">
-            <a:solidFill>
-              <a:srgbClr val="C00000"/>
-            </a:solidFill>
-          </a:ln>
-        </p:spPr>
-        <p:style>
-          <a:lnRef idx="1">
-            <a:schemeClr val="accent1"/>
-          </a:lnRef>
-          <a:fillRef idx="0">
-            <a:schemeClr val="accent1"/>
-          </a:fillRef>
-          <a:effectRef idx="0">
-            <a:schemeClr val="accent1"/>
-          </a:effectRef>
-          <a:fontRef idx="minor">
-            <a:schemeClr val="tx1"/>
-          </a:fontRef>
-        </p:style>
-      </p:cxnSp>
-      <p:grpSp>
-        <p:nvGrpSpPr>
-          <p:cNvPr id="6" name="Group 5">
-            <a:extLst>
-              <a:ext uri="{FF2B5EF4-FFF2-40B4-BE49-F238E27FC236}">
-                <a16:creationId xmlns:a16="http://schemas.microsoft.com/office/drawing/2014/main" id="{AED2A7B6-B0B6-931C-8F1C-59C78337E5DA}"/>
-              </a:ext>
-            </a:extLst>
-          </p:cNvPr>
-          <p:cNvGrpSpPr/>
-          <p:nvPr/>
-        </p:nvGrpSpPr>
-        <p:grpSpPr>
-          <a:xfrm>
-            <a:off x="2470424" y="416872"/>
-            <a:ext cx="308132" cy="140681"/>
-            <a:chOff x="3181780" y="722583"/>
-            <a:chExt cx="308132" cy="140681"/>
-          </a:xfrm>
-        </p:grpSpPr>
-        <p:sp>
-          <p:nvSpPr>
-            <p:cNvPr id="140" name="Isosceles Triangle 139">
-              <a:extLst>
-                <a:ext uri="{FF2B5EF4-FFF2-40B4-BE49-F238E27FC236}">
-                  <a16:creationId xmlns:a16="http://schemas.microsoft.com/office/drawing/2014/main" id="{9417EC19-CD21-CD71-1096-13DC73B3F249}"/>
-                </a:ext>
-              </a:extLst>
-            </p:cNvPr>
-            <p:cNvSpPr/>
-            <p:nvPr/>
-          </p:nvSpPr>
-          <p:spPr>
-            <a:xfrm rot="5400000">
-              <a:off x="3184665" y="719701"/>
-              <a:ext cx="140678" cy="146447"/>
-            </a:xfrm>
-            <a:prstGeom prst="triangle">
-              <a:avLst/>
-            </a:prstGeom>
-            <a:solidFill>
-              <a:schemeClr val="accent1"/>
-            </a:solidFill>
-            <a:ln w="28575"/>
-          </p:spPr>
-          <p:style>
-            <a:lnRef idx="2">
-              <a:schemeClr val="accent1">
-                <a:shade val="50000"/>
-              </a:schemeClr>
-            </a:lnRef>
-            <a:fillRef idx="1">
-              <a:schemeClr val="accent1"/>
-            </a:fillRef>
-            <a:effectRef idx="0">
-              <a:schemeClr val="accent1"/>
-            </a:effectRef>
-            <a:fontRef idx="minor">
-              <a:schemeClr val="lt1"/>
-            </a:fontRef>
-          </p:style>
-          <p:txBody>
-            <a:bodyPr rtlCol="0" anchor="ctr"/>
-            <a:lstStyle/>
-            <a:p>
-              <a:pPr algn="ctr"/>
-              <a:endParaRPr lang="fi-FI" dirty="0"/>
-            </a:p>
-          </p:txBody>
-        </p:sp>
-        <p:sp>
-          <p:nvSpPr>
-            <p:cNvPr id="142" name="Isosceles Triangle 141">
-              <a:extLst>
-                <a:ext uri="{FF2B5EF4-FFF2-40B4-BE49-F238E27FC236}">
-                  <a16:creationId xmlns:a16="http://schemas.microsoft.com/office/drawing/2014/main" id="{0670B1F3-692B-B3AA-4572-91A679EE2787}"/>
-                </a:ext>
-              </a:extLst>
-            </p:cNvPr>
-            <p:cNvSpPr/>
-            <p:nvPr/>
-          </p:nvSpPr>
-          <p:spPr>
-            <a:xfrm rot="16200000">
-              <a:off x="3346350" y="719698"/>
-              <a:ext cx="140678" cy="146447"/>
-            </a:xfrm>
-            <a:prstGeom prst="triangle">
-              <a:avLst/>
-            </a:prstGeom>
-            <a:solidFill>
-              <a:schemeClr val="accent1"/>
-            </a:solidFill>
-            <a:ln w="28575"/>
-          </p:spPr>
-          <p:style>
-            <a:lnRef idx="2">
-              <a:schemeClr val="accent1">
-                <a:shade val="50000"/>
-              </a:schemeClr>
-            </a:lnRef>
-            <a:fillRef idx="1">
-              <a:schemeClr val="accent1"/>
-            </a:fillRef>
-            <a:effectRef idx="0">
-              <a:schemeClr val="accent1"/>
-            </a:effectRef>
-            <a:fontRef idx="minor">
-              <a:schemeClr val="lt1"/>
-            </a:fontRef>
-          </p:style>
-          <p:txBody>
-            <a:bodyPr rtlCol="0" anchor="ctr"/>
-            <a:lstStyle/>
-            <a:p>
-              <a:pPr algn="ctr"/>
-              <a:endParaRPr lang="fi-FI" dirty="0"/>
-            </a:p>
-          </p:txBody>
-        </p:sp>
-      </p:grpSp>
-      <p:sp>
-        <p:nvSpPr>
-          <p:cNvPr id="39" name="TextBox 38">
-            <a:extLst>
-              <a:ext uri="{FF2B5EF4-FFF2-40B4-BE49-F238E27FC236}">
-                <a16:creationId xmlns:a16="http://schemas.microsoft.com/office/drawing/2014/main" id="{CAF841AD-8B87-505C-24DC-9BDA59ABACBB}"/>
-              </a:ext>
-            </a:extLst>
-          </p:cNvPr>
-          <p:cNvSpPr txBox="1"/>
-          <p:nvPr/>
-        </p:nvSpPr>
-        <p:spPr>
-          <a:xfrm>
-            <a:off x="1544585" y="709832"/>
-            <a:ext cx="529312" cy="461665"/>
-          </a:xfrm>
-          <a:prstGeom prst="rect">
-            <a:avLst/>
-          </a:prstGeom>
-          <a:noFill/>
-        </p:spPr>
-        <p:txBody>
-          <a:bodyPr wrap="none" rtlCol="0">
-            <a:spAutoFit/>
-          </a:bodyPr>
-          <a:lstStyle/>
-          <a:p>
-            <a:r>
-              <a:rPr lang="fi-FI" sz="2400" dirty="0"/>
-              <a:t>V4</a:t>
-            </a:r>
-          </a:p>
-        </p:txBody>
-      </p:sp>
-      <p:sp>
-        <p:nvSpPr>
-          <p:cNvPr id="40" name="TextBox 39">
-            <a:extLst>
-              <a:ext uri="{FF2B5EF4-FFF2-40B4-BE49-F238E27FC236}">
-                <a16:creationId xmlns:a16="http://schemas.microsoft.com/office/drawing/2014/main" id="{BABFC48F-52DD-DBE5-8684-50C9FD5D8941}"/>
-              </a:ext>
-            </a:extLst>
-          </p:cNvPr>
-          <p:cNvSpPr txBox="1"/>
-          <p:nvPr/>
-        </p:nvSpPr>
-        <p:spPr>
-          <a:xfrm>
-            <a:off x="3303102" y="308817"/>
-            <a:ext cx="529312" cy="461665"/>
-          </a:xfrm>
-          <a:prstGeom prst="rect">
-            <a:avLst/>
-          </a:prstGeom>
-          <a:noFill/>
-        </p:spPr>
-        <p:txBody>
-          <a:bodyPr wrap="none" rtlCol="0">
-            <a:spAutoFit/>
-          </a:bodyPr>
-          <a:lstStyle/>
-          <a:p>
-            <a:r>
-              <a:rPr lang="fi-FI" sz="2400" dirty="0"/>
-              <a:t>V3</a:t>
-            </a:r>
-          </a:p>
-        </p:txBody>
-      </p:sp>
-      <p:sp>
-        <p:nvSpPr>
-          <p:cNvPr id="8" name="Isosceles Triangle 7">
-            <a:extLst>
-              <a:ext uri="{FF2B5EF4-FFF2-40B4-BE49-F238E27FC236}">
-                <a16:creationId xmlns:a16="http://schemas.microsoft.com/office/drawing/2014/main" id="{45362CA1-6801-C0CC-DFC3-8508EE4AB57C}"/>
-              </a:ext>
-            </a:extLst>
-          </p:cNvPr>
-          <p:cNvSpPr/>
-          <p:nvPr/>
-        </p:nvSpPr>
-        <p:spPr>
-          <a:xfrm rot="16200000">
-            <a:off x="3154033" y="795313"/>
-            <a:ext cx="281353" cy="342900"/>
-          </a:xfrm>
-          <a:prstGeom prst="triangle">
-            <a:avLst/>
-          </a:prstGeom>
-          <a:solidFill>
-            <a:schemeClr val="bg1"/>
-          </a:solidFill>
-          <a:ln w="28575"/>
-        </p:spPr>
-        <p:style>
-          <a:lnRef idx="2">
-            <a:schemeClr val="accent1">
-              <a:shade val="50000"/>
-            </a:schemeClr>
-          </a:lnRef>
-          <a:fillRef idx="1">
-            <a:schemeClr val="accent1"/>
-          </a:fillRef>
-          <a:effectRef idx="0">
-            <a:schemeClr val="accent1"/>
-          </a:effectRef>
-          <a:fontRef idx="minor">
-            <a:schemeClr val="lt1"/>
-          </a:fontRef>
-        </p:style>
-        <p:txBody>
-          <a:bodyPr rtlCol="0" anchor="ctr"/>
-          <a:lstStyle/>
-          <a:p>
-            <a:pPr algn="ctr"/>
-            <a:endParaRPr lang="fi-FI"/>
-          </a:p>
-        </p:txBody>
-      </p:sp>
-      <p:sp>
-        <p:nvSpPr>
-          <p:cNvPr id="10" name="Isosceles Triangle 9">
-            <a:extLst>
-              <a:ext uri="{FF2B5EF4-FFF2-40B4-BE49-F238E27FC236}">
-                <a16:creationId xmlns:a16="http://schemas.microsoft.com/office/drawing/2014/main" id="{06D1A924-897E-0FA5-F1B6-599DE2AD5DE7}"/>
-              </a:ext>
-            </a:extLst>
-          </p:cNvPr>
-          <p:cNvSpPr/>
-          <p:nvPr/>
-        </p:nvSpPr>
-        <p:spPr>
-          <a:xfrm rot="5400000" flipH="1">
-            <a:off x="2800864" y="795313"/>
-            <a:ext cx="281353" cy="342900"/>
-          </a:xfrm>
-          <a:prstGeom prst="triangle">
-            <a:avLst/>
-          </a:prstGeom>
-          <a:solidFill>
-            <a:schemeClr val="bg1"/>
-          </a:solidFill>
-          <a:ln w="28575"/>
-        </p:spPr>
-        <p:style>
-          <a:lnRef idx="2">
-            <a:schemeClr val="accent1">
-              <a:shade val="50000"/>
-            </a:schemeClr>
-          </a:lnRef>
-          <a:fillRef idx="1">
-            <a:schemeClr val="accent1"/>
-          </a:fillRef>
-          <a:effectRef idx="0">
-            <a:schemeClr val="accent1"/>
-          </a:effectRef>
-          <a:fontRef idx="minor">
-            <a:schemeClr val="lt1"/>
-          </a:fontRef>
-        </p:style>
-        <p:txBody>
-          <a:bodyPr rtlCol="0" anchor="ctr"/>
-          <a:lstStyle/>
-          <a:p>
-            <a:pPr algn="ctr"/>
-            <a:endParaRPr lang="fi-FI" dirty="0"/>
-          </a:p>
-        </p:txBody>
-      </p:sp>
-      <p:sp>
-        <p:nvSpPr>
-          <p:cNvPr id="11" name="Isosceles Triangle 10">
-            <a:extLst>
-              <a:ext uri="{FF2B5EF4-FFF2-40B4-BE49-F238E27FC236}">
-                <a16:creationId xmlns:a16="http://schemas.microsoft.com/office/drawing/2014/main" id="{E590C0C6-4D40-9BDD-5132-B8E795DBC912}"/>
-              </a:ext>
-            </a:extLst>
-          </p:cNvPr>
-          <p:cNvSpPr/>
-          <p:nvPr/>
-        </p:nvSpPr>
-        <p:spPr>
-          <a:xfrm rot="10800000">
-            <a:off x="2990741" y="605010"/>
-            <a:ext cx="281353" cy="342900"/>
-          </a:xfrm>
-          <a:prstGeom prst="triangle">
-            <a:avLst/>
-          </a:prstGeom>
-          <a:solidFill>
-            <a:schemeClr val="bg1"/>
-          </a:solidFill>
-          <a:ln w="28575"/>
-        </p:spPr>
-        <p:style>
-          <a:lnRef idx="2">
-            <a:schemeClr val="accent1">
-              <a:shade val="50000"/>
-            </a:schemeClr>
-          </a:lnRef>
-          <a:fillRef idx="1">
-            <a:schemeClr val="accent1"/>
-          </a:fillRef>
-          <a:effectRef idx="0">
-            <a:schemeClr val="accent1"/>
-          </a:effectRef>
-          <a:fontRef idx="minor">
-            <a:schemeClr val="lt1"/>
-          </a:fontRef>
-        </p:style>
-        <p:txBody>
-          <a:bodyPr rtlCol="0" anchor="ctr"/>
-          <a:lstStyle/>
-          <a:p>
-            <a:pPr algn="ctr"/>
-            <a:endParaRPr lang="fi-FI"/>
-          </a:p>
-        </p:txBody>
-      </p:sp>
-      <p:sp>
-        <p:nvSpPr>
-          <p:cNvPr id="12" name="TextBox 11">
-            <a:extLst>
-              <a:ext uri="{FF2B5EF4-FFF2-40B4-BE49-F238E27FC236}">
-                <a16:creationId xmlns:a16="http://schemas.microsoft.com/office/drawing/2014/main" id="{ADA10E75-FA09-A481-E1B9-720A515CA8AA}"/>
-              </a:ext>
-            </a:extLst>
-          </p:cNvPr>
-          <p:cNvSpPr txBox="1"/>
-          <p:nvPr/>
-        </p:nvSpPr>
-        <p:spPr>
-          <a:xfrm>
-            <a:off x="2980574" y="524190"/>
-            <a:ext cx="301686" cy="369332"/>
-          </a:xfrm>
-          <a:prstGeom prst="rect">
-            <a:avLst/>
-          </a:prstGeom>
-          <a:noFill/>
-        </p:spPr>
-        <p:txBody>
-          <a:bodyPr wrap="none" rtlCol="0">
-            <a:spAutoFit/>
-          </a:bodyPr>
-          <a:lstStyle/>
-          <a:p>
-            <a:r>
-              <a:rPr lang="fi-FI" dirty="0"/>
-              <a:t>1</a:t>
-            </a:r>
-          </a:p>
-        </p:txBody>
-      </p:sp>
-      <p:sp>
-        <p:nvSpPr>
-          <p:cNvPr id="15" name="TextBox 14">
-            <a:extLst>
-              <a:ext uri="{FF2B5EF4-FFF2-40B4-BE49-F238E27FC236}">
-                <a16:creationId xmlns:a16="http://schemas.microsoft.com/office/drawing/2014/main" id="{DEEF5206-E398-1C53-A1CA-4CB3A20946AD}"/>
-              </a:ext>
-            </a:extLst>
-          </p:cNvPr>
-          <p:cNvSpPr txBox="1"/>
-          <p:nvPr/>
-        </p:nvSpPr>
-        <p:spPr>
-          <a:xfrm>
-            <a:off x="2716109" y="785548"/>
-            <a:ext cx="301686" cy="369332"/>
-          </a:xfrm>
-          <a:prstGeom prst="rect">
-            <a:avLst/>
-          </a:prstGeom>
-          <a:noFill/>
-        </p:spPr>
-        <p:txBody>
-          <a:bodyPr wrap="none" rtlCol="0">
-            <a:spAutoFit/>
-          </a:bodyPr>
-          <a:lstStyle/>
-          <a:p>
-            <a:r>
-              <a:rPr lang="fi-FI" dirty="0"/>
-              <a:t>0</a:t>
-            </a:r>
           </a:p>
         </p:txBody>
       </p:sp>

--- a/Valve config.pptx
+++ b/Valve config.pptx
@@ -197,7 +197,7 @@
           <a:p>
             <a:fld id="{EE6BEC3B-6F85-4302-8908-900C0D6C4FEC}" type="datetimeFigureOut">
               <a:rPr lang="en-FI" smtClean="0"/>
-              <a:t>26/03/2025</a:t>
+              <a:t>04/04/2025</a:t>
             </a:fld>
             <a:endParaRPr lang="en-FI"/>
           </a:p>
@@ -722,7 +722,7 @@
           <a:p>
             <a:fld id="{86A0A194-F300-4491-8CC8-FAE241B806F0}" type="datetimeFigureOut">
               <a:rPr lang="en-FI" smtClean="0"/>
-              <a:t>26/03/2025</a:t>
+              <a:t>04/04/2025</a:t>
             </a:fld>
             <a:endParaRPr lang="en-FI"/>
           </a:p>
@@ -922,7 +922,7 @@
           <a:p>
             <a:fld id="{86A0A194-F300-4491-8CC8-FAE241B806F0}" type="datetimeFigureOut">
               <a:rPr lang="en-FI" smtClean="0"/>
-              <a:t>26/03/2025</a:t>
+              <a:t>04/04/2025</a:t>
             </a:fld>
             <a:endParaRPr lang="en-FI"/>
           </a:p>
@@ -1132,7 +1132,7 @@
           <a:p>
             <a:fld id="{86A0A194-F300-4491-8CC8-FAE241B806F0}" type="datetimeFigureOut">
               <a:rPr lang="en-FI" smtClean="0"/>
-              <a:t>26/03/2025</a:t>
+              <a:t>04/04/2025</a:t>
             </a:fld>
             <a:endParaRPr lang="en-FI"/>
           </a:p>
@@ -1332,7 +1332,7 @@
           <a:p>
             <a:fld id="{86A0A194-F300-4491-8CC8-FAE241B806F0}" type="datetimeFigureOut">
               <a:rPr lang="en-FI" smtClean="0"/>
-              <a:t>26/03/2025</a:t>
+              <a:t>04/04/2025</a:t>
             </a:fld>
             <a:endParaRPr lang="en-FI"/>
           </a:p>
@@ -1608,7 +1608,7 @@
           <a:p>
             <a:fld id="{86A0A194-F300-4491-8CC8-FAE241B806F0}" type="datetimeFigureOut">
               <a:rPr lang="en-FI" smtClean="0"/>
-              <a:t>26/03/2025</a:t>
+              <a:t>04/04/2025</a:t>
             </a:fld>
             <a:endParaRPr lang="en-FI"/>
           </a:p>
@@ -1876,7 +1876,7 @@
           <a:p>
             <a:fld id="{86A0A194-F300-4491-8CC8-FAE241B806F0}" type="datetimeFigureOut">
               <a:rPr lang="en-FI" smtClean="0"/>
-              <a:t>26/03/2025</a:t>
+              <a:t>04/04/2025</a:t>
             </a:fld>
             <a:endParaRPr lang="en-FI"/>
           </a:p>
@@ -2291,7 +2291,7 @@
           <a:p>
             <a:fld id="{86A0A194-F300-4491-8CC8-FAE241B806F0}" type="datetimeFigureOut">
               <a:rPr lang="en-FI" smtClean="0"/>
-              <a:t>26/03/2025</a:t>
+              <a:t>04/04/2025</a:t>
             </a:fld>
             <a:endParaRPr lang="en-FI"/>
           </a:p>
@@ -2433,7 +2433,7 @@
           <a:p>
             <a:fld id="{86A0A194-F300-4491-8CC8-FAE241B806F0}" type="datetimeFigureOut">
               <a:rPr lang="en-FI" smtClean="0"/>
-              <a:t>26/03/2025</a:t>
+              <a:t>04/04/2025</a:t>
             </a:fld>
             <a:endParaRPr lang="en-FI"/>
           </a:p>
@@ -2546,7 +2546,7 @@
           <a:p>
             <a:fld id="{86A0A194-F300-4491-8CC8-FAE241B806F0}" type="datetimeFigureOut">
               <a:rPr lang="en-FI" smtClean="0"/>
-              <a:t>26/03/2025</a:t>
+              <a:t>04/04/2025</a:t>
             </a:fld>
             <a:endParaRPr lang="en-FI"/>
           </a:p>
@@ -2859,7 +2859,7 @@
           <a:p>
             <a:fld id="{86A0A194-F300-4491-8CC8-FAE241B806F0}" type="datetimeFigureOut">
               <a:rPr lang="en-FI" smtClean="0"/>
-              <a:t>26/03/2025</a:t>
+              <a:t>04/04/2025</a:t>
             </a:fld>
             <a:endParaRPr lang="en-FI"/>
           </a:p>
@@ -3148,7 +3148,7 @@
           <a:p>
             <a:fld id="{86A0A194-F300-4491-8CC8-FAE241B806F0}" type="datetimeFigureOut">
               <a:rPr lang="en-FI" smtClean="0"/>
-              <a:t>26/03/2025</a:t>
+              <a:t>04/04/2025</a:t>
             </a:fld>
             <a:endParaRPr lang="en-FI"/>
           </a:p>
@@ -3391,7 +3391,7 @@
           <a:p>
             <a:fld id="{86A0A194-F300-4491-8CC8-FAE241B806F0}" type="datetimeFigureOut">
               <a:rPr lang="en-FI" smtClean="0"/>
-              <a:t>26/03/2025</a:t>
+              <a:t>04/04/2025</a:t>
             </a:fld>
             <a:endParaRPr lang="en-FI"/>
           </a:p>
@@ -3816,6 +3816,135 @@
       </p:grpSpPr>
       <p:cxnSp>
         <p:nvCxnSpPr>
+          <p:cNvPr id="60" name="Straight Connector 59">
+            <a:extLst>
+              <a:ext uri="{FF2B5EF4-FFF2-40B4-BE49-F238E27FC236}">
+                <a16:creationId xmlns:a16="http://schemas.microsoft.com/office/drawing/2014/main" id="{C7ABF623-EC09-5CA9-2EA0-E92FA69B6C45}"/>
+              </a:ext>
+            </a:extLst>
+          </p:cNvPr>
+          <p:cNvCxnSpPr>
+            <a:cxnSpLocks/>
+          </p:cNvCxnSpPr>
+          <p:nvPr/>
+        </p:nvCxnSpPr>
+        <p:spPr>
+          <a:xfrm flipH="1" flipV="1">
+            <a:off x="408884" y="2052414"/>
+            <a:ext cx="4806422" cy="23548"/>
+          </a:xfrm>
+          <a:prstGeom prst="line">
+            <a:avLst/>
+          </a:prstGeom>
+          <a:ln w="57150">
+            <a:solidFill>
+              <a:srgbClr val="C00000"/>
+            </a:solidFill>
+          </a:ln>
+        </p:spPr>
+        <p:style>
+          <a:lnRef idx="1">
+            <a:schemeClr val="accent1"/>
+          </a:lnRef>
+          <a:fillRef idx="0">
+            <a:schemeClr val="accent1"/>
+          </a:fillRef>
+          <a:effectRef idx="0">
+            <a:schemeClr val="accent1"/>
+          </a:effectRef>
+          <a:fontRef idx="minor">
+            <a:schemeClr val="tx1"/>
+          </a:fontRef>
+        </p:style>
+      </p:cxnSp>
+      <p:cxnSp>
+        <p:nvCxnSpPr>
+          <p:cNvPr id="113" name="Straight Connector 112">
+            <a:extLst>
+              <a:ext uri="{FF2B5EF4-FFF2-40B4-BE49-F238E27FC236}">
+                <a16:creationId xmlns:a16="http://schemas.microsoft.com/office/drawing/2014/main" id="{1B053E98-663B-DBFF-AE25-65F105FA605F}"/>
+              </a:ext>
+            </a:extLst>
+          </p:cNvPr>
+          <p:cNvCxnSpPr>
+            <a:cxnSpLocks/>
+          </p:cNvCxnSpPr>
+          <p:nvPr/>
+        </p:nvCxnSpPr>
+        <p:spPr>
+          <a:xfrm flipV="1">
+            <a:off x="5215306" y="1464557"/>
+            <a:ext cx="0" cy="1536813"/>
+          </a:xfrm>
+          <a:prstGeom prst="line">
+            <a:avLst/>
+          </a:prstGeom>
+          <a:ln w="57150">
+            <a:solidFill>
+              <a:srgbClr val="C00000"/>
+            </a:solidFill>
+            <a:headEnd type="arrow"/>
+            <a:tailEnd type="none"/>
+          </a:ln>
+        </p:spPr>
+        <p:style>
+          <a:lnRef idx="1">
+            <a:schemeClr val="accent1"/>
+          </a:lnRef>
+          <a:fillRef idx="0">
+            <a:schemeClr val="accent1"/>
+          </a:fillRef>
+          <a:effectRef idx="0">
+            <a:schemeClr val="accent1"/>
+          </a:effectRef>
+          <a:fontRef idx="minor">
+            <a:schemeClr val="tx1"/>
+          </a:fontRef>
+        </p:style>
+      </p:cxnSp>
+      <p:cxnSp>
+        <p:nvCxnSpPr>
+          <p:cNvPr id="83" name="Straight Connector 82">
+            <a:extLst>
+              <a:ext uri="{FF2B5EF4-FFF2-40B4-BE49-F238E27FC236}">
+                <a16:creationId xmlns:a16="http://schemas.microsoft.com/office/drawing/2014/main" id="{AECE0EDB-D028-A3C7-AA77-2E52FDFA20EC}"/>
+              </a:ext>
+            </a:extLst>
+          </p:cNvPr>
+          <p:cNvCxnSpPr/>
+          <p:nvPr/>
+        </p:nvCxnSpPr>
+        <p:spPr>
+          <a:xfrm>
+            <a:off x="1469068" y="2603052"/>
+            <a:ext cx="8792" cy="1602436"/>
+          </a:xfrm>
+          <a:prstGeom prst="line">
+            <a:avLst/>
+          </a:prstGeom>
+          <a:ln w="57150">
+            <a:solidFill>
+              <a:srgbClr val="C00000"/>
+            </a:solidFill>
+          </a:ln>
+        </p:spPr>
+        <p:style>
+          <a:lnRef idx="1">
+            <a:schemeClr val="accent1"/>
+          </a:lnRef>
+          <a:fillRef idx="0">
+            <a:schemeClr val="accent1"/>
+          </a:fillRef>
+          <a:effectRef idx="0">
+            <a:schemeClr val="accent1"/>
+          </a:effectRef>
+          <a:fontRef idx="minor">
+            <a:schemeClr val="tx1"/>
+          </a:fontRef>
+        </p:style>
+      </p:cxnSp>
+      <p:cxnSp>
+        <p:nvCxnSpPr>
           <p:cNvPr id="149" name="Straight Connector 148">
             <a:extLst>
               <a:ext uri="{FF2B5EF4-FFF2-40B4-BE49-F238E27FC236}">
@@ -5254,49 +5383,6 @@
       </p:cxnSp>
       <p:cxnSp>
         <p:nvCxnSpPr>
-          <p:cNvPr id="60" name="Straight Connector 59">
-            <a:extLst>
-              <a:ext uri="{FF2B5EF4-FFF2-40B4-BE49-F238E27FC236}">
-                <a16:creationId xmlns:a16="http://schemas.microsoft.com/office/drawing/2014/main" id="{C7ABF623-EC09-5CA9-2EA0-E92FA69B6C45}"/>
-              </a:ext>
-            </a:extLst>
-          </p:cNvPr>
-          <p:cNvCxnSpPr>
-            <a:cxnSpLocks/>
-          </p:cNvCxnSpPr>
-          <p:nvPr/>
-        </p:nvCxnSpPr>
-        <p:spPr>
-          <a:xfrm flipH="1" flipV="1">
-            <a:off x="408884" y="2052414"/>
-            <a:ext cx="4806422" cy="23548"/>
-          </a:xfrm>
-          <a:prstGeom prst="line">
-            <a:avLst/>
-          </a:prstGeom>
-          <a:ln w="57150">
-            <a:solidFill>
-              <a:srgbClr val="C00000"/>
-            </a:solidFill>
-          </a:ln>
-        </p:spPr>
-        <p:style>
-          <a:lnRef idx="1">
-            <a:schemeClr val="accent1"/>
-          </a:lnRef>
-          <a:fillRef idx="0">
-            <a:schemeClr val="accent1"/>
-          </a:fillRef>
-          <a:effectRef idx="0">
-            <a:schemeClr val="accent1"/>
-          </a:effectRef>
-          <a:fontRef idx="minor">
-            <a:schemeClr val="tx1"/>
-          </a:fontRef>
-        </p:style>
-      </p:cxnSp>
-      <p:cxnSp>
-        <p:nvCxnSpPr>
           <p:cNvPr id="64" name="Straight Connector 63">
             <a:extLst>
               <a:ext uri="{FF2B5EF4-FFF2-40B4-BE49-F238E27FC236}">
@@ -5426,47 +5512,6 @@
       </p:cxnSp>
       <p:cxnSp>
         <p:nvCxnSpPr>
-          <p:cNvPr id="83" name="Straight Connector 82">
-            <a:extLst>
-              <a:ext uri="{FF2B5EF4-FFF2-40B4-BE49-F238E27FC236}">
-                <a16:creationId xmlns:a16="http://schemas.microsoft.com/office/drawing/2014/main" id="{AECE0EDB-D028-A3C7-AA77-2E52FDFA20EC}"/>
-              </a:ext>
-            </a:extLst>
-          </p:cNvPr>
-          <p:cNvCxnSpPr/>
-          <p:nvPr/>
-        </p:nvCxnSpPr>
-        <p:spPr>
-          <a:xfrm>
-            <a:off x="1469068" y="2603052"/>
-            <a:ext cx="8792" cy="1602436"/>
-          </a:xfrm>
-          <a:prstGeom prst="line">
-            <a:avLst/>
-          </a:prstGeom>
-          <a:ln w="57150">
-            <a:solidFill>
-              <a:srgbClr val="C00000"/>
-            </a:solidFill>
-          </a:ln>
-        </p:spPr>
-        <p:style>
-          <a:lnRef idx="1">
-            <a:schemeClr val="accent1"/>
-          </a:lnRef>
-          <a:fillRef idx="0">
-            <a:schemeClr val="accent1"/>
-          </a:fillRef>
-          <a:effectRef idx="0">
-            <a:schemeClr val="accent1"/>
-          </a:effectRef>
-          <a:fontRef idx="minor">
-            <a:schemeClr val="tx1"/>
-          </a:fontRef>
-        </p:style>
-      </p:cxnSp>
-      <p:cxnSp>
-        <p:nvCxnSpPr>
           <p:cNvPr id="86" name="Straight Connector 85">
             <a:extLst>
               <a:ext uri="{FF2B5EF4-FFF2-40B4-BE49-F238E27FC236}">
@@ -5630,51 +5675,6 @@
           <a:xfrm>
             <a:off x="97660" y="1464754"/>
             <a:ext cx="2044617" cy="0"/>
-          </a:xfrm>
-          <a:prstGeom prst="line">
-            <a:avLst/>
-          </a:prstGeom>
-          <a:ln w="57150">
-            <a:solidFill>
-              <a:srgbClr val="C00000"/>
-            </a:solidFill>
-            <a:headEnd type="arrow"/>
-            <a:tailEnd type="none"/>
-          </a:ln>
-        </p:spPr>
-        <p:style>
-          <a:lnRef idx="1">
-            <a:schemeClr val="accent1"/>
-          </a:lnRef>
-          <a:fillRef idx="0">
-            <a:schemeClr val="accent1"/>
-          </a:fillRef>
-          <a:effectRef idx="0">
-            <a:schemeClr val="accent1"/>
-          </a:effectRef>
-          <a:fontRef idx="minor">
-            <a:schemeClr val="tx1"/>
-          </a:fontRef>
-        </p:style>
-      </p:cxnSp>
-      <p:cxnSp>
-        <p:nvCxnSpPr>
-          <p:cNvPr id="113" name="Straight Connector 112">
-            <a:extLst>
-              <a:ext uri="{FF2B5EF4-FFF2-40B4-BE49-F238E27FC236}">
-                <a16:creationId xmlns:a16="http://schemas.microsoft.com/office/drawing/2014/main" id="{1B053E98-663B-DBFF-AE25-65F105FA605F}"/>
-              </a:ext>
-            </a:extLst>
-          </p:cNvPr>
-          <p:cNvCxnSpPr>
-            <a:cxnSpLocks/>
-          </p:cNvCxnSpPr>
-          <p:nvPr/>
-        </p:nvCxnSpPr>
-        <p:spPr>
-          <a:xfrm flipV="1">
-            <a:off x="5215306" y="1464557"/>
-            <a:ext cx="0" cy="1222827"/>
           </a:xfrm>
           <a:prstGeom prst="line">
             <a:avLst/>
@@ -6431,14 +6431,14 @@
           <p:nvPr>
             <p:extLst>
               <p:ext uri="{D42A27DB-BD31-4B8C-83A1-F6EECF244321}">
-                <p14:modId xmlns:p14="http://schemas.microsoft.com/office/powerpoint/2010/main" val="3636278035"/>
+                <p14:modId xmlns:p14="http://schemas.microsoft.com/office/powerpoint/2010/main" val="397658406"/>
               </p:ext>
             </p:extLst>
           </p:nvPr>
         </p:nvGraphicFramePr>
         <p:xfrm>
           <a:off x="4827116" y="3674132"/>
-          <a:ext cx="6672733" cy="2199650"/>
+          <a:ext cx="6672733" cy="2565410"/>
         </p:xfrm>
         <a:graphic>
           <a:graphicData uri="http://schemas.openxmlformats.org/drawingml/2006/table">
@@ -6787,6 +6787,111 @@
                     <a:p>
                       <a:r>
                         <a:rPr lang="en-US" sz="1200" dirty="0"/>
+                        <a:t>Fast Flush</a:t>
+                      </a:r>
+                    </a:p>
+                  </a:txBody>
+                  <a:tcPr/>
+                </a:tc>
+                <a:tc>
+                  <a:txBody>
+                    <a:bodyPr/>
+                    <a:lstStyle/>
+                    <a:p>
+                      <a:r>
+                        <a:rPr lang="en-US" sz="900" dirty="0">
+                          <a:solidFill>
+                            <a:schemeClr val="tx1"/>
+                          </a:solidFill>
+                        </a:rPr>
+                        <a:t>Step before evac to </a:t>
+                      </a:r>
+                      <a:r>
+                        <a:rPr lang="en-US" sz="900" dirty="0" err="1">
+                          <a:solidFill>
+                            <a:schemeClr val="tx1"/>
+                          </a:solidFill>
+                        </a:rPr>
+                        <a:t>P_meas</a:t>
+                      </a:r>
+                      <a:r>
+                        <a:rPr lang="en-US" sz="900" dirty="0">
+                          <a:solidFill>
+                            <a:schemeClr val="tx1"/>
+                          </a:solidFill>
+                        </a:rPr>
+                        <a:t> (how long active will be determined experimentally)</a:t>
+                      </a:r>
+                    </a:p>
+                  </a:txBody>
+                  <a:tcPr/>
+                </a:tc>
+                <a:tc>
+                  <a:txBody>
+                    <a:bodyPr/>
+                    <a:lstStyle/>
+                    <a:p>
+                      <a:r>
+                        <a:rPr lang="en-US" sz="1400" dirty="0"/>
+                        <a:t>0</a:t>
+                      </a:r>
+                    </a:p>
+                  </a:txBody>
+                  <a:tcPr/>
+                </a:tc>
+                <a:tc>
+                  <a:txBody>
+                    <a:bodyPr/>
+                    <a:lstStyle/>
+                    <a:p>
+                      <a:r>
+                        <a:rPr lang="en-US" sz="1400" dirty="0"/>
+                        <a:t>1</a:t>
+                      </a:r>
+                    </a:p>
+                  </a:txBody>
+                  <a:tcPr/>
+                </a:tc>
+                <a:tc>
+                  <a:txBody>
+                    <a:bodyPr/>
+                    <a:lstStyle/>
+                    <a:p>
+                      <a:r>
+                        <a:rPr lang="en-US" sz="1400" dirty="0"/>
+                        <a:t>1</a:t>
+                      </a:r>
+                    </a:p>
+                  </a:txBody>
+                  <a:tcPr/>
+                </a:tc>
+                <a:tc>
+                  <a:txBody>
+                    <a:bodyPr/>
+                    <a:lstStyle/>
+                    <a:p>
+                      <a:r>
+                        <a:rPr lang="en-US" sz="1400" dirty="0"/>
+                        <a:t>0</a:t>
+                      </a:r>
+                    </a:p>
+                  </a:txBody>
+                  <a:tcPr/>
+                </a:tc>
+                <a:extLst>
+                  <a:ext uri="{0D108BD9-81ED-4DB2-BD59-A6C34878D82A}">
+                    <a16:rowId xmlns:a16="http://schemas.microsoft.com/office/drawing/2014/main" val="2388859131"/>
+                  </a:ext>
+                </a:extLst>
+              </a:tr>
+              <a:tr h="286234">
+                <a:tc>
+                  <a:txBody>
+                    <a:bodyPr/>
+                    <a:lstStyle/>
+                    <a:p>
+                      <a:r>
+                        <a:rPr lang="en-US" sz="1200" dirty="0"/>
                         <a:t>Evac to </a:t>
                       </a:r>
                       <a:r>
@@ -8077,7 +8182,7 @@
         <p:spPr>
           <a:xfrm>
             <a:off x="8039942" y="924476"/>
-            <a:ext cx="3052980" cy="2308324"/>
+            <a:ext cx="3052980" cy="2585323"/>
           </a:xfrm>
           <a:prstGeom prst="rect">
             <a:avLst/>
@@ -8209,6 +8314,21 @@
                 </a:solidFill>
               </a:rPr>
               <a:t>Measure_pressure</a:t>
+            </a:r>
+            <a:endParaRPr lang="en-US" dirty="0">
+              <a:solidFill>
+                <a:srgbClr val="00B050"/>
+              </a:solidFill>
+            </a:endParaRPr>
+          </a:p>
+          <a:p>
+            <a:r>
+              <a:rPr lang="en-US" dirty="0" err="1">
+                <a:solidFill>
+                  <a:srgbClr val="00B050"/>
+                </a:solidFill>
+              </a:rPr>
+              <a:t>FF_time</a:t>
             </a:r>
             <a:endParaRPr lang="en-US" dirty="0"/>
           </a:p>
